--- a/W13/W13S1/W13S1.pptx
+++ b/W13/W13S1/W13S1.pptx
@@ -5,7 +5,7 @@
     <p:sldMasterId id="2147483648" r:id="rId1"/>
   </p:sldMasterIdLst>
   <p:notesMasterIdLst>
-    <p:notesMasterId r:id="rId89"/>
+    <p:notesMasterId r:id="rId80"/>
   </p:notesMasterIdLst>
   <p:sldIdLst>
     <p:sldId id="377" r:id="rId2"/>
@@ -52,49 +52,40 @@
     <p:sldId id="604" r:id="rId43"/>
     <p:sldId id="593" r:id="rId44"/>
     <p:sldId id="594" r:id="rId45"/>
-    <p:sldId id="595" r:id="rId46"/>
-    <p:sldId id="596" r:id="rId47"/>
-    <p:sldId id="597" r:id="rId48"/>
-    <p:sldId id="598" r:id="rId49"/>
-    <p:sldId id="599" r:id="rId50"/>
-    <p:sldId id="600" r:id="rId51"/>
-    <p:sldId id="602" r:id="rId52"/>
-    <p:sldId id="601" r:id="rId53"/>
-    <p:sldId id="603" r:id="rId54"/>
-    <p:sldId id="605" r:id="rId55"/>
-    <p:sldId id="607" r:id="rId56"/>
-    <p:sldId id="606" r:id="rId57"/>
-    <p:sldId id="608" r:id="rId58"/>
-    <p:sldId id="609" r:id="rId59"/>
-    <p:sldId id="610" r:id="rId60"/>
-    <p:sldId id="611" r:id="rId61"/>
-    <p:sldId id="612" r:id="rId62"/>
-    <p:sldId id="613" r:id="rId63"/>
-    <p:sldId id="614" r:id="rId64"/>
-    <p:sldId id="615" r:id="rId65"/>
-    <p:sldId id="616" r:id="rId66"/>
-    <p:sldId id="617" r:id="rId67"/>
-    <p:sldId id="618" r:id="rId68"/>
-    <p:sldId id="619" r:id="rId69"/>
-    <p:sldId id="620" r:id="rId70"/>
-    <p:sldId id="621" r:id="rId71"/>
-    <p:sldId id="622" r:id="rId72"/>
-    <p:sldId id="625" r:id="rId73"/>
-    <p:sldId id="626" r:id="rId74"/>
-    <p:sldId id="627" r:id="rId75"/>
-    <p:sldId id="628" r:id="rId76"/>
-    <p:sldId id="630" r:id="rId77"/>
-    <p:sldId id="629" r:id="rId78"/>
-    <p:sldId id="631" r:id="rId79"/>
-    <p:sldId id="634" r:id="rId80"/>
-    <p:sldId id="635" r:id="rId81"/>
-    <p:sldId id="636" r:id="rId82"/>
-    <p:sldId id="637" r:id="rId83"/>
-    <p:sldId id="632" r:id="rId84"/>
-    <p:sldId id="633" r:id="rId85"/>
-    <p:sldId id="639" r:id="rId86"/>
-    <p:sldId id="640" r:id="rId87"/>
-    <p:sldId id="641" r:id="rId88"/>
+    <p:sldId id="599" r:id="rId46"/>
+    <p:sldId id="607" r:id="rId47"/>
+    <p:sldId id="606" r:id="rId48"/>
+    <p:sldId id="608" r:id="rId49"/>
+    <p:sldId id="609" r:id="rId50"/>
+    <p:sldId id="610" r:id="rId51"/>
+    <p:sldId id="611" r:id="rId52"/>
+    <p:sldId id="612" r:id="rId53"/>
+    <p:sldId id="613" r:id="rId54"/>
+    <p:sldId id="614" r:id="rId55"/>
+    <p:sldId id="615" r:id="rId56"/>
+    <p:sldId id="616" r:id="rId57"/>
+    <p:sldId id="617" r:id="rId58"/>
+    <p:sldId id="618" r:id="rId59"/>
+    <p:sldId id="619" r:id="rId60"/>
+    <p:sldId id="620" r:id="rId61"/>
+    <p:sldId id="621" r:id="rId62"/>
+    <p:sldId id="622" r:id="rId63"/>
+    <p:sldId id="625" r:id="rId64"/>
+    <p:sldId id="626" r:id="rId65"/>
+    <p:sldId id="627" r:id="rId66"/>
+    <p:sldId id="628" r:id="rId67"/>
+    <p:sldId id="630" r:id="rId68"/>
+    <p:sldId id="629" r:id="rId69"/>
+    <p:sldId id="631" r:id="rId70"/>
+    <p:sldId id="634" r:id="rId71"/>
+    <p:sldId id="635" r:id="rId72"/>
+    <p:sldId id="636" r:id="rId73"/>
+    <p:sldId id="637" r:id="rId74"/>
+    <p:sldId id="632" r:id="rId75"/>
+    <p:sldId id="633" r:id="rId76"/>
+    <p:sldId id="639" r:id="rId77"/>
+    <p:sldId id="640" r:id="rId78"/>
+    <p:sldId id="641" r:id="rId79"/>
   </p:sldIdLst>
   <p:sldSz cx="12192000" cy="6858000"/>
   <p:notesSz cx="6858000" cy="9144000"/>
@@ -278,16 +269,7 @@
             <p14:sldId id="604"/>
             <p14:sldId id="593"/>
             <p14:sldId id="594"/>
-            <p14:sldId id="595"/>
-            <p14:sldId id="596"/>
-            <p14:sldId id="597"/>
-            <p14:sldId id="598"/>
             <p14:sldId id="599"/>
-            <p14:sldId id="600"/>
-            <p14:sldId id="602"/>
-            <p14:sldId id="601"/>
-            <p14:sldId id="603"/>
-            <p14:sldId id="605"/>
             <p14:sldId id="607"/>
           </p14:sldIdLst>
         </p14:section>
@@ -5154,7 +5136,7 @@
   <pc:docChgLst>
     <pc:chgData name="Matthieu De Mari" userId="dfb708c9-d8dc-439f-9a3b-c772bf4a311c" providerId="ADAL" clId="{0F105625-1089-41E8-8768-808B0A76332B}"/>
     <pc:docChg chg="undo redo custSel addSld delSld modSld sldOrd addSection modSection">
-      <pc:chgData name="Matthieu De Mari" userId="dfb708c9-d8dc-439f-9a3b-c772bf4a311c" providerId="ADAL" clId="{0F105625-1089-41E8-8768-808B0A76332B}" dt="2023-04-17T09:42:38.501" v="12896" actId="114"/>
+      <pc:chgData name="Matthieu De Mari" userId="dfb708c9-d8dc-439f-9a3b-c772bf4a311c" providerId="ADAL" clId="{0F105625-1089-41E8-8768-808B0A76332B}" dt="2023-04-18T12:37:12.793" v="13050" actId="6549"/>
       <pc:docMkLst>
         <pc:docMk/>
       </pc:docMkLst>
@@ -5990,7 +5972,7 @@
         </pc:spChg>
       </pc:sldChg>
       <pc:sldChg chg="addSp delSp modSp new mod">
-        <pc:chgData name="Matthieu De Mari" userId="dfb708c9-d8dc-439f-9a3b-c772bf4a311c" providerId="ADAL" clId="{0F105625-1089-41E8-8768-808B0A76332B}" dt="2023-04-17T08:43:34.711" v="10162" actId="20577"/>
+        <pc:chgData name="Matthieu De Mari" userId="dfb708c9-d8dc-439f-9a3b-c772bf4a311c" providerId="ADAL" clId="{0F105625-1089-41E8-8768-808B0A76332B}" dt="2023-04-18T12:34:57.340" v="13012" actId="20577"/>
         <pc:sldMkLst>
           <pc:docMk/>
           <pc:sldMk cId="2385100266" sldId="593"/>
@@ -6004,7 +5986,7 @@
           </ac:spMkLst>
         </pc:spChg>
         <pc:spChg chg="mod">
-          <ac:chgData name="Matthieu De Mari" userId="dfb708c9-d8dc-439f-9a3b-c772bf4a311c" providerId="ADAL" clId="{0F105625-1089-41E8-8768-808B0A76332B}" dt="2023-04-17T08:43:34.711" v="10162" actId="20577"/>
+          <ac:chgData name="Matthieu De Mari" userId="dfb708c9-d8dc-439f-9a3b-c772bf4a311c" providerId="ADAL" clId="{0F105625-1089-41E8-8768-808B0A76332B}" dt="2023-04-18T12:34:57.340" v="13012" actId="20577"/>
           <ac:spMkLst>
             <pc:docMk/>
             <pc:sldMk cId="2385100266" sldId="593"/>
@@ -6028,14 +6010,14 @@
           </ac:spMkLst>
         </pc:spChg>
       </pc:sldChg>
-      <pc:sldChg chg="modSp add mod">
-        <pc:chgData name="Matthieu De Mari" userId="dfb708c9-d8dc-439f-9a3b-c772bf4a311c" providerId="ADAL" clId="{0F105625-1089-41E8-8768-808B0A76332B}" dt="2023-04-17T08:38:54.420" v="10081" actId="114"/>
+      <pc:sldChg chg="modSp add del mod">
+        <pc:chgData name="Matthieu De Mari" userId="dfb708c9-d8dc-439f-9a3b-c772bf4a311c" providerId="ADAL" clId="{0F105625-1089-41E8-8768-808B0A76332B}" dt="2023-04-18T12:36:52.624" v="13035" actId="47"/>
         <pc:sldMkLst>
           <pc:docMk/>
           <pc:sldMk cId="57453552" sldId="594"/>
         </pc:sldMkLst>
         <pc:spChg chg="mod">
-          <ac:chgData name="Matthieu De Mari" userId="dfb708c9-d8dc-439f-9a3b-c772bf4a311c" providerId="ADAL" clId="{0F105625-1089-41E8-8768-808B0A76332B}" dt="2023-04-17T08:38:54.420" v="10081" actId="114"/>
+          <ac:chgData name="Matthieu De Mari" userId="dfb708c9-d8dc-439f-9a3b-c772bf4a311c" providerId="ADAL" clId="{0F105625-1089-41E8-8768-808B0A76332B}" dt="2023-04-18T12:35:47.106" v="13020" actId="207"/>
           <ac:spMkLst>
             <pc:docMk/>
             <pc:sldMk cId="57453552" sldId="594"/>
@@ -6043,7 +6025,7 @@
           </ac:spMkLst>
         </pc:spChg>
         <pc:spChg chg="mod">
-          <ac:chgData name="Matthieu De Mari" userId="dfb708c9-d8dc-439f-9a3b-c772bf4a311c" providerId="ADAL" clId="{0F105625-1089-41E8-8768-808B0A76332B}" dt="2023-04-17T08:28:38.845" v="9638" actId="20577"/>
+          <ac:chgData name="Matthieu De Mari" userId="dfb708c9-d8dc-439f-9a3b-c772bf4a311c" providerId="ADAL" clId="{0F105625-1089-41E8-8768-808B0A76332B}" dt="2023-04-18T12:35:29.384" v="13017" actId="20577"/>
           <ac:spMkLst>
             <pc:docMk/>
             <pc:sldMk cId="57453552" sldId="594"/>
@@ -6051,8 +6033,8 @@
           </ac:spMkLst>
         </pc:spChg>
       </pc:sldChg>
-      <pc:sldChg chg="modSp add mod">
-        <pc:chgData name="Matthieu De Mari" userId="dfb708c9-d8dc-439f-9a3b-c772bf4a311c" providerId="ADAL" clId="{0F105625-1089-41E8-8768-808B0A76332B}" dt="2023-04-17T08:38:20.658" v="10072" actId="114"/>
+      <pc:sldChg chg="modSp add del mod">
+        <pc:chgData name="Matthieu De Mari" userId="dfb708c9-d8dc-439f-9a3b-c772bf4a311c" providerId="ADAL" clId="{0F105625-1089-41E8-8768-808B0A76332B}" dt="2023-04-18T12:35:54.327" v="13021" actId="47"/>
         <pc:sldMkLst>
           <pc:docMk/>
           <pc:sldMk cId="3128059839" sldId="595"/>
@@ -6074,8 +6056,8 @@
           </ac:spMkLst>
         </pc:spChg>
       </pc:sldChg>
-      <pc:sldChg chg="modSp add mod">
-        <pc:chgData name="Matthieu De Mari" userId="dfb708c9-d8dc-439f-9a3b-c772bf4a311c" providerId="ADAL" clId="{0F105625-1089-41E8-8768-808B0A76332B}" dt="2023-04-17T08:38:24.032" v="10073" actId="114"/>
+      <pc:sldChg chg="modSp add del mod">
+        <pc:chgData name="Matthieu De Mari" userId="dfb708c9-d8dc-439f-9a3b-c772bf4a311c" providerId="ADAL" clId="{0F105625-1089-41E8-8768-808B0A76332B}" dt="2023-04-18T12:35:56.213" v="13022" actId="47"/>
         <pc:sldMkLst>
           <pc:docMk/>
           <pc:sldMk cId="2882394214" sldId="596"/>
@@ -6097,8 +6079,8 @@
           </ac:spMkLst>
         </pc:spChg>
       </pc:sldChg>
-      <pc:sldChg chg="modSp add mod">
-        <pc:chgData name="Matthieu De Mari" userId="dfb708c9-d8dc-439f-9a3b-c772bf4a311c" providerId="ADAL" clId="{0F105625-1089-41E8-8768-808B0A76332B}" dt="2023-04-17T08:38:29.031" v="10075" actId="20577"/>
+      <pc:sldChg chg="modSp add del mod">
+        <pc:chgData name="Matthieu De Mari" userId="dfb708c9-d8dc-439f-9a3b-c772bf4a311c" providerId="ADAL" clId="{0F105625-1089-41E8-8768-808B0A76332B}" dt="2023-04-18T12:35:57.021" v="13023" actId="47"/>
         <pc:sldMkLst>
           <pc:docMk/>
           <pc:sldMk cId="2125982656" sldId="597"/>
@@ -6112,8 +6094,8 @@
           </ac:spMkLst>
         </pc:spChg>
       </pc:sldChg>
-      <pc:sldChg chg="modSp add mod">
-        <pc:chgData name="Matthieu De Mari" userId="dfb708c9-d8dc-439f-9a3b-c772bf4a311c" providerId="ADAL" clId="{0F105625-1089-41E8-8768-808B0A76332B}" dt="2023-04-17T08:38:33.529" v="10077" actId="114"/>
+      <pc:sldChg chg="modSp add del mod">
+        <pc:chgData name="Matthieu De Mari" userId="dfb708c9-d8dc-439f-9a3b-c772bf4a311c" providerId="ADAL" clId="{0F105625-1089-41E8-8768-808B0A76332B}" dt="2023-04-18T12:35:58.184" v="13024" actId="47"/>
         <pc:sldMkLst>
           <pc:docMk/>
           <pc:sldMk cId="1368333128" sldId="598"/>
@@ -6128,13 +6110,13 @@
         </pc:spChg>
       </pc:sldChg>
       <pc:sldChg chg="modSp add mod">
-        <pc:chgData name="Matthieu De Mari" userId="dfb708c9-d8dc-439f-9a3b-c772bf4a311c" providerId="ADAL" clId="{0F105625-1089-41E8-8768-808B0A76332B}" dt="2023-04-17T08:38:41.623" v="10079" actId="27636"/>
+        <pc:chgData name="Matthieu De Mari" userId="dfb708c9-d8dc-439f-9a3b-c772bf4a311c" providerId="ADAL" clId="{0F105625-1089-41E8-8768-808B0A76332B}" dt="2023-04-18T12:36:13.209" v="13028" actId="20577"/>
         <pc:sldMkLst>
           <pc:docMk/>
           <pc:sldMk cId="2924132573" sldId="599"/>
         </pc:sldMkLst>
         <pc:spChg chg="mod">
-          <ac:chgData name="Matthieu De Mari" userId="dfb708c9-d8dc-439f-9a3b-c772bf4a311c" providerId="ADAL" clId="{0F105625-1089-41E8-8768-808B0A76332B}" dt="2023-04-17T08:38:41.623" v="10079" actId="27636"/>
+          <ac:chgData name="Matthieu De Mari" userId="dfb708c9-d8dc-439f-9a3b-c772bf4a311c" providerId="ADAL" clId="{0F105625-1089-41E8-8768-808B0A76332B}" dt="2023-04-18T12:36:13.209" v="13028" actId="20577"/>
           <ac:spMkLst>
             <pc:docMk/>
             <pc:sldMk cId="2924132573" sldId="599"/>
@@ -6150,8 +6132,8 @@
           </ac:spMkLst>
         </pc:spChg>
       </pc:sldChg>
-      <pc:sldChg chg="addSp delSp modSp add mod">
-        <pc:chgData name="Matthieu De Mari" userId="dfb708c9-d8dc-439f-9a3b-c772bf4a311c" providerId="ADAL" clId="{0F105625-1089-41E8-8768-808B0A76332B}" dt="2023-04-17T08:41:06.078" v="10121"/>
+      <pc:sldChg chg="addSp delSp modSp add del mod">
+        <pc:chgData name="Matthieu De Mari" userId="dfb708c9-d8dc-439f-9a3b-c772bf4a311c" providerId="ADAL" clId="{0F105625-1089-41E8-8768-808B0A76332B}" dt="2023-04-18T12:36:57.819" v="13037" actId="47"/>
         <pc:sldMkLst>
           <pc:docMk/>
           <pc:sldMk cId="3132408082" sldId="600"/>
@@ -6173,8 +6155,8 @@
           </ac:spMkLst>
         </pc:spChg>
       </pc:sldChg>
-      <pc:sldChg chg="modSp add mod">
-        <pc:chgData name="Matthieu De Mari" userId="dfb708c9-d8dc-439f-9a3b-c772bf4a311c" providerId="ADAL" clId="{0F105625-1089-41E8-8768-808B0A76332B}" dt="2023-04-17T08:35:38.750" v="9997" actId="207"/>
+      <pc:sldChg chg="modSp add del mod">
+        <pc:chgData name="Matthieu De Mari" userId="dfb708c9-d8dc-439f-9a3b-c772bf4a311c" providerId="ADAL" clId="{0F105625-1089-41E8-8768-808B0A76332B}" dt="2023-04-18T12:36:22.387" v="13030" actId="47"/>
         <pc:sldMkLst>
           <pc:docMk/>
           <pc:sldMk cId="1163000297" sldId="601"/>
@@ -6196,8 +6178,8 @@
           </ac:spMkLst>
         </pc:spChg>
       </pc:sldChg>
-      <pc:sldChg chg="modSp add mod ord">
-        <pc:chgData name="Matthieu De Mari" userId="dfb708c9-d8dc-439f-9a3b-c772bf4a311c" providerId="ADAL" clId="{0F105625-1089-41E8-8768-808B0A76332B}" dt="2023-04-17T08:41:31.794" v="10142" actId="114"/>
+      <pc:sldChg chg="modSp add del mod ord">
+        <pc:chgData name="Matthieu De Mari" userId="dfb708c9-d8dc-439f-9a3b-c772bf4a311c" providerId="ADAL" clId="{0F105625-1089-41E8-8768-808B0A76332B}" dt="2023-04-18T12:36:20.440" v="13029" actId="47"/>
         <pc:sldMkLst>
           <pc:docMk/>
           <pc:sldMk cId="4197894078" sldId="602"/>
@@ -6219,8 +6201,8 @@
           </ac:spMkLst>
         </pc:spChg>
       </pc:sldChg>
-      <pc:sldChg chg="modSp add mod">
-        <pc:chgData name="Matthieu De Mari" userId="dfb708c9-d8dc-439f-9a3b-c772bf4a311c" providerId="ADAL" clId="{0F105625-1089-41E8-8768-808B0A76332B}" dt="2023-04-17T08:35:12.718" v="9982"/>
+      <pc:sldChg chg="modSp add del mod">
+        <pc:chgData name="Matthieu De Mari" userId="dfb708c9-d8dc-439f-9a3b-c772bf4a311c" providerId="ADAL" clId="{0F105625-1089-41E8-8768-808B0A76332B}" dt="2023-04-18T12:36:23.730" v="13031" actId="47"/>
         <pc:sldMkLst>
           <pc:docMk/>
           <pc:sldMk cId="994252998" sldId="603"/>
@@ -6235,13 +6217,13 @@
         </pc:spChg>
       </pc:sldChg>
       <pc:sldChg chg="modSp add mod">
-        <pc:chgData name="Matthieu De Mari" userId="dfb708c9-d8dc-439f-9a3b-c772bf4a311c" providerId="ADAL" clId="{0F105625-1089-41E8-8768-808B0A76332B}" dt="2023-04-17T08:43:10.374" v="10158" actId="27636"/>
+        <pc:chgData name="Matthieu De Mari" userId="dfb708c9-d8dc-439f-9a3b-c772bf4a311c" providerId="ADAL" clId="{0F105625-1089-41E8-8768-808B0A76332B}" dt="2023-04-18T12:34:20.254" v="12996" actId="20577"/>
         <pc:sldMkLst>
           <pc:docMk/>
           <pc:sldMk cId="598831876" sldId="604"/>
         </pc:sldMkLst>
         <pc:spChg chg="mod">
-          <ac:chgData name="Matthieu De Mari" userId="dfb708c9-d8dc-439f-9a3b-c772bf4a311c" providerId="ADAL" clId="{0F105625-1089-41E8-8768-808B0A76332B}" dt="2023-04-17T08:43:10.374" v="10158" actId="27636"/>
+          <ac:chgData name="Matthieu De Mari" userId="dfb708c9-d8dc-439f-9a3b-c772bf4a311c" providerId="ADAL" clId="{0F105625-1089-41E8-8768-808B0A76332B}" dt="2023-04-18T12:34:20.254" v="12996" actId="20577"/>
           <ac:spMkLst>
             <pc:docMk/>
             <pc:sldMk cId="598831876" sldId="604"/>
@@ -6272,8 +6254,8 @@
           </ac:spMkLst>
         </pc:spChg>
       </pc:sldChg>
-      <pc:sldChg chg="modSp add mod">
-        <pc:chgData name="Matthieu De Mari" userId="dfb708c9-d8dc-439f-9a3b-c772bf4a311c" providerId="ADAL" clId="{0F105625-1089-41E8-8768-808B0A76332B}" dt="2023-04-17T08:45:55.878" v="10440" actId="20577"/>
+      <pc:sldChg chg="modSp add del mod">
+        <pc:chgData name="Matthieu De Mari" userId="dfb708c9-d8dc-439f-9a3b-c772bf4a311c" providerId="ADAL" clId="{0F105625-1089-41E8-8768-808B0A76332B}" dt="2023-04-18T12:36:46.500" v="13032" actId="47"/>
         <pc:sldMkLst>
           <pc:docMk/>
           <pc:sldMk cId="3596215706" sldId="605"/>
@@ -6311,13 +6293,13 @@
         </pc:spChg>
       </pc:sldChg>
       <pc:sldChg chg="modSp add mod">
-        <pc:chgData name="Matthieu De Mari" userId="dfb708c9-d8dc-439f-9a3b-c772bf4a311c" providerId="ADAL" clId="{0F105625-1089-41E8-8768-808B0A76332B}" dt="2023-04-17T09:42:38.501" v="12896" actId="114"/>
+        <pc:chgData name="Matthieu De Mari" userId="dfb708c9-d8dc-439f-9a3b-c772bf4a311c" providerId="ADAL" clId="{0F105625-1089-41E8-8768-808B0A76332B}" dt="2023-04-18T12:37:12.793" v="13050" actId="6549"/>
         <pc:sldMkLst>
           <pc:docMk/>
           <pc:sldMk cId="3111768560" sldId="607"/>
         </pc:sldMkLst>
         <pc:spChg chg="mod">
-          <ac:chgData name="Matthieu De Mari" userId="dfb708c9-d8dc-439f-9a3b-c772bf4a311c" providerId="ADAL" clId="{0F105625-1089-41E8-8768-808B0A76332B}" dt="2023-04-17T09:42:38.501" v="12896" actId="114"/>
+          <ac:chgData name="Matthieu De Mari" userId="dfb708c9-d8dc-439f-9a3b-c772bf4a311c" providerId="ADAL" clId="{0F105625-1089-41E8-8768-808B0A76332B}" dt="2023-04-18T12:37:12.793" v="13050" actId="6549"/>
           <ac:spMkLst>
             <pc:docMk/>
             <pc:sldMk cId="3111768560" sldId="607"/>
@@ -18213,7 +18195,7 @@
           <a:p>
             <a:fld id="{98CFC6A4-B085-437B-8084-693BEB2A32DE}" type="datetimeFigureOut">
               <a:rPr lang="en-SG" smtClean="0"/>
-              <a:t>17/4/2023</a:t>
+              <a:t>18/4/2023</a:t>
             </a:fld>
             <a:endParaRPr lang="en-SG"/>
           </a:p>
@@ -18882,7 +18864,7 @@
           <a:p>
             <a:fld id="{751275F3-0744-4B3F-986A-B720E2CE0519}" type="slidenum">
               <a:rPr lang="en-SG" smtClean="0"/>
-              <a:t>76</a:t>
+              <a:t>67</a:t>
             </a:fld>
             <a:endParaRPr lang="en-SG"/>
           </a:p>
@@ -19050,7 +19032,7 @@
           <a:p>
             <a:fld id="{AB35F6B0-D468-4997-9CE3-CF2A1AE5E3F9}" type="datetimeFigureOut">
               <a:rPr lang="en-SG" smtClean="0"/>
-              <a:t>17/4/2023</a:t>
+              <a:t>18/4/2023</a:t>
             </a:fld>
             <a:endParaRPr lang="en-SG"/>
           </a:p>
@@ -19250,7 +19232,7 @@
           <a:p>
             <a:fld id="{AB35F6B0-D468-4997-9CE3-CF2A1AE5E3F9}" type="datetimeFigureOut">
               <a:rPr lang="en-SG" smtClean="0"/>
-              <a:t>17/4/2023</a:t>
+              <a:t>18/4/2023</a:t>
             </a:fld>
             <a:endParaRPr lang="en-SG"/>
           </a:p>
@@ -19460,7 +19442,7 @@
           <a:p>
             <a:fld id="{AB35F6B0-D468-4997-9CE3-CF2A1AE5E3F9}" type="datetimeFigureOut">
               <a:rPr lang="en-SG" smtClean="0"/>
-              <a:t>17/4/2023</a:t>
+              <a:t>18/4/2023</a:t>
             </a:fld>
             <a:endParaRPr lang="en-SG"/>
           </a:p>
@@ -19660,7 +19642,7 @@
           <a:p>
             <a:fld id="{AB35F6B0-D468-4997-9CE3-CF2A1AE5E3F9}" type="datetimeFigureOut">
               <a:rPr lang="en-SG" smtClean="0"/>
-              <a:t>17/4/2023</a:t>
+              <a:t>18/4/2023</a:t>
             </a:fld>
             <a:endParaRPr lang="en-SG"/>
           </a:p>
@@ -19936,7 +19918,7 @@
           <a:p>
             <a:fld id="{AB35F6B0-D468-4997-9CE3-CF2A1AE5E3F9}" type="datetimeFigureOut">
               <a:rPr lang="en-SG" smtClean="0"/>
-              <a:t>17/4/2023</a:t>
+              <a:t>18/4/2023</a:t>
             </a:fld>
             <a:endParaRPr lang="en-SG"/>
           </a:p>
@@ -20204,7 +20186,7 @@
           <a:p>
             <a:fld id="{AB35F6B0-D468-4997-9CE3-CF2A1AE5E3F9}" type="datetimeFigureOut">
               <a:rPr lang="en-SG" smtClean="0"/>
-              <a:t>17/4/2023</a:t>
+              <a:t>18/4/2023</a:t>
             </a:fld>
             <a:endParaRPr lang="en-SG"/>
           </a:p>
@@ -20619,7 +20601,7 @@
           <a:p>
             <a:fld id="{AB35F6B0-D468-4997-9CE3-CF2A1AE5E3F9}" type="datetimeFigureOut">
               <a:rPr lang="en-SG" smtClean="0"/>
-              <a:t>17/4/2023</a:t>
+              <a:t>18/4/2023</a:t>
             </a:fld>
             <a:endParaRPr lang="en-SG"/>
           </a:p>
@@ -20761,7 +20743,7 @@
           <a:p>
             <a:fld id="{AB35F6B0-D468-4997-9CE3-CF2A1AE5E3F9}" type="datetimeFigureOut">
               <a:rPr lang="en-SG" smtClean="0"/>
-              <a:t>17/4/2023</a:t>
+              <a:t>18/4/2023</a:t>
             </a:fld>
             <a:endParaRPr lang="en-SG"/>
           </a:p>
@@ -20874,7 +20856,7 @@
           <a:p>
             <a:fld id="{AB35F6B0-D468-4997-9CE3-CF2A1AE5E3F9}" type="datetimeFigureOut">
               <a:rPr lang="en-SG" smtClean="0"/>
-              <a:t>17/4/2023</a:t>
+              <a:t>18/4/2023</a:t>
             </a:fld>
             <a:endParaRPr lang="en-SG"/>
           </a:p>
@@ -21187,7 +21169,7 @@
           <a:p>
             <a:fld id="{AB35F6B0-D468-4997-9CE3-CF2A1AE5E3F9}" type="datetimeFigureOut">
               <a:rPr lang="en-SG" smtClean="0"/>
-              <a:t>17/4/2023</a:t>
+              <a:t>18/4/2023</a:t>
             </a:fld>
             <a:endParaRPr lang="en-SG"/>
           </a:p>
@@ -21476,7 +21458,7 @@
           <a:p>
             <a:fld id="{AB35F6B0-D468-4997-9CE3-CF2A1AE5E3F9}" type="datetimeFigureOut">
               <a:rPr lang="en-SG" smtClean="0"/>
-              <a:t>17/4/2023</a:t>
+              <a:t>18/4/2023</a:t>
             </a:fld>
             <a:endParaRPr lang="en-SG"/>
           </a:p>
@@ -21719,7 +21701,7 @@
           <a:p>
             <a:fld id="{AB35F6B0-D468-4997-9CE3-CF2A1AE5E3F9}" type="datetimeFigureOut">
               <a:rPr lang="en-SG" smtClean="0"/>
-              <a:t>17/4/2023</a:t>
+              <a:t>18/4/2023</a:t>
             </a:fld>
             <a:endParaRPr lang="en-SG"/>
           </a:p>
@@ -29710,7 +29692,7 @@
         </p:spPr>
         <p:txBody>
           <a:bodyPr>
-            <a:normAutofit fontScale="77500" lnSpcReduction="20000"/>
+            <a:normAutofit/>
           </a:bodyPr>
           <a:lstStyle/>
           <a:p>
@@ -29718,8 +29700,8 @@
               <a:buNone/>
             </a:pPr>
             <a:r>
-              <a:rPr lang="en-GB" dirty="0"/>
-              <a:t>{}</a:t>
+              <a:rPr lang="en-GB" i="1" dirty="0"/>
+              <a:t>{ }</a:t>
             </a:r>
           </a:p>
           <a:p>
@@ -29727,8 +29709,12 @@
               <a:buNone/>
             </a:pPr>
             <a:r>
+              <a:rPr lang="pl-PL" i="1" dirty="0"/>
+              <a:t>x = </a:t>
+            </a:r>
+            <a:r>
               <a:rPr lang="en-GB" i="1" dirty="0"/>
-              <a:t>a = b;</a:t>
+              <a:t>3</a:t>
             </a:r>
           </a:p>
           <a:p>
@@ -29736,17 +29722,22 @@
               <a:buNone/>
             </a:pPr>
             <a:r>
-              <a:rPr lang="en-GB" dirty="0"/>
-              <a:t>{}</a:t>
-            </a:r>
+              <a:rPr lang="en-GB" i="1" dirty="0"/>
+              <a:t>{ }</a:t>
+            </a:r>
+            <a:endParaRPr lang="pl-PL" i="1" dirty="0"/>
           </a:p>
           <a:p>
             <a:pPr marL="0" indent="0" algn="ctr">
               <a:buNone/>
             </a:pPr>
             <a:r>
+              <a:rPr lang="pl-PL" i="1" dirty="0"/>
+              <a:t>y = </a:t>
+            </a:r>
+            <a:r>
               <a:rPr lang="en-GB" i="1" dirty="0"/>
-              <a:t>c = a;</a:t>
+              <a:t>x + 2</a:t>
             </a:r>
           </a:p>
           <a:p>
@@ -29754,17 +29745,22 @@
               <a:buNone/>
             </a:pPr>
             <a:r>
-              <a:rPr lang="en-GB" dirty="0"/>
-              <a:t>{}</a:t>
-            </a:r>
+              <a:rPr lang="en-GB" i="1" dirty="0"/>
+              <a:t>{ }</a:t>
+            </a:r>
+            <a:endParaRPr lang="pl-PL" i="1" dirty="0"/>
           </a:p>
           <a:p>
             <a:pPr marL="0" indent="0" algn="ctr">
               <a:buNone/>
             </a:pPr>
             <a:r>
+              <a:rPr lang="pl-PL" i="1" dirty="0"/>
+              <a:t>z = </a:t>
+            </a:r>
+            <a:r>
               <a:rPr lang="en-GB" i="1" dirty="0"/>
-              <a:t>d = a + b;</a:t>
+              <a:t>2</a:t>
             </a:r>
           </a:p>
           <a:p>
@@ -29772,17 +29768,22 @@
               <a:buNone/>
             </a:pPr>
             <a:r>
-              <a:rPr lang="en-GB" dirty="0"/>
-              <a:t>{}</a:t>
-            </a:r>
+              <a:rPr lang="en-GB" i="1" dirty="0"/>
+              <a:t>{ }</a:t>
+            </a:r>
+            <a:endParaRPr lang="pl-PL" i="1" dirty="0"/>
           </a:p>
           <a:p>
             <a:pPr marL="0" indent="0" algn="ctr">
               <a:buNone/>
             </a:pPr>
             <a:r>
+              <a:rPr lang="pl-PL" i="1" dirty="0"/>
+              <a:t>w = </a:t>
+            </a:r>
+            <a:r>
               <a:rPr lang="en-GB" i="1" dirty="0"/>
-              <a:t>e = d;</a:t>
+              <a:t>x + y</a:t>
             </a:r>
           </a:p>
           <a:p>
@@ -29790,45 +29791,10 @@
               <a:buNone/>
             </a:pPr>
             <a:r>
-              <a:rPr lang="en-GB" dirty="0"/>
-              <a:t>{}</a:t>
-            </a:r>
-          </a:p>
-          <a:p>
-            <a:pPr marL="0" indent="0" algn="ctr">
-              <a:buNone/>
-            </a:pPr>
-            <a:r>
               <a:rPr lang="en-GB" i="1" dirty="0"/>
-              <a:t>d = a;</a:t>
-            </a:r>
-          </a:p>
-          <a:p>
-            <a:pPr marL="0" indent="0" algn="ctr">
-              <a:buNone/>
-            </a:pPr>
-            <a:r>
-              <a:rPr lang="en-GB" dirty="0"/>
-              <a:t>{}</a:t>
-            </a:r>
-          </a:p>
-          <a:p>
-            <a:pPr marL="0" indent="0" algn="ctr">
-              <a:buNone/>
-            </a:pPr>
-            <a:r>
-              <a:rPr lang="en-GB" i="1" dirty="0"/>
-              <a:t>f = e;</a:t>
-            </a:r>
-          </a:p>
-          <a:p>
-            <a:pPr marL="0" indent="0" algn="ctr">
-              <a:buNone/>
-            </a:pPr>
-            <a:r>
-              <a:rPr lang="en-GB" dirty="0"/>
-              <a:t>{}</a:t>
-            </a:r>
+              <a:t>{ }</a:t>
+            </a:r>
+            <a:endParaRPr lang="pl-PL" i="1" dirty="0"/>
           </a:p>
           <a:p>
             <a:pPr marL="0" indent="0" algn="ctr">
@@ -29840,9 +29806,8 @@
             </a:r>
             <a:r>
               <a:rPr lang="en-GB" i="1" dirty="0"/>
-              <a:t>(b, d)</a:t>
-            </a:r>
-            <a:endParaRPr lang="en-SG" i="1" dirty="0"/>
+              <a:t>(w)</a:t>
+            </a:r>
           </a:p>
         </p:txBody>
       </p:sp>
@@ -29985,7 +29950,7 @@
         </p:spPr>
         <p:txBody>
           <a:bodyPr>
-            <a:normAutofit fontScale="55000" lnSpcReduction="20000"/>
+            <a:normAutofit/>
           </a:bodyPr>
           <a:lstStyle/>
           <a:p>
@@ -29993,8 +29958,8 @@
               <a:buNone/>
             </a:pPr>
             <a:r>
-              <a:rPr lang="en-GB" dirty="0"/>
-              <a:t>{ b, d }</a:t>
+              <a:rPr lang="en-GB" i="1" dirty="0"/>
+              <a:t>{ }</a:t>
             </a:r>
           </a:p>
           <a:p>
@@ -30002,8 +29967,12 @@
               <a:buNone/>
             </a:pPr>
             <a:r>
+              <a:rPr lang="pl-PL" i="1" dirty="0"/>
+              <a:t>x = </a:t>
+            </a:r>
+            <a:r>
               <a:rPr lang="en-GB" i="1" dirty="0"/>
-              <a:t>a = b;</a:t>
+              <a:t>3</a:t>
             </a:r>
           </a:p>
           <a:p>
@@ -30011,17 +29980,22 @@
               <a:buNone/>
             </a:pPr>
             <a:r>
-              <a:rPr lang="en-GB" dirty="0"/>
-              <a:t>{ a, b, d }</a:t>
-            </a:r>
+              <a:rPr lang="en-GB" i="1" dirty="0"/>
+              <a:t>{ x }</a:t>
+            </a:r>
+            <a:endParaRPr lang="pl-PL" i="1" dirty="0"/>
           </a:p>
           <a:p>
             <a:pPr marL="0" indent="0" algn="ctr">
               <a:buNone/>
             </a:pPr>
             <a:r>
+              <a:rPr lang="pl-PL" i="1" dirty="0"/>
+              <a:t>y = </a:t>
+            </a:r>
+            <a:r>
               <a:rPr lang="en-GB" i="1" dirty="0"/>
-              <a:t>c = a;</a:t>
+              <a:t>x + 2</a:t>
             </a:r>
           </a:p>
           <a:p>
@@ -30029,17 +30003,22 @@
               <a:buNone/>
             </a:pPr>
             <a:r>
-              <a:rPr lang="en-GB" dirty="0"/>
-              <a:t>{ a, b, d }</a:t>
-            </a:r>
+              <a:rPr lang="en-GB" i="1" dirty="0"/>
+              <a:t>{ x, y }</a:t>
+            </a:r>
+            <a:endParaRPr lang="pl-PL" i="1" dirty="0"/>
           </a:p>
           <a:p>
             <a:pPr marL="0" indent="0" algn="ctr">
               <a:buNone/>
             </a:pPr>
             <a:r>
+              <a:rPr lang="pl-PL" i="1" dirty="0"/>
+              <a:t>z = </a:t>
+            </a:r>
+            <a:r>
               <a:rPr lang="en-GB" i="1" dirty="0"/>
-              <a:t>d = a + b;</a:t>
+              <a:t>2</a:t>
             </a:r>
           </a:p>
           <a:p>
@@ -30047,17 +30026,22 @@
               <a:buNone/>
             </a:pPr>
             <a:r>
-              <a:rPr lang="en-GB" dirty="0"/>
-              <a:t>{ a, b, d }</a:t>
-            </a:r>
+              <a:rPr lang="en-GB" i="1" dirty="0"/>
+              <a:t>{ x, y }</a:t>
+            </a:r>
+            <a:endParaRPr lang="pl-PL" i="1" dirty="0"/>
           </a:p>
           <a:p>
             <a:pPr marL="0" indent="0" algn="ctr">
               <a:buNone/>
             </a:pPr>
             <a:r>
+              <a:rPr lang="pl-PL" i="1" dirty="0"/>
+              <a:t>w = </a:t>
+            </a:r>
+            <a:r>
               <a:rPr lang="en-GB" i="1" dirty="0"/>
-              <a:t>e = d;</a:t>
+              <a:t>x + y</a:t>
             </a:r>
           </a:p>
           <a:p>
@@ -30065,77 +30049,10 @@
               <a:buNone/>
             </a:pPr>
             <a:r>
-              <a:rPr lang="en-GB" dirty="0"/>
-              <a:t>{ a, b, d, e }</a:t>
-            </a:r>
-          </a:p>
-          <a:p>
-            <a:pPr marL="0" indent="0" algn="ctr">
-              <a:buNone/>
-            </a:pPr>
-            <a:r>
               <a:rPr lang="en-GB" i="1" dirty="0"/>
-              <a:t>d = a;</a:t>
-            </a:r>
-          </a:p>
-          <a:p>
-            <a:pPr marL="0" indent="0" algn="ctr">
-              <a:buNone/>
-            </a:pPr>
-            <a:r>
-              <a:rPr lang="en-GB" dirty="0"/>
-              <a:t>{ a, b, e }</a:t>
-            </a:r>
-          </a:p>
-          <a:p>
-            <a:pPr marL="0" indent="0" algn="ctr">
-              <a:buNone/>
-            </a:pPr>
-            <a:r>
-              <a:rPr lang="en-GB" dirty="0"/>
-              <a:t>// Variable 'd' is no longer live after this assignment</a:t>
-            </a:r>
-            <a:br>
-              <a:rPr lang="en-GB" dirty="0"/>
-            </a:br>
-            <a:r>
-              <a:rPr lang="en-GB" dirty="0"/>
-              <a:t>since its value has been updated</a:t>
-            </a:r>
-          </a:p>
-          <a:p>
-            <a:pPr marL="0" indent="0" algn="ctr">
-              <a:buNone/>
-            </a:pPr>
-            <a:r>
-              <a:rPr lang="en-GB" i="1" dirty="0"/>
-              <a:t>f = e;</a:t>
-            </a:r>
-          </a:p>
-          <a:p>
-            <a:pPr marL="0" indent="0" algn="ctr">
-              <a:buNone/>
-            </a:pPr>
-            <a:r>
-              <a:rPr lang="en-GB" dirty="0"/>
-              <a:t>{ b, d }</a:t>
-            </a:r>
-          </a:p>
-          <a:p>
-            <a:pPr marL="0" indent="0" algn="ctr">
-              <a:buNone/>
-            </a:pPr>
-            <a:r>
-              <a:rPr lang="en-GB" dirty="0"/>
-              <a:t>// Variable 'e' is not live after this assignment</a:t>
-            </a:r>
-            <a:br>
-              <a:rPr lang="en-GB" dirty="0"/>
-            </a:br>
-            <a:r>
-              <a:rPr lang="en-GB" dirty="0"/>
-              <a:t>since its value is not used in the subsequent statement</a:t>
-            </a:r>
+              <a:t>{ w }</a:t>
+            </a:r>
+            <a:endParaRPr lang="pl-PL" i="1" dirty="0"/>
           </a:p>
           <a:p>
             <a:pPr marL="0" indent="0" algn="ctr">
@@ -30147,9 +30064,8 @@
             </a:r>
             <a:r>
               <a:rPr lang="en-GB" i="1" dirty="0"/>
-              <a:t>(b, d)</a:t>
-            </a:r>
-            <a:endParaRPr lang="en-SG" i="1" dirty="0"/>
+              <a:t>(w)</a:t>
+            </a:r>
           </a:p>
         </p:txBody>
       </p:sp>
@@ -30292,7 +30208,7 @@
         </p:spPr>
         <p:txBody>
           <a:bodyPr>
-            <a:normAutofit fontScale="55000" lnSpcReduction="20000"/>
+            <a:normAutofit/>
           </a:bodyPr>
           <a:lstStyle/>
           <a:p>
@@ -30300,8 +30216,8 @@
               <a:buNone/>
             </a:pPr>
             <a:r>
-              <a:rPr lang="en-GB" dirty="0"/>
-              <a:t>{ b, d }</a:t>
+              <a:rPr lang="en-GB" i="1" dirty="0"/>
+              <a:t>{ }</a:t>
             </a:r>
           </a:p>
           <a:p>
@@ -30309,8 +30225,12 @@
               <a:buNone/>
             </a:pPr>
             <a:r>
+              <a:rPr lang="pl-PL" i="1" dirty="0"/>
+              <a:t>x = </a:t>
+            </a:r>
+            <a:r>
               <a:rPr lang="en-GB" i="1" dirty="0"/>
-              <a:t>a = b;</a:t>
+              <a:t>3</a:t>
             </a:r>
           </a:p>
           <a:p>
@@ -30318,17 +30238,22 @@
               <a:buNone/>
             </a:pPr>
             <a:r>
-              <a:rPr lang="en-GB" dirty="0"/>
-              <a:t>{ a, b, d }</a:t>
-            </a:r>
+              <a:rPr lang="en-GB" i="1" dirty="0"/>
+              <a:t>{ x }</a:t>
+            </a:r>
+            <a:endParaRPr lang="pl-PL" i="1" dirty="0"/>
           </a:p>
           <a:p>
             <a:pPr marL="0" indent="0" algn="ctr">
               <a:buNone/>
             </a:pPr>
             <a:r>
+              <a:rPr lang="pl-PL" i="1" dirty="0"/>
+              <a:t>y = </a:t>
+            </a:r>
+            <a:r>
               <a:rPr lang="en-GB" i="1" dirty="0"/>
-              <a:t>c = a;</a:t>
+              <a:t>x + 2</a:t>
             </a:r>
           </a:p>
           <a:p>
@@ -30336,17 +30261,61 @@
               <a:buNone/>
             </a:pPr>
             <a:r>
-              <a:rPr lang="en-GB" dirty="0"/>
-              <a:t>{ a, b, d }</a:t>
-            </a:r>
+              <a:rPr lang="en-GB" i="1" dirty="0"/>
+              <a:t>{ x, y }</a:t>
+            </a:r>
+            <a:endParaRPr lang="pl-PL" i="1" dirty="0"/>
           </a:p>
           <a:p>
             <a:pPr marL="0" indent="0" algn="ctr">
               <a:buNone/>
             </a:pPr>
             <a:r>
+              <a:rPr lang="pl-PL" b="1" i="1" dirty="0">
+                <a:solidFill>
+                  <a:srgbClr val="7030A0"/>
+                </a:solidFill>
+              </a:rPr>
+              <a:t>z = </a:t>
+            </a:r>
+            <a:r>
+              <a:rPr lang="en-GB" b="1" i="1" dirty="0">
+                <a:solidFill>
+                  <a:srgbClr val="7030A0"/>
+                </a:solidFill>
+              </a:rPr>
+              <a:t>2</a:t>
+            </a:r>
+          </a:p>
+          <a:p>
+            <a:pPr marL="0" indent="0" algn="ctr">
+              <a:buNone/>
+            </a:pPr>
+            <a:r>
+              <a:rPr lang="en-GB" i="1" dirty="0">
+                <a:solidFill>
+                  <a:srgbClr val="7030A0"/>
+                </a:solidFill>
+              </a:rPr>
+              <a:t>{ x, y }</a:t>
+            </a:r>
+            <a:endParaRPr lang="pl-PL" i="1" dirty="0">
+              <a:solidFill>
+                <a:srgbClr val="7030A0"/>
+              </a:solidFill>
+            </a:endParaRPr>
+          </a:p>
+          <a:p>
+            <a:pPr marL="0" indent="0" algn="ctr">
+              <a:buNone/>
+            </a:pPr>
+            <a:r>
+              <a:rPr lang="pl-PL" i="1" dirty="0"/>
+              <a:t>w = </a:t>
+            </a:r>
+            <a:r>
               <a:rPr lang="en-GB" i="1" dirty="0"/>
-              <a:t>d = a + b;</a:t>
+              <a:t>x + y</a:t>
             </a:r>
           </a:p>
           <a:p>
@@ -30354,95 +30323,10 @@
               <a:buNone/>
             </a:pPr>
             <a:r>
-              <a:rPr lang="en-GB" dirty="0"/>
-              <a:t>{ a, b, d }</a:t>
-            </a:r>
-          </a:p>
-          <a:p>
-            <a:pPr marL="0" indent="0" algn="ctr">
-              <a:buNone/>
-            </a:pPr>
-            <a:r>
               <a:rPr lang="en-GB" i="1" dirty="0"/>
-              <a:t>e = d;</a:t>
-            </a:r>
-          </a:p>
-          <a:p>
-            <a:pPr marL="0" indent="0" algn="ctr">
-              <a:buNone/>
-            </a:pPr>
-            <a:r>
-              <a:rPr lang="en-GB" dirty="0"/>
-              <a:t>{ a, b, d, e }</a:t>
-            </a:r>
-          </a:p>
-          <a:p>
-            <a:pPr marL="0" indent="0" algn="ctr">
-              <a:buNone/>
-            </a:pPr>
-            <a:r>
-              <a:rPr lang="en-GB" i="1" dirty="0"/>
-              <a:t>d = a;</a:t>
-            </a:r>
-          </a:p>
-          <a:p>
-            <a:pPr marL="0" indent="0" algn="ctr">
-              <a:buNone/>
-            </a:pPr>
-            <a:r>
-              <a:rPr lang="en-GB" dirty="0"/>
-              <a:t>{ a, b, e }</a:t>
-            </a:r>
-          </a:p>
-          <a:p>
-            <a:pPr marL="0" indent="0" algn="ctr">
-              <a:buNone/>
-            </a:pPr>
-            <a:r>
-              <a:rPr lang="en-GB" dirty="0"/>
-              <a:t>// Variable 'd' is no longer live after this assignment</a:t>
-            </a:r>
-            <a:br>
-              <a:rPr lang="en-GB" dirty="0"/>
-            </a:br>
-            <a:r>
-              <a:rPr lang="en-GB" dirty="0"/>
-              <a:t>since its value has been updated</a:t>
-            </a:r>
-          </a:p>
-          <a:p>
-            <a:pPr marL="0" indent="0" algn="ctr">
-              <a:buNone/>
-            </a:pPr>
-            <a:r>
-              <a:rPr lang="en-GB" i="1" dirty="0"/>
-              <a:t>f = e;</a:t>
-            </a:r>
-          </a:p>
-          <a:p>
-            <a:pPr marL="0" indent="0" algn="ctr">
-              <a:buNone/>
-            </a:pPr>
-            <a:r>
-              <a:rPr lang="en-GB" dirty="0"/>
-              <a:t>{ b, d }</a:t>
-            </a:r>
-          </a:p>
-          <a:p>
-            <a:pPr marL="0" indent="0" algn="ctr">
-              <a:buNone/>
-            </a:pPr>
-            <a:r>
-              <a:rPr lang="en-GB" dirty="0"/>
-              <a:t>// Variable 'e' is no longer live after this assignment</a:t>
-            </a:r>
-            <a:br>
-              <a:rPr lang="en-GB" dirty="0"/>
-            </a:br>
-            <a:r>
-              <a:rPr lang="en-GB" dirty="0"/>
-              <a:t>since its value is not used in the subsequent statement</a:t>
-            </a:r>
+              <a:t>{ w }</a:t>
+            </a:r>
+            <a:endParaRPr lang="pl-PL" i="1" dirty="0"/>
           </a:p>
           <a:p>
             <a:pPr marL="0" indent="0" algn="ctr">
@@ -30454,9 +30338,8 @@
             </a:r>
             <a:r>
               <a:rPr lang="en-GB" i="1" dirty="0"/>
-              <a:t>(b, d)</a:t>
-            </a:r>
-            <a:endParaRPr lang="en-SG" i="1" dirty="0"/>
+              <a:t>(w)</a:t>
+            </a:r>
           </a:p>
         </p:txBody>
       </p:sp>
@@ -30500,7 +30383,7 @@
             </a:pPr>
             <a:r>
               <a:rPr lang="en-GB" sz="2400" dirty="0"/>
-              <a:t>If a variable f is not live after its assignment, then it is a dead variable.</a:t>
+              <a:t>If a variable v is not live after its assignment, then it is a dead variable.</a:t>
             </a:r>
           </a:p>
           <a:p>
@@ -30516,7 +30399,7 @@
           <a:p>
             <a:r>
               <a:rPr lang="en-GB" sz="2400" dirty="0"/>
-              <a:t>Here f = e; is a dead variable and should be removed.</a:t>
+              <a:t>Here z = 2; is a dead variable and should be removed.</a:t>
             </a:r>
             <a:endParaRPr lang="en-SG" sz="2400" dirty="0"/>
           </a:p>
@@ -30605,7 +30488,7 @@
         </p:spPr>
         <p:txBody>
           <a:bodyPr>
-            <a:normAutofit fontScale="55000" lnSpcReduction="20000"/>
+            <a:normAutofit/>
           </a:bodyPr>
           <a:lstStyle/>
           <a:p>
@@ -30613,8 +30496,8 @@
               <a:buNone/>
             </a:pPr>
             <a:r>
-              <a:rPr lang="en-GB" dirty="0"/>
-              <a:t>{ b, d }</a:t>
+              <a:rPr lang="en-GB" i="1" dirty="0"/>
+              <a:t>{ }</a:t>
             </a:r>
           </a:p>
           <a:p>
@@ -30622,8 +30505,12 @@
               <a:buNone/>
             </a:pPr>
             <a:r>
+              <a:rPr lang="pl-PL" i="1" dirty="0"/>
+              <a:t>x = </a:t>
+            </a:r>
+            <a:r>
               <a:rPr lang="en-GB" i="1" dirty="0"/>
-              <a:t>a = b;</a:t>
+              <a:t>3</a:t>
             </a:r>
           </a:p>
           <a:p>
@@ -30631,17 +30518,22 @@
               <a:buNone/>
             </a:pPr>
             <a:r>
-              <a:rPr lang="en-GB" dirty="0"/>
-              <a:t>{ a, b, d }</a:t>
-            </a:r>
+              <a:rPr lang="en-GB" i="1" dirty="0"/>
+              <a:t>{ x }</a:t>
+            </a:r>
+            <a:endParaRPr lang="pl-PL" i="1" dirty="0"/>
           </a:p>
           <a:p>
             <a:pPr marL="0" indent="0" algn="ctr">
               <a:buNone/>
             </a:pPr>
             <a:r>
+              <a:rPr lang="pl-PL" i="1" dirty="0"/>
+              <a:t>y = </a:t>
+            </a:r>
+            <a:r>
               <a:rPr lang="en-GB" i="1" dirty="0"/>
-              <a:t>c = a;</a:t>
+              <a:t>x + 2</a:t>
             </a:r>
           </a:p>
           <a:p>
@@ -30649,100 +30541,50 @@
               <a:buNone/>
             </a:pPr>
             <a:r>
-              <a:rPr lang="en-GB" dirty="0"/>
-              <a:t>{ a, b, d }</a:t>
-            </a:r>
+              <a:rPr lang="en-GB" i="1" dirty="0"/>
+              <a:t>{ x, y }</a:t>
+            </a:r>
+            <a:endParaRPr lang="pl-PL" i="1" dirty="0"/>
           </a:p>
           <a:p>
             <a:pPr marL="0" indent="0" algn="ctr">
               <a:buNone/>
             </a:pPr>
-            <a:r>
-              <a:rPr lang="en-GB" i="1" dirty="0"/>
-              <a:t>d = a + b;</a:t>
-            </a:r>
+            <a:endParaRPr lang="en-GB" i="1" dirty="0">
+              <a:solidFill>
+                <a:srgbClr val="7030A0"/>
+              </a:solidFill>
+            </a:endParaRPr>
           </a:p>
           <a:p>
             <a:pPr marL="0" indent="0" algn="ctr">
               <a:buNone/>
             </a:pPr>
             <a:r>
-              <a:rPr lang="en-GB" dirty="0"/>
-              <a:t>{ a, b, d }</a:t>
-            </a:r>
-          </a:p>
-          <a:p>
-            <a:pPr marL="0" indent="0" algn="ctr">
-              <a:buNone/>
-            </a:pPr>
-            <a:r>
-              <a:rPr lang="en-GB" i="1" dirty="0"/>
-              <a:t>e = d;</a:t>
-            </a:r>
-          </a:p>
-          <a:p>
-            <a:pPr marL="0" indent="0" algn="ctr">
-              <a:buNone/>
-            </a:pPr>
-            <a:r>
-              <a:rPr lang="en-GB" dirty="0"/>
-              <a:t>{ a, b, d, e }</a:t>
-            </a:r>
-          </a:p>
-          <a:p>
-            <a:pPr marL="0" indent="0" algn="ctr">
-              <a:buNone/>
-            </a:pPr>
-            <a:r>
-              <a:rPr lang="en-GB" i="1" dirty="0"/>
-              <a:t>d = a;</a:t>
-            </a:r>
-          </a:p>
-          <a:p>
-            <a:pPr marL="0" indent="0" algn="ctr">
-              <a:buNone/>
-            </a:pPr>
-            <a:r>
-              <a:rPr lang="en-GB" dirty="0"/>
-              <a:t>{ a, b, e }</a:t>
-            </a:r>
-          </a:p>
-          <a:p>
-            <a:pPr marL="0" indent="0" algn="ctr">
-              <a:buNone/>
-            </a:pPr>
-            <a:r>
-              <a:rPr lang="en-GB" dirty="0"/>
-              <a:t>// Variable 'd' is no longer live after this assignment</a:t>
-            </a:r>
-            <a:br>
-              <a:rPr lang="en-GB" dirty="0"/>
-            </a:br>
-            <a:r>
-              <a:rPr lang="en-GB" dirty="0"/>
-              <a:t>since its value has been updated</a:t>
-            </a:r>
-          </a:p>
-          <a:p>
-            <a:pPr marL="0" indent="0" algn="ctr">
-              <a:buNone/>
-            </a:pPr>
-            <a:r>
-              <a:rPr lang="en-GB" b="1" i="1" dirty="0">
+              <a:rPr lang="en-GB" i="1" dirty="0">
                 <a:solidFill>
                   <a:srgbClr val="7030A0"/>
                 </a:solidFill>
               </a:rPr>
-              <a:t>f = e;</a:t>
-            </a:r>
+              <a:t>{ x, y }</a:t>
+            </a:r>
+            <a:endParaRPr lang="pl-PL" i="1" dirty="0">
+              <a:solidFill>
+                <a:srgbClr val="7030A0"/>
+              </a:solidFill>
+            </a:endParaRPr>
           </a:p>
           <a:p>
             <a:pPr marL="0" indent="0" algn="ctr">
               <a:buNone/>
             </a:pPr>
             <a:r>
-              <a:rPr lang="en-GB" dirty="0"/>
-              <a:t>{ b, d }</a:t>
+              <a:rPr lang="pl-PL" i="1" dirty="0"/>
+              <a:t>w = </a:t>
+            </a:r>
+            <a:r>
+              <a:rPr lang="en-GB" i="1" dirty="0"/>
+              <a:t>x + y</a:t>
             </a:r>
           </a:p>
           <a:p>
@@ -30750,16 +30592,10 @@
               <a:buNone/>
             </a:pPr>
             <a:r>
-              <a:rPr lang="en-GB" dirty="0"/>
-              <a:t>// Variable 'e' is no longer live after this assignment</a:t>
-            </a:r>
-            <a:br>
-              <a:rPr lang="en-GB" dirty="0"/>
-            </a:br>
-            <a:r>
-              <a:rPr lang="en-GB" dirty="0"/>
-              <a:t>since its value is not used in the subsequent statement</a:t>
-            </a:r>
+              <a:rPr lang="en-GB" i="1" dirty="0"/>
+              <a:t>{ w }</a:t>
+            </a:r>
+            <a:endParaRPr lang="pl-PL" i="1" dirty="0"/>
           </a:p>
           <a:p>
             <a:pPr marL="0" indent="0" algn="ctr">
@@ -30771,9 +30607,8 @@
             </a:r>
             <a:r>
               <a:rPr lang="en-GB" i="1" dirty="0"/>
-              <a:t>(b, d)</a:t>
-            </a:r>
-            <a:endParaRPr lang="en-SG" i="1" dirty="0"/>
+              <a:t>(w)</a:t>
+            </a:r>
           </a:p>
         </p:txBody>
       </p:sp>
@@ -30792,7 +30627,7 @@
         <p:spPr>
           <a:xfrm>
             <a:off x="8682893" y="1424965"/>
-            <a:ext cx="2907323" cy="4154984"/>
+            <a:ext cx="2907323" cy="830997"/>
           </a:xfrm>
           <a:prstGeom prst="rect">
             <a:avLst/>
@@ -30807,42 +30642,16 @@
           <a:p>
             <a:r>
               <a:rPr lang="en-GB" sz="2400" dirty="0"/>
-              <a:t>Using DCE:</a:t>
-            </a:r>
-          </a:p>
-          <a:p>
-            <a:pPr marL="342900" indent="-342900">
-              <a:buFont typeface="Arial" panose="020B0604020202020204" pitchFamily="34" charset="0"/>
-              <a:buChar char="•"/>
-            </a:pPr>
-            <a:r>
-              <a:rPr lang="en-GB" sz="2400" dirty="0"/>
-              <a:t>If a variable f is not live after its assignment, then it is a dead variable.</a:t>
-            </a:r>
-          </a:p>
-          <a:p>
-            <a:pPr marL="342900" indent="-342900">
-              <a:buFont typeface="Arial" panose="020B0604020202020204" pitchFamily="34" charset="0"/>
-              <a:buChar char="•"/>
-            </a:pPr>
-            <a:r>
-              <a:rPr lang="en-GB" sz="2400" dirty="0"/>
-              <a:t>DCE suggests to simply remove said statement.</a:t>
-            </a:r>
-          </a:p>
-          <a:p>
-            <a:r>
-              <a:rPr lang="en-GB" sz="2400" dirty="0"/>
-              <a:t>Here f = e; is a dead variable and should be removed.</a:t>
-            </a:r>
-            <a:endParaRPr lang="en-SG" sz="2400" dirty="0"/>
+              <a:t>Rinse and repeat the process once more!</a:t>
+            </a:r>
+            <a:endParaRPr lang="en-SG" sz="2400" b="1" dirty="0"/>
           </a:p>
         </p:txBody>
       </p:sp>
     </p:spTree>
     <p:extLst>
       <p:ext uri="{BB962C8B-B14F-4D97-AF65-F5344CB8AC3E}">
-        <p14:creationId xmlns:p14="http://schemas.microsoft.com/office/powerpoint/2010/main" val="3128059839"/>
+        <p14:creationId xmlns:p14="http://schemas.microsoft.com/office/powerpoint/2010/main" val="2924132573"/>
       </p:ext>
     </p:extLst>
   </p:cSld>
@@ -30922,7 +30731,7 @@
         </p:spPr>
         <p:txBody>
           <a:bodyPr>
-            <a:normAutofit fontScale="55000" lnSpcReduction="20000"/>
+            <a:normAutofit/>
           </a:bodyPr>
           <a:lstStyle/>
           <a:p>
@@ -30930,8 +30739,12 @@
               <a:buNone/>
             </a:pPr>
             <a:r>
-              <a:rPr lang="en-GB" dirty="0"/>
-              <a:t>{ b, d }</a:t>
+              <a:rPr lang="pl-PL" i="1" dirty="0"/>
+              <a:t>x = </a:t>
+            </a:r>
+            <a:r>
+              <a:rPr lang="en-GB" i="1" dirty="0"/>
+              <a:t>3</a:t>
             </a:r>
           </a:p>
           <a:p>
@@ -30939,8 +30752,12 @@
               <a:buNone/>
             </a:pPr>
             <a:r>
+              <a:rPr lang="pl-PL" i="1" dirty="0"/>
+              <a:t>y = </a:t>
+            </a:r>
+            <a:r>
               <a:rPr lang="en-GB" i="1" dirty="0"/>
-              <a:t>a = b;</a:t>
+              <a:t>x + 2</a:t>
             </a:r>
           </a:p>
           <a:p>
@@ -30948,130 +30765,12 @@
               <a:buNone/>
             </a:pPr>
             <a:r>
-              <a:rPr lang="en-GB" dirty="0"/>
-              <a:t>{ a, b, d }</a:t>
-            </a:r>
-          </a:p>
-          <a:p>
-            <a:pPr marL="0" indent="0" algn="ctr">
-              <a:buNone/>
-            </a:pPr>
+              <a:rPr lang="pl-PL" i="1" dirty="0"/>
+              <a:t>w = </a:t>
+            </a:r>
             <a:r>
               <a:rPr lang="en-GB" i="1" dirty="0"/>
-              <a:t>c = a;</a:t>
-            </a:r>
-          </a:p>
-          <a:p>
-            <a:pPr marL="0" indent="0" algn="ctr">
-              <a:buNone/>
-            </a:pPr>
-            <a:r>
-              <a:rPr lang="en-GB" dirty="0"/>
-              <a:t>{ a, b, d }</a:t>
-            </a:r>
-          </a:p>
-          <a:p>
-            <a:pPr marL="0" indent="0" algn="ctr">
-              <a:buNone/>
-            </a:pPr>
-            <a:r>
-              <a:rPr lang="en-GB" i="1" dirty="0"/>
-              <a:t>d = a + b;</a:t>
-            </a:r>
-          </a:p>
-          <a:p>
-            <a:pPr marL="0" indent="0" algn="ctr">
-              <a:buNone/>
-            </a:pPr>
-            <a:r>
-              <a:rPr lang="en-GB" dirty="0"/>
-              <a:t>{ a, b, d }</a:t>
-            </a:r>
-          </a:p>
-          <a:p>
-            <a:pPr marL="0" indent="0" algn="ctr">
-              <a:buNone/>
-            </a:pPr>
-            <a:r>
-              <a:rPr lang="en-GB" i="1" dirty="0"/>
-              <a:t>e = d;</a:t>
-            </a:r>
-          </a:p>
-          <a:p>
-            <a:pPr marL="0" indent="0" algn="ctr">
-              <a:buNone/>
-            </a:pPr>
-            <a:r>
-              <a:rPr lang="en-GB" dirty="0"/>
-              <a:t>{ a, b, d, e }</a:t>
-            </a:r>
-          </a:p>
-          <a:p>
-            <a:pPr marL="0" indent="0" algn="ctr">
-              <a:buNone/>
-            </a:pPr>
-            <a:r>
-              <a:rPr lang="en-GB" i="1" dirty="0"/>
-              <a:t>d = a;</a:t>
-            </a:r>
-          </a:p>
-          <a:p>
-            <a:pPr marL="0" indent="0" algn="ctr">
-              <a:buNone/>
-            </a:pPr>
-            <a:r>
-              <a:rPr lang="en-GB" dirty="0"/>
-              <a:t>{ a, b, e }</a:t>
-            </a:r>
-          </a:p>
-          <a:p>
-            <a:pPr marL="0" indent="0" algn="ctr">
-              <a:buNone/>
-            </a:pPr>
-            <a:r>
-              <a:rPr lang="en-GB" dirty="0"/>
-              <a:t>// Variable 'd' is no longer live after this assignment</a:t>
-            </a:r>
-            <a:br>
-              <a:rPr lang="en-GB" dirty="0"/>
-            </a:br>
-            <a:r>
-              <a:rPr lang="en-GB" dirty="0"/>
-              <a:t>since its value has been updated</a:t>
-            </a:r>
-          </a:p>
-          <a:p>
-            <a:pPr marL="0" indent="0" algn="ctr">
-              <a:buNone/>
-            </a:pPr>
-            <a:r>
-              <a:rPr lang="en-GB" dirty="0"/>
-              <a:t> </a:t>
-            </a:r>
-          </a:p>
-          <a:p>
-            <a:pPr marL="0" indent="0" algn="ctr">
-              <a:buNone/>
-            </a:pPr>
-            <a:r>
-              <a:rPr lang="en-GB" dirty="0"/>
-              <a:t>{ b, d }</a:t>
-            </a:r>
-          </a:p>
-          <a:p>
-            <a:pPr marL="0" indent="0" algn="ctr">
-              <a:buNone/>
-            </a:pPr>
-            <a:r>
-              <a:rPr lang="en-GB" dirty="0"/>
-              <a:t>// Variable 'e' is no longer live after this assignment</a:t>
-            </a:r>
-            <a:br>
-              <a:rPr lang="en-GB" dirty="0"/>
-            </a:br>
-            <a:r>
-              <a:rPr lang="en-GB" dirty="0"/>
-              <a:t>since its value is not used in the subsequent statement</a:t>
+              <a:t>x + y</a:t>
             </a:r>
           </a:p>
           <a:p>
@@ -31084,9 +30783,76 @@
             </a:r>
             <a:r>
               <a:rPr lang="en-GB" i="1" dirty="0"/>
-              <a:t>(b, d)</a:t>
-            </a:r>
-            <a:endParaRPr lang="en-SG" i="1" dirty="0"/>
+              <a:t>(w)</a:t>
+            </a:r>
+          </a:p>
+          <a:p>
+            <a:pPr marL="0" indent="0" algn="ctr">
+              <a:buNone/>
+            </a:pPr>
+            <a:endParaRPr lang="pt-BR" i="1" dirty="0"/>
+          </a:p>
+          <a:p>
+            <a:pPr marL="0" indent="0">
+              <a:buNone/>
+            </a:pPr>
+            <a:endParaRPr lang="en-GB" dirty="0">
+              <a:solidFill>
+                <a:schemeClr val="bg1">
+                  <a:lumMod val="50000"/>
+                </a:schemeClr>
+              </a:solidFill>
+            </a:endParaRPr>
+          </a:p>
+          <a:p>
+            <a:pPr marL="0" indent="0">
+              <a:buNone/>
+            </a:pPr>
+            <a:r>
+              <a:rPr lang="en-GB" dirty="0">
+                <a:solidFill>
+                  <a:schemeClr val="bg1">
+                    <a:lumMod val="50000"/>
+                  </a:schemeClr>
+                </a:solidFill>
+              </a:rPr>
+              <a:t>(</a:t>
+            </a:r>
+            <a:r>
+              <a:rPr lang="en-GB" b="1" dirty="0">
+                <a:solidFill>
+                  <a:schemeClr val="bg1">
+                    <a:lumMod val="50000"/>
+                  </a:schemeClr>
+                </a:solidFill>
+              </a:rPr>
+              <a:t>Practice (for later): </a:t>
+            </a:r>
+            <a:r>
+              <a:rPr lang="en-GB" dirty="0">
+                <a:solidFill>
+                  <a:schemeClr val="bg1">
+                    <a:lumMod val="50000"/>
+                  </a:schemeClr>
+                </a:solidFill>
+              </a:rPr>
+              <a:t>How would you implement the DCE optimization?</a:t>
+            </a:r>
+          </a:p>
+          <a:p>
+            <a:pPr marL="0" indent="0">
+              <a:buNone/>
+            </a:pPr>
+            <a:r>
+              <a:rPr lang="en-GB" dirty="0">
+                <a:solidFill>
+                  <a:schemeClr val="bg1">
+                    <a:lumMod val="50000"/>
+                  </a:schemeClr>
+                </a:solidFill>
+              </a:rPr>
+              <a:t>Is it again similar to what the CSE and CP do?)</a:t>
+            </a:r>
           </a:p>
         </p:txBody>
       </p:sp>
@@ -31105,7 +30871,7 @@
         <p:spPr>
           <a:xfrm>
             <a:off x="8682893" y="1424965"/>
-            <a:ext cx="2907323" cy="5262979"/>
+            <a:ext cx="2907323" cy="2308324"/>
           </a:xfrm>
           <a:prstGeom prst="rect">
             <a:avLst/>
@@ -31120,7 +30886,7 @@
           <a:p>
             <a:r>
               <a:rPr lang="en-GB" sz="2400" dirty="0"/>
-              <a:t>Using DCE:</a:t>
+              <a:t>Rinse and repeat the process once more!</a:t>
             </a:r>
           </a:p>
           <a:p>
@@ -31129,8 +30895,12 @@
               <a:buChar char="•"/>
             </a:pPr>
             <a:r>
+              <a:rPr lang="en-GB" sz="2400" b="1" dirty="0"/>
+              <a:t>Step 1: </a:t>
+            </a:r>
+            <a:r>
               <a:rPr lang="en-GB" sz="2400" dirty="0"/>
-              <a:t>If a variable f is not live after its assignment, then it is a dead variable.</a:t>
+              <a:t>Liveness analysis, first.</a:t>
             </a:r>
           </a:p>
           <a:p>
@@ -31139,32 +30909,21 @@
               <a:buChar char="•"/>
             </a:pPr>
             <a:r>
+              <a:rPr lang="en-GB" sz="2400" b="1" dirty="0"/>
+              <a:t>Step 2: </a:t>
+            </a:r>
+            <a:r>
               <a:rPr lang="en-GB" sz="2400" dirty="0"/>
-              <a:t>DCE suggests to simply remove said statement.</a:t>
-            </a:r>
-          </a:p>
-          <a:p>
-            <a:r>
-              <a:rPr lang="en-GB" sz="2400" dirty="0"/>
-              <a:t>Here f = e; is a dead variable and should be removed.</a:t>
-            </a:r>
-          </a:p>
-          <a:p>
-            <a:endParaRPr lang="en-GB" sz="2400" dirty="0"/>
-          </a:p>
-          <a:p>
-            <a:r>
-              <a:rPr lang="en-GB" sz="2400" b="1" dirty="0"/>
-              <a:t>Which other variable is a dead variable?</a:t>
-            </a:r>
-            <a:endParaRPr lang="en-SG" sz="2400" b="1" dirty="0"/>
+              <a:t>Dead code elimination, again.</a:t>
+            </a:r>
+            <a:endParaRPr lang="en-SG" sz="2400" dirty="0"/>
           </a:p>
         </p:txBody>
       </p:sp>
     </p:spTree>
     <p:extLst>
       <p:ext uri="{BB962C8B-B14F-4D97-AF65-F5344CB8AC3E}">
-        <p14:creationId xmlns:p14="http://schemas.microsoft.com/office/powerpoint/2010/main" val="2882394214"/>
+        <p14:creationId xmlns:p14="http://schemas.microsoft.com/office/powerpoint/2010/main" val="3111768560"/>
       </p:ext>
     </p:extLst>
   </p:cSld>
@@ -31196,7 +30955,7 @@
           <p:cNvPr id="2" name="Title 1">
             <a:extLst>
               <a:ext uri="{FF2B5EF4-FFF2-40B4-BE49-F238E27FC236}">
-                <a16:creationId xmlns:a16="http://schemas.microsoft.com/office/drawing/2014/main" id="{1E63C960-38EC-E288-8B7A-0EB14DA4408B}"/>
+                <a16:creationId xmlns:a16="http://schemas.microsoft.com/office/drawing/2014/main" id="{40145DDB-1807-1689-8A0E-90EACCDD539A}"/>
               </a:ext>
             </a:extLst>
           </p:cNvPr>
@@ -31214,7 +30973,7 @@
           <a:p>
             <a:r>
               <a:rPr lang="en-GB" dirty="0"/>
-              <a:t>Live variables, in action</a:t>
+              <a:t>Combining the local optimization techniques</a:t>
             </a:r>
             <a:endParaRPr lang="en-SG" dirty="0"/>
           </a:p>
@@ -31225,7 +30984,7 @@
           <p:cNvPr id="3" name="Content Placeholder 2">
             <a:extLst>
               <a:ext uri="{FF2B5EF4-FFF2-40B4-BE49-F238E27FC236}">
-                <a16:creationId xmlns:a16="http://schemas.microsoft.com/office/drawing/2014/main" id="{E21DF8F1-FD8C-18B1-2128-6679A4FD8A95}"/>
+                <a16:creationId xmlns:a16="http://schemas.microsoft.com/office/drawing/2014/main" id="{EDE17E52-4CE0-62A8-4183-47811CF62950}"/>
               </a:ext>
             </a:extLst>
           </p:cNvPr>
@@ -31238,259 +30997,64 @@
         </p:nvSpPr>
         <p:spPr>
           <a:xfrm>
-            <a:off x="838200" y="1508370"/>
-            <a:ext cx="10515600" cy="5220676"/>
+            <a:off x="838200" y="1825624"/>
+            <a:ext cx="10515600" cy="5032375"/>
           </a:xfrm>
         </p:spPr>
         <p:txBody>
           <a:bodyPr>
-            <a:normAutofit fontScale="55000" lnSpcReduction="20000"/>
+            <a:normAutofit/>
           </a:bodyPr>
           <a:lstStyle/>
           <a:p>
-            <a:pPr marL="0" indent="0" algn="ctr">
+            <a:pPr marL="0" indent="0">
               <a:buNone/>
             </a:pPr>
             <a:r>
               <a:rPr lang="en-GB" dirty="0"/>
-              <a:t>{ b, d }</a:t>
-            </a:r>
-          </a:p>
-          <a:p>
-            <a:pPr marL="0" indent="0" algn="ctr">
-              <a:buNone/>
-            </a:pPr>
-            <a:r>
-              <a:rPr lang="en-GB" i="1" dirty="0"/>
-              <a:t>a = b;</a:t>
-            </a:r>
-          </a:p>
-          <a:p>
-            <a:pPr marL="0" indent="0" algn="ctr">
+              <a:t>The different optimizations we have seen so far all take care of just a small piece of the optimization.</a:t>
+            </a:r>
+          </a:p>
+          <a:p>
+            <a:r>
+              <a:rPr lang="en-GB" b="1" dirty="0"/>
+              <a:t>Common subexpression elimination eliminates unnecessary statements.</a:t>
+            </a:r>
+          </a:p>
+          <a:p>
+            <a:r>
+              <a:rPr lang="en-GB" b="1" dirty="0"/>
+              <a:t>Copy propagation helps identify dead code.</a:t>
+            </a:r>
+          </a:p>
+          <a:p>
+            <a:r>
+              <a:rPr lang="en-GB" b="1" dirty="0"/>
+              <a:t>Dead code elimination removes statements that are no longer needed.</a:t>
+            </a:r>
+          </a:p>
+          <a:p>
+            <a:pPr marL="0" indent="0">
+              <a:buNone/>
+            </a:pPr>
+            <a:endParaRPr lang="en-GB" dirty="0"/>
+          </a:p>
+          <a:p>
+            <a:pPr marL="0" indent="0">
               <a:buNone/>
             </a:pPr>
             <a:r>
               <a:rPr lang="en-GB" dirty="0"/>
-              <a:t>{ a, b, d }</a:t>
-            </a:r>
-          </a:p>
-          <a:p>
-            <a:pPr marL="0" indent="0" algn="ctr">
-              <a:buNone/>
-            </a:pPr>
-            <a:r>
-              <a:rPr lang="en-GB" b="1" i="1" dirty="0">
-                <a:solidFill>
-                  <a:srgbClr val="7030A0"/>
-                </a:solidFill>
-              </a:rPr>
-              <a:t>c = a;</a:t>
-            </a:r>
-          </a:p>
-          <a:p>
-            <a:pPr marL="0" indent="0" algn="ctr">
-              <a:buNone/>
-            </a:pPr>
-            <a:r>
-              <a:rPr lang="en-GB" dirty="0"/>
-              <a:t>{ a, b, d }</a:t>
-            </a:r>
-          </a:p>
-          <a:p>
-            <a:pPr marL="0" indent="0" algn="ctr">
-              <a:buNone/>
-            </a:pPr>
-            <a:r>
-              <a:rPr lang="en-GB" i="1" dirty="0"/>
-              <a:t>d = a + b;</a:t>
-            </a:r>
-          </a:p>
-          <a:p>
-            <a:pPr marL="0" indent="0" algn="ctr">
-              <a:buNone/>
-            </a:pPr>
-            <a:r>
-              <a:rPr lang="en-GB" dirty="0"/>
-              <a:t>{ a, b, d }</a:t>
-            </a:r>
-          </a:p>
-          <a:p>
-            <a:pPr marL="0" indent="0" algn="ctr">
-              <a:buNone/>
-            </a:pPr>
-            <a:r>
-              <a:rPr lang="en-GB" i="1" dirty="0"/>
-              <a:t>e = d;</a:t>
-            </a:r>
-          </a:p>
-          <a:p>
-            <a:pPr marL="0" indent="0" algn="ctr">
-              <a:buNone/>
-            </a:pPr>
-            <a:r>
-              <a:rPr lang="en-GB" dirty="0"/>
-              <a:t>{ a, b, d, e }</a:t>
-            </a:r>
-          </a:p>
-          <a:p>
-            <a:pPr marL="0" indent="0" algn="ctr">
-              <a:buNone/>
-            </a:pPr>
-            <a:r>
-              <a:rPr lang="en-GB" i="1" dirty="0"/>
-              <a:t>d = a;</a:t>
-            </a:r>
-          </a:p>
-          <a:p>
-            <a:pPr marL="0" indent="0" algn="ctr">
-              <a:buNone/>
-            </a:pPr>
-            <a:r>
-              <a:rPr lang="en-GB" dirty="0"/>
-              <a:t>{ a, b, e }</a:t>
-            </a:r>
-          </a:p>
-          <a:p>
-            <a:pPr marL="0" indent="0" algn="ctr">
-              <a:buNone/>
-            </a:pPr>
-            <a:r>
-              <a:rPr lang="en-GB" dirty="0"/>
-              <a:t>// Variable 'd' is no longer live after this assignment</a:t>
-            </a:r>
-            <a:br>
-              <a:rPr lang="en-GB" dirty="0"/>
-            </a:br>
-            <a:r>
-              <a:rPr lang="en-GB" dirty="0"/>
-              <a:t>since its value has been updated</a:t>
-            </a:r>
-          </a:p>
-          <a:p>
-            <a:pPr marL="0" indent="0" algn="ctr">
-              <a:buNone/>
-            </a:pPr>
-            <a:r>
-              <a:rPr lang="en-GB" dirty="0"/>
-              <a:t> </a:t>
-            </a:r>
-          </a:p>
-          <a:p>
-            <a:pPr marL="0" indent="0" algn="ctr">
-              <a:buNone/>
-            </a:pPr>
-            <a:r>
-              <a:rPr lang="en-GB" dirty="0"/>
-              <a:t>{ b, d }</a:t>
-            </a:r>
-          </a:p>
-          <a:p>
-            <a:pPr marL="0" indent="0" algn="ctr">
-              <a:buNone/>
-            </a:pPr>
-            <a:r>
-              <a:rPr lang="en-GB" dirty="0"/>
-              <a:t>// Variable 'e' is no longer live after this assignment</a:t>
-            </a:r>
-            <a:br>
-              <a:rPr lang="en-GB" dirty="0"/>
-            </a:br>
-            <a:r>
-              <a:rPr lang="en-GB" dirty="0"/>
-              <a:t>since its value is not used in the subsequent statement</a:t>
-            </a:r>
-          </a:p>
-          <a:p>
-            <a:pPr marL="0" indent="0" algn="ctr">
-              <a:buNone/>
-            </a:pPr>
-            <a:r>
-              <a:rPr lang="en-GB" i="1" dirty="0" err="1"/>
-              <a:t>printf</a:t>
-            </a:r>
-            <a:r>
-              <a:rPr lang="en-GB" i="1" dirty="0"/>
-              <a:t>(b, d)</a:t>
-            </a:r>
-            <a:endParaRPr lang="en-SG" i="1" dirty="0"/>
-          </a:p>
-        </p:txBody>
-      </p:sp>
-      <p:sp>
-        <p:nvSpPr>
-          <p:cNvPr id="4" name="TextBox 3">
-            <a:extLst>
-              <a:ext uri="{FF2B5EF4-FFF2-40B4-BE49-F238E27FC236}">
-                <a16:creationId xmlns:a16="http://schemas.microsoft.com/office/drawing/2014/main" id="{590711A0-8EBB-EB88-69FE-9C06DCB3245D}"/>
-              </a:ext>
-            </a:extLst>
-          </p:cNvPr>
-          <p:cNvSpPr txBox="1"/>
-          <p:nvPr/>
-        </p:nvSpPr>
-        <p:spPr>
-          <a:xfrm>
-            <a:off x="8682893" y="1424965"/>
-            <a:ext cx="2907323" cy="5262979"/>
-          </a:xfrm>
-          <a:prstGeom prst="rect">
-            <a:avLst/>
-          </a:prstGeom>
-          <a:noFill/>
-        </p:spPr>
-        <p:txBody>
-          <a:bodyPr wrap="square" rtlCol="0">
-            <a:spAutoFit/>
-          </a:bodyPr>
-          <a:lstStyle/>
-          <a:p>
-            <a:r>
-              <a:rPr lang="en-GB" sz="2400" dirty="0"/>
-              <a:t>Using DCE:</a:t>
-            </a:r>
-          </a:p>
-          <a:p>
-            <a:pPr marL="342900" indent="-342900">
-              <a:buFont typeface="Arial" panose="020B0604020202020204" pitchFamily="34" charset="0"/>
-              <a:buChar char="•"/>
-            </a:pPr>
-            <a:r>
-              <a:rPr lang="en-GB" sz="2400" dirty="0"/>
-              <a:t>If a variable f is not live after its assignment, then it is a dead variable.</a:t>
-            </a:r>
-          </a:p>
-          <a:p>
-            <a:pPr marL="342900" indent="-342900">
-              <a:buFont typeface="Arial" panose="020B0604020202020204" pitchFamily="34" charset="0"/>
-              <a:buChar char="•"/>
-            </a:pPr>
-            <a:r>
-              <a:rPr lang="en-GB" sz="2400" dirty="0"/>
-              <a:t>DCE suggests to simply remove said statement.</a:t>
-            </a:r>
-          </a:p>
-          <a:p>
-            <a:r>
-              <a:rPr lang="en-GB" sz="2400" dirty="0"/>
-              <a:t>Here f = e; is a dead variable and should be removed.</a:t>
-            </a:r>
-          </a:p>
-          <a:p>
-            <a:endParaRPr lang="en-GB" sz="2400" dirty="0"/>
-          </a:p>
-          <a:p>
-            <a:r>
-              <a:rPr lang="en-GB" sz="2400" b="1" dirty="0"/>
-              <a:t>Which other variable is a dead variable?</a:t>
-            </a:r>
-            <a:endParaRPr lang="en-SG" sz="2400" b="1" dirty="0"/>
+              <a:t>To get maximum effect, we may have to apply these optimizations several times in a row.</a:t>
+            </a:r>
+            <a:endParaRPr lang="en-SG" dirty="0"/>
           </a:p>
         </p:txBody>
       </p:sp>
     </p:spTree>
     <p:extLst>
       <p:ext uri="{BB962C8B-B14F-4D97-AF65-F5344CB8AC3E}">
-        <p14:creationId xmlns:p14="http://schemas.microsoft.com/office/powerpoint/2010/main" val="2125982656"/>
+        <p14:creationId xmlns:p14="http://schemas.microsoft.com/office/powerpoint/2010/main" val="4103065477"/>
       </p:ext>
     </p:extLst>
   </p:cSld>
@@ -31522,7 +31086,7 @@
           <p:cNvPr id="2" name="Title 1">
             <a:extLst>
               <a:ext uri="{FF2B5EF4-FFF2-40B4-BE49-F238E27FC236}">
-                <a16:creationId xmlns:a16="http://schemas.microsoft.com/office/drawing/2014/main" id="{1E63C960-38EC-E288-8B7A-0EB14DA4408B}"/>
+                <a16:creationId xmlns:a16="http://schemas.microsoft.com/office/drawing/2014/main" id="{40145DDB-1807-1689-8A0E-90EACCDD539A}"/>
               </a:ext>
             </a:extLst>
           </p:cNvPr>
@@ -31540,7 +31104,7 @@
           <a:p>
             <a:r>
               <a:rPr lang="en-GB" dirty="0"/>
-              <a:t>Live variables, in action</a:t>
+              <a:t>Combining the local optimization techniques</a:t>
             </a:r>
             <a:endParaRPr lang="en-SG" dirty="0"/>
           </a:p>
@@ -31551,7 +31115,7 @@
           <p:cNvPr id="3" name="Content Placeholder 2">
             <a:extLst>
               <a:ext uri="{FF2B5EF4-FFF2-40B4-BE49-F238E27FC236}">
-                <a16:creationId xmlns:a16="http://schemas.microsoft.com/office/drawing/2014/main" id="{E21DF8F1-FD8C-18B1-2128-6679A4FD8A95}"/>
+                <a16:creationId xmlns:a16="http://schemas.microsoft.com/office/drawing/2014/main" id="{EDE17E52-4CE0-62A8-4183-47811CF62950}"/>
               </a:ext>
             </a:extLst>
           </p:cNvPr>
@@ -31564,22 +31128,31 @@
         </p:nvSpPr>
         <p:spPr>
           <a:xfrm>
-            <a:off x="838200" y="1508370"/>
-            <a:ext cx="10515600" cy="5220676"/>
+            <a:off x="838200" y="1825624"/>
+            <a:ext cx="10515600" cy="5032375"/>
           </a:xfrm>
         </p:spPr>
         <p:txBody>
           <a:bodyPr>
-            <a:normAutofit fontScale="55000" lnSpcReduction="20000"/>
+            <a:normAutofit/>
           </a:bodyPr>
           <a:lstStyle/>
           <a:p>
+            <a:pPr marL="0" indent="0">
+              <a:buNone/>
+            </a:pPr>
+            <a:r>
+              <a:rPr lang="en-GB" dirty="0"/>
+              <a:t>Consider the TAC code below, which will be simplified</a:t>
+            </a:r>
+          </a:p>
+          <a:p>
             <a:pPr marL="0" indent="0" algn="ctr">
               <a:buNone/>
             </a:pPr>
             <a:r>
-              <a:rPr lang="en-GB" dirty="0"/>
-              <a:t>{ b, d }</a:t>
+              <a:rPr lang="en-GB" i="1" dirty="0"/>
+              <a:t>b = a*a;</a:t>
             </a:r>
           </a:p>
           <a:p>
@@ -31588,7 +31161,7 @@
             </a:pPr>
             <a:r>
               <a:rPr lang="en-GB" i="1" dirty="0"/>
-              <a:t>a = b;</a:t>
+              <a:t>c = a*a;</a:t>
             </a:r>
           </a:p>
           <a:p>
@@ -31596,8 +31169,8 @@
               <a:buNone/>
             </a:pPr>
             <a:r>
-              <a:rPr lang="en-GB" dirty="0"/>
-              <a:t>{ a, b, d }</a:t>
+              <a:rPr lang="en-GB" i="1" dirty="0"/>
+              <a:t>d = b + c;</a:t>
             </a:r>
           </a:p>
           <a:p>
@@ -31606,7 +31179,7 @@
             </a:pPr>
             <a:r>
               <a:rPr lang="en-GB" i="1" dirty="0"/>
-              <a:t> </a:t>
+              <a:t>e = b + b;</a:t>
             </a:r>
           </a:p>
           <a:p>
@@ -31614,112 +31187,8 @@
               <a:buNone/>
             </a:pPr>
             <a:r>
-              <a:rPr lang="en-GB" dirty="0"/>
-              <a:t>{ a, b, d }</a:t>
-            </a:r>
-          </a:p>
-          <a:p>
-            <a:pPr marL="0" indent="0" algn="ctr">
-              <a:buNone/>
-            </a:pPr>
-            <a:r>
               <a:rPr lang="en-GB" i="1" dirty="0"/>
-              <a:t>d = a + b;</a:t>
-            </a:r>
-          </a:p>
-          <a:p>
-            <a:pPr marL="0" indent="0" algn="ctr">
-              <a:buNone/>
-            </a:pPr>
-            <a:r>
-              <a:rPr lang="en-GB" dirty="0"/>
-              <a:t>{ a, b, d }</a:t>
-            </a:r>
-          </a:p>
-          <a:p>
-            <a:pPr marL="0" indent="0" algn="ctr">
-              <a:buNone/>
-            </a:pPr>
-            <a:r>
-              <a:rPr lang="en-GB" i="1" dirty="0"/>
-              <a:t>e = d;</a:t>
-            </a:r>
-          </a:p>
-          <a:p>
-            <a:pPr marL="0" indent="0" algn="ctr">
-              <a:buNone/>
-            </a:pPr>
-            <a:r>
-              <a:rPr lang="en-GB" dirty="0"/>
-              <a:t>{ a, b, d, e }</a:t>
-            </a:r>
-          </a:p>
-          <a:p>
-            <a:pPr marL="0" indent="0" algn="ctr">
-              <a:buNone/>
-            </a:pPr>
-            <a:r>
-              <a:rPr lang="en-GB" i="1" dirty="0"/>
-              <a:t>d = a;</a:t>
-            </a:r>
-          </a:p>
-          <a:p>
-            <a:pPr marL="0" indent="0" algn="ctr">
-              <a:buNone/>
-            </a:pPr>
-            <a:r>
-              <a:rPr lang="en-GB" dirty="0"/>
-              <a:t>{ a, b, e }</a:t>
-            </a:r>
-          </a:p>
-          <a:p>
-            <a:pPr marL="0" indent="0" algn="ctr">
-              <a:buNone/>
-            </a:pPr>
-            <a:r>
-              <a:rPr lang="en-GB" dirty="0"/>
-              <a:t>// Variable 'd' is no longer live after this assignment</a:t>
-            </a:r>
-            <a:br>
-              <a:rPr lang="en-GB" dirty="0"/>
-            </a:br>
-            <a:r>
-              <a:rPr lang="en-GB" dirty="0"/>
-              <a:t>since its value has been updated</a:t>
-            </a:r>
-          </a:p>
-          <a:p>
-            <a:pPr marL="0" indent="0" algn="ctr">
-              <a:buNone/>
-            </a:pPr>
-            <a:r>
-              <a:rPr lang="en-GB" dirty="0"/>
-              <a:t> </a:t>
-            </a:r>
-          </a:p>
-          <a:p>
-            <a:pPr marL="0" indent="0" algn="ctr">
-              <a:buNone/>
-            </a:pPr>
-            <a:r>
-              <a:rPr lang="en-GB" dirty="0"/>
-              <a:t>{ b, d }</a:t>
-            </a:r>
-          </a:p>
-          <a:p>
-            <a:pPr marL="0" indent="0" algn="ctr">
-              <a:buNone/>
-            </a:pPr>
-            <a:r>
-              <a:rPr lang="en-GB" dirty="0"/>
-              <a:t>// Variable 'e' is no longer live after this assignment</a:t>
-            </a:r>
-            <a:br>
-              <a:rPr lang="en-GB" dirty="0"/>
-            </a:br>
-            <a:r>
-              <a:rPr lang="en-GB" dirty="0"/>
-              <a:t>since its value is not used in the subsequent statement</a:t>
+              <a:t>f = a;</a:t>
             </a:r>
           </a:p>
           <a:p>
@@ -31732,87 +31201,21 @@
             </a:r>
             <a:r>
               <a:rPr lang="en-GB" i="1" dirty="0"/>
-              <a:t>(b, d)</a:t>
-            </a:r>
-            <a:endParaRPr lang="en-SG" i="1" dirty="0"/>
-          </a:p>
-        </p:txBody>
-      </p:sp>
-      <p:sp>
-        <p:nvSpPr>
-          <p:cNvPr id="4" name="TextBox 3">
-            <a:extLst>
-              <a:ext uri="{FF2B5EF4-FFF2-40B4-BE49-F238E27FC236}">
-                <a16:creationId xmlns:a16="http://schemas.microsoft.com/office/drawing/2014/main" id="{590711A0-8EBB-EB88-69FE-9C06DCB3245D}"/>
-              </a:ext>
-            </a:extLst>
-          </p:cNvPr>
-          <p:cNvSpPr txBox="1"/>
-          <p:nvPr/>
-        </p:nvSpPr>
-        <p:spPr>
-          <a:xfrm>
-            <a:off x="8682893" y="1424965"/>
-            <a:ext cx="2907323" cy="5262979"/>
-          </a:xfrm>
-          <a:prstGeom prst="rect">
-            <a:avLst/>
-          </a:prstGeom>
-          <a:noFill/>
-        </p:spPr>
-        <p:txBody>
-          <a:bodyPr wrap="square" rtlCol="0">
-            <a:spAutoFit/>
-          </a:bodyPr>
-          <a:lstStyle/>
-          <a:p>
-            <a:r>
-              <a:rPr lang="en-GB" sz="2400" dirty="0"/>
-              <a:t>Using DCE:</a:t>
-            </a:r>
-          </a:p>
-          <a:p>
-            <a:pPr marL="342900" indent="-342900">
-              <a:buFont typeface="Arial" panose="020B0604020202020204" pitchFamily="34" charset="0"/>
-              <a:buChar char="•"/>
-            </a:pPr>
-            <a:r>
-              <a:rPr lang="en-GB" sz="2400" dirty="0"/>
-              <a:t>If a variable f is not live after its assignment, then it is a dead variable.</a:t>
-            </a:r>
-          </a:p>
-          <a:p>
-            <a:pPr marL="342900" indent="-342900">
-              <a:buFont typeface="Arial" panose="020B0604020202020204" pitchFamily="34" charset="0"/>
-              <a:buChar char="•"/>
-            </a:pPr>
-            <a:r>
-              <a:rPr lang="en-GB" sz="2400" dirty="0"/>
-              <a:t>DCE suggests to simply remove said statement.</a:t>
-            </a:r>
-          </a:p>
-          <a:p>
-            <a:r>
-              <a:rPr lang="en-GB" sz="2400" dirty="0"/>
-              <a:t>Here f = e; is a dead variable and should be removed.</a:t>
-            </a:r>
-          </a:p>
-          <a:p>
-            <a:endParaRPr lang="en-GB" sz="2400" dirty="0"/>
-          </a:p>
-          <a:p>
-            <a:r>
-              <a:rPr lang="en-GB" sz="2400" b="1" dirty="0"/>
-              <a:t>Which other variable is a dead variable?</a:t>
-            </a:r>
-            <a:endParaRPr lang="en-SG" sz="2400" b="1" dirty="0"/>
+              <a:t>(e)</a:t>
+            </a:r>
+          </a:p>
+          <a:p>
+            <a:pPr marL="0" indent="0">
+              <a:buNone/>
+            </a:pPr>
+            <a:endParaRPr lang="en-SG" dirty="0"/>
           </a:p>
         </p:txBody>
       </p:sp>
     </p:spTree>
     <p:extLst>
       <p:ext uri="{BB962C8B-B14F-4D97-AF65-F5344CB8AC3E}">
-        <p14:creationId xmlns:p14="http://schemas.microsoft.com/office/powerpoint/2010/main" val="1368333128"/>
+        <p14:creationId xmlns:p14="http://schemas.microsoft.com/office/powerpoint/2010/main" val="3853606339"/>
       </p:ext>
     </p:extLst>
   </p:cSld>
@@ -31844,7 +31247,7 @@
           <p:cNvPr id="2" name="Title 1">
             <a:extLst>
               <a:ext uri="{FF2B5EF4-FFF2-40B4-BE49-F238E27FC236}">
-                <a16:creationId xmlns:a16="http://schemas.microsoft.com/office/drawing/2014/main" id="{1E63C960-38EC-E288-8B7A-0EB14DA4408B}"/>
+                <a16:creationId xmlns:a16="http://schemas.microsoft.com/office/drawing/2014/main" id="{40145DDB-1807-1689-8A0E-90EACCDD539A}"/>
               </a:ext>
             </a:extLst>
           </p:cNvPr>
@@ -31862,7 +31265,7 @@
           <a:p>
             <a:r>
               <a:rPr lang="en-GB" dirty="0"/>
-              <a:t>Live variables, in action</a:t>
+              <a:t>Combining the local optimization techniques</a:t>
             </a:r>
             <a:endParaRPr lang="en-SG" dirty="0"/>
           </a:p>
@@ -31873,7 +31276,7 @@
           <p:cNvPr id="3" name="Content Placeholder 2">
             <a:extLst>
               <a:ext uri="{FF2B5EF4-FFF2-40B4-BE49-F238E27FC236}">
-                <a16:creationId xmlns:a16="http://schemas.microsoft.com/office/drawing/2014/main" id="{E21DF8F1-FD8C-18B1-2128-6679A4FD8A95}"/>
+                <a16:creationId xmlns:a16="http://schemas.microsoft.com/office/drawing/2014/main" id="{EDE17E52-4CE0-62A8-4183-47811CF62950}"/>
               </a:ext>
             </a:extLst>
           </p:cNvPr>
@@ -31886,22 +31289,35 @@
         </p:nvSpPr>
         <p:spPr>
           <a:xfrm>
-            <a:off x="838200" y="1508370"/>
-            <a:ext cx="10515600" cy="5220676"/>
+            <a:off x="838200" y="1825624"/>
+            <a:ext cx="10515600" cy="5032375"/>
           </a:xfrm>
         </p:spPr>
         <p:txBody>
           <a:bodyPr>
-            <a:normAutofit fontScale="55000" lnSpcReduction="20000"/>
+            <a:normAutofit/>
           </a:bodyPr>
           <a:lstStyle/>
           <a:p>
+            <a:pPr marL="0" indent="0">
+              <a:buNone/>
+            </a:pPr>
+            <a:r>
+              <a:rPr lang="en-GB" dirty="0"/>
+              <a:t>Consider the TAC code below, which will be simplified</a:t>
+            </a:r>
+          </a:p>
+          <a:p>
             <a:pPr marL="0" indent="0" algn="ctr">
               <a:buNone/>
             </a:pPr>
             <a:r>
-              <a:rPr lang="en-GB" dirty="0"/>
-              <a:t>{ b, d }</a:t>
+              <a:rPr lang="en-GB" b="1" i="1" dirty="0">
+                <a:solidFill>
+                  <a:srgbClr val="00B050"/>
+                </a:solidFill>
+              </a:rPr>
+              <a:t>b = a*a;</a:t>
             </a:r>
           </a:p>
           <a:p>
@@ -31909,8 +31325,21 @@
               <a:buNone/>
             </a:pPr>
             <a:r>
+              <a:rPr lang="en-GB" b="1" i="1" dirty="0">
+                <a:solidFill>
+                  <a:srgbClr val="00B050"/>
+                </a:solidFill>
+              </a:rPr>
+              <a:t>c = a*a;</a:t>
+            </a:r>
+          </a:p>
+          <a:p>
+            <a:pPr marL="0" indent="0" algn="ctr">
+              <a:buNone/>
+            </a:pPr>
+            <a:r>
               <a:rPr lang="en-GB" i="1" dirty="0"/>
-              <a:t>a = b;</a:t>
+              <a:t>d = b + c;</a:t>
             </a:r>
           </a:p>
           <a:p>
@@ -31918,8 +31347,8 @@
               <a:buNone/>
             </a:pPr>
             <a:r>
-              <a:rPr lang="en-GB" dirty="0"/>
-              <a:t>{ a, b, d }</a:t>
+              <a:rPr lang="en-GB" i="1" dirty="0"/>
+              <a:t>e = b + b;</a:t>
             </a:r>
           </a:p>
           <a:p>
@@ -31928,120 +31357,7 @@
             </a:pPr>
             <a:r>
               <a:rPr lang="en-GB" i="1" dirty="0"/>
-              <a:t> </a:t>
-            </a:r>
-          </a:p>
-          <a:p>
-            <a:pPr marL="0" indent="0" algn="ctr">
-              <a:buNone/>
-            </a:pPr>
-            <a:r>
-              <a:rPr lang="en-GB" dirty="0"/>
-              <a:t>{ a, b, d }</a:t>
-            </a:r>
-          </a:p>
-          <a:p>
-            <a:pPr marL="0" indent="0" algn="ctr">
-              <a:buNone/>
-            </a:pPr>
-            <a:r>
-              <a:rPr lang="en-GB" i="1" dirty="0"/>
-              <a:t>d = a + b;</a:t>
-            </a:r>
-          </a:p>
-          <a:p>
-            <a:pPr marL="0" indent="0" algn="ctr">
-              <a:buNone/>
-            </a:pPr>
-            <a:r>
-              <a:rPr lang="en-GB" dirty="0"/>
-              <a:t>{ a, b, d }</a:t>
-            </a:r>
-          </a:p>
-          <a:p>
-            <a:pPr marL="0" indent="0" algn="ctr">
-              <a:buNone/>
-            </a:pPr>
-            <a:r>
-              <a:rPr lang="en-GB" i="1" dirty="0"/>
-              <a:t>e = d;</a:t>
-            </a:r>
-          </a:p>
-          <a:p>
-            <a:pPr marL="0" indent="0" algn="ctr">
-              <a:buNone/>
-            </a:pPr>
-            <a:r>
-              <a:rPr lang="en-GB" dirty="0"/>
-              <a:t>{ a, b, d, e }</a:t>
-            </a:r>
-          </a:p>
-          <a:p>
-            <a:pPr marL="0" indent="0" algn="ctr">
-              <a:buNone/>
-            </a:pPr>
-            <a:r>
-              <a:rPr lang="en-GB" i="1" dirty="0"/>
-              <a:t>d = a;</a:t>
-            </a:r>
-          </a:p>
-          <a:p>
-            <a:pPr marL="0" indent="0" algn="ctr">
-              <a:buNone/>
-            </a:pPr>
-            <a:r>
-              <a:rPr lang="en-GB" dirty="0"/>
-              <a:t>{ a, b, e }</a:t>
-            </a:r>
-          </a:p>
-          <a:p>
-            <a:pPr marL="0" indent="0" algn="ctr">
-              <a:buNone/>
-            </a:pPr>
-            <a:r>
-              <a:rPr lang="en-GB" dirty="0"/>
-              <a:t>// Variable 'd' is no longer live after this assignment</a:t>
-            </a:r>
-            <a:br>
-              <a:rPr lang="en-GB" dirty="0"/>
-            </a:br>
-            <a:r>
-              <a:rPr lang="en-GB" dirty="0"/>
-              <a:t>since its value has been updated</a:t>
-            </a:r>
-          </a:p>
-          <a:p>
-            <a:pPr marL="0" indent="0" algn="ctr">
-              <a:buNone/>
-            </a:pPr>
-            <a:r>
-              <a:rPr lang="en-GB" dirty="0"/>
-              <a:t> </a:t>
-            </a:r>
-          </a:p>
-          <a:p>
-            <a:pPr marL="0" indent="0" algn="ctr">
-              <a:buNone/>
-            </a:pPr>
-            <a:r>
-              <a:rPr lang="en-GB" dirty="0"/>
-              <a:t>{ b, d }</a:t>
-            </a:r>
-          </a:p>
-          <a:p>
-            <a:pPr marL="0" indent="0" algn="ctr">
-              <a:buNone/>
-            </a:pPr>
-            <a:r>
-              <a:rPr lang="en-GB" dirty="0"/>
-              <a:t>// Variable 'e' is no longer live after this assignment</a:t>
-            </a:r>
-            <a:br>
-              <a:rPr lang="en-GB" dirty="0"/>
-            </a:br>
-            <a:r>
-              <a:rPr lang="en-GB" dirty="0"/>
-              <a:t>since its value is not used in the subsequent statement</a:t>
+              <a:t>f = a;</a:t>
             </a:r>
           </a:p>
           <a:p>
@@ -32054,52 +31370,42 @@
             </a:r>
             <a:r>
               <a:rPr lang="en-GB" i="1" dirty="0"/>
-              <a:t>(b, d)</a:t>
-            </a:r>
-            <a:endParaRPr lang="en-SG" i="1" dirty="0"/>
-          </a:p>
-        </p:txBody>
-      </p:sp>
-      <p:sp>
-        <p:nvSpPr>
-          <p:cNvPr id="4" name="TextBox 3">
-            <a:extLst>
-              <a:ext uri="{FF2B5EF4-FFF2-40B4-BE49-F238E27FC236}">
-                <a16:creationId xmlns:a16="http://schemas.microsoft.com/office/drawing/2014/main" id="{590711A0-8EBB-EB88-69FE-9C06DCB3245D}"/>
-              </a:ext>
-            </a:extLst>
-          </p:cNvPr>
-          <p:cNvSpPr txBox="1"/>
-          <p:nvPr/>
-        </p:nvSpPr>
-        <p:spPr>
-          <a:xfrm>
-            <a:off x="8682893" y="1424965"/>
-            <a:ext cx="2907323" cy="830997"/>
-          </a:xfrm>
-          <a:prstGeom prst="rect">
-            <a:avLst/>
-          </a:prstGeom>
-          <a:noFill/>
-        </p:spPr>
-        <p:txBody>
-          <a:bodyPr wrap="square" rtlCol="0">
-            <a:spAutoFit/>
-          </a:bodyPr>
-          <a:lstStyle/>
-          <a:p>
-            <a:r>
-              <a:rPr lang="en-GB" sz="2400" dirty="0"/>
-              <a:t>Rinse and repeat the process once more!</a:t>
-            </a:r>
-            <a:endParaRPr lang="en-SG" sz="2400" b="1" dirty="0"/>
+              <a:t>(e)</a:t>
+            </a:r>
+          </a:p>
+          <a:p>
+            <a:pPr marL="0" indent="0" algn="ctr">
+              <a:buNone/>
+            </a:pPr>
+            <a:endParaRPr lang="en-GB" i="1" dirty="0"/>
+          </a:p>
+          <a:p>
+            <a:pPr marL="0" indent="0">
+              <a:buNone/>
+            </a:pPr>
+            <a:r>
+              <a:rPr lang="en-GB" dirty="0">
+                <a:sym typeface="Wingdings" panose="05000000000000000000" pitchFamily="2" charset="2"/>
+              </a:rPr>
+              <a:t> </a:t>
+            </a:r>
+            <a:r>
+              <a:rPr lang="en-GB" dirty="0"/>
+              <a:t>Use CSE on these two statements.</a:t>
+            </a:r>
+          </a:p>
+          <a:p>
+            <a:pPr marL="0" indent="0">
+              <a:buNone/>
+            </a:pPr>
+            <a:endParaRPr lang="en-SG" dirty="0"/>
           </a:p>
         </p:txBody>
       </p:sp>
     </p:spTree>
     <p:extLst>
       <p:ext uri="{BB962C8B-B14F-4D97-AF65-F5344CB8AC3E}">
-        <p14:creationId xmlns:p14="http://schemas.microsoft.com/office/powerpoint/2010/main" val="2924132573"/>
+        <p14:creationId xmlns:p14="http://schemas.microsoft.com/office/powerpoint/2010/main" val="2162267674"/>
       </p:ext>
     </p:extLst>
   </p:cSld>
@@ -32504,7 +31810,7 @@
           <p:cNvPr id="2" name="Title 1">
             <a:extLst>
               <a:ext uri="{FF2B5EF4-FFF2-40B4-BE49-F238E27FC236}">
-                <a16:creationId xmlns:a16="http://schemas.microsoft.com/office/drawing/2014/main" id="{1E63C960-38EC-E288-8B7A-0EB14DA4408B}"/>
+                <a16:creationId xmlns:a16="http://schemas.microsoft.com/office/drawing/2014/main" id="{40145DDB-1807-1689-8A0E-90EACCDD539A}"/>
               </a:ext>
             </a:extLst>
           </p:cNvPr>
@@ -32522,7 +31828,7 @@
           <a:p>
             <a:r>
               <a:rPr lang="en-GB" dirty="0"/>
-              <a:t>Live variables, in action</a:t>
+              <a:t>Combining the local optimization techniques</a:t>
             </a:r>
             <a:endParaRPr lang="en-SG" dirty="0"/>
           </a:p>
@@ -32533,7 +31839,7 @@
           <p:cNvPr id="3" name="Content Placeholder 2">
             <a:extLst>
               <a:ext uri="{FF2B5EF4-FFF2-40B4-BE49-F238E27FC236}">
-                <a16:creationId xmlns:a16="http://schemas.microsoft.com/office/drawing/2014/main" id="{E21DF8F1-FD8C-18B1-2128-6679A4FD8A95}"/>
+                <a16:creationId xmlns:a16="http://schemas.microsoft.com/office/drawing/2014/main" id="{EDE17E52-4CE0-62A8-4183-47811CF62950}"/>
               </a:ext>
             </a:extLst>
           </p:cNvPr>
@@ -32546,8 +31852,8 @@
         </p:nvSpPr>
         <p:spPr>
           <a:xfrm>
-            <a:off x="838200" y="1508370"/>
-            <a:ext cx="10515600" cy="5220676"/>
+            <a:off x="838200" y="1825624"/>
+            <a:ext cx="10515600" cy="5032375"/>
           </a:xfrm>
         </p:spPr>
         <p:txBody>
@@ -32556,12 +31862,25 @@
           </a:bodyPr>
           <a:lstStyle/>
           <a:p>
+            <a:pPr marL="0" indent="0">
+              <a:buNone/>
+            </a:pPr>
+            <a:r>
+              <a:rPr lang="en-GB" dirty="0"/>
+              <a:t>Consider the TAC code below, which will be simplified</a:t>
+            </a:r>
+          </a:p>
+          <a:p>
             <a:pPr marL="0" indent="0" algn="ctr">
               <a:buNone/>
             </a:pPr>
             <a:r>
-              <a:rPr lang="en-GB" dirty="0"/>
-              <a:t>{}</a:t>
+              <a:rPr lang="en-GB" b="1" i="1" dirty="0">
+                <a:solidFill>
+                  <a:srgbClr val="00B050"/>
+                </a:solidFill>
+              </a:rPr>
+              <a:t>b = a*a;</a:t>
             </a:r>
           </a:p>
           <a:p>
@@ -32569,8 +31888,21 @@
               <a:buNone/>
             </a:pPr>
             <a:r>
+              <a:rPr lang="en-GB" b="1" i="1" dirty="0">
+                <a:solidFill>
+                  <a:srgbClr val="00B050"/>
+                </a:solidFill>
+              </a:rPr>
+              <a:t>c = b;</a:t>
+            </a:r>
+          </a:p>
+          <a:p>
+            <a:pPr marL="0" indent="0" algn="ctr">
+              <a:buNone/>
+            </a:pPr>
+            <a:r>
               <a:rPr lang="en-GB" i="1" dirty="0"/>
-              <a:t>a = b;</a:t>
+              <a:t>d = b + c;</a:t>
             </a:r>
           </a:p>
           <a:p>
@@ -32578,8 +31910,8 @@
               <a:buNone/>
             </a:pPr>
             <a:r>
-              <a:rPr lang="en-GB" dirty="0"/>
-              <a:t>{}</a:t>
+              <a:rPr lang="en-GB" i="1" dirty="0"/>
+              <a:t>e = b + b;</a:t>
             </a:r>
           </a:p>
           <a:p>
@@ -32588,52 +31920,7 @@
             </a:pPr>
             <a:r>
               <a:rPr lang="en-GB" i="1" dirty="0"/>
-              <a:t>d = a + b;</a:t>
-            </a:r>
-          </a:p>
-          <a:p>
-            <a:pPr marL="0" indent="0" algn="ctr">
-              <a:buNone/>
-            </a:pPr>
-            <a:r>
-              <a:rPr lang="en-GB" dirty="0"/>
-              <a:t>{}</a:t>
-            </a:r>
-          </a:p>
-          <a:p>
-            <a:pPr marL="0" indent="0" algn="ctr">
-              <a:buNone/>
-            </a:pPr>
-            <a:r>
-              <a:rPr lang="en-GB" i="1" dirty="0"/>
-              <a:t>e = d;</a:t>
-            </a:r>
-          </a:p>
-          <a:p>
-            <a:pPr marL="0" indent="0" algn="ctr">
-              <a:buNone/>
-            </a:pPr>
-            <a:r>
-              <a:rPr lang="en-GB" dirty="0"/>
-              <a:t>{}</a:t>
-            </a:r>
-          </a:p>
-          <a:p>
-            <a:pPr marL="0" indent="0" algn="ctr">
-              <a:buNone/>
-            </a:pPr>
-            <a:r>
-              <a:rPr lang="en-GB" i="1" dirty="0"/>
-              <a:t>d = a;</a:t>
-            </a:r>
-          </a:p>
-          <a:p>
-            <a:pPr marL="0" indent="0" algn="ctr">
-              <a:buNone/>
-            </a:pPr>
-            <a:r>
-              <a:rPr lang="en-GB" dirty="0"/>
-              <a:t>{}</a:t>
+              <a:t>f = a;</a:t>
             </a:r>
           </a:p>
           <a:p>
@@ -32646,52 +31933,42 @@
             </a:r>
             <a:r>
               <a:rPr lang="en-GB" i="1" dirty="0"/>
-              <a:t>(b, d)</a:t>
-            </a:r>
-            <a:endParaRPr lang="en-SG" i="1" dirty="0"/>
-          </a:p>
-        </p:txBody>
-      </p:sp>
-      <p:sp>
-        <p:nvSpPr>
-          <p:cNvPr id="4" name="TextBox 3">
-            <a:extLst>
-              <a:ext uri="{FF2B5EF4-FFF2-40B4-BE49-F238E27FC236}">
-                <a16:creationId xmlns:a16="http://schemas.microsoft.com/office/drawing/2014/main" id="{590711A0-8EBB-EB88-69FE-9C06DCB3245D}"/>
-              </a:ext>
-            </a:extLst>
-          </p:cNvPr>
-          <p:cNvSpPr txBox="1"/>
-          <p:nvPr/>
-        </p:nvSpPr>
-        <p:spPr>
-          <a:xfrm>
-            <a:off x="8682893" y="1424965"/>
-            <a:ext cx="2907323" cy="830997"/>
-          </a:xfrm>
-          <a:prstGeom prst="rect">
-            <a:avLst/>
-          </a:prstGeom>
-          <a:noFill/>
-        </p:spPr>
-        <p:txBody>
-          <a:bodyPr wrap="square" rtlCol="0">
-            <a:spAutoFit/>
-          </a:bodyPr>
-          <a:lstStyle/>
-          <a:p>
-            <a:r>
-              <a:rPr lang="en-GB" sz="2400" dirty="0"/>
-              <a:t>Rinse and repeat the process once more!</a:t>
-            </a:r>
-            <a:endParaRPr lang="en-SG" sz="2400" b="1" dirty="0"/>
+              <a:t>(e)</a:t>
+            </a:r>
+          </a:p>
+          <a:p>
+            <a:pPr marL="0" indent="0" algn="ctr">
+              <a:buNone/>
+            </a:pPr>
+            <a:endParaRPr lang="en-GB" i="1" dirty="0"/>
+          </a:p>
+          <a:p>
+            <a:pPr marL="0" indent="0">
+              <a:buNone/>
+            </a:pPr>
+            <a:r>
+              <a:rPr lang="en-GB" dirty="0">
+                <a:sym typeface="Wingdings" panose="05000000000000000000" pitchFamily="2" charset="2"/>
+              </a:rPr>
+              <a:t> </a:t>
+            </a:r>
+            <a:r>
+              <a:rPr lang="en-GB" dirty="0"/>
+              <a:t>Use CSE on these two statements.</a:t>
+            </a:r>
+          </a:p>
+          <a:p>
+            <a:pPr marL="0" indent="0">
+              <a:buNone/>
+            </a:pPr>
+            <a:endParaRPr lang="en-SG" dirty="0"/>
           </a:p>
         </p:txBody>
       </p:sp>
     </p:spTree>
     <p:extLst>
       <p:ext uri="{BB962C8B-B14F-4D97-AF65-F5344CB8AC3E}">
-        <p14:creationId xmlns:p14="http://schemas.microsoft.com/office/powerpoint/2010/main" val="3132408082"/>
+        <p14:creationId xmlns:p14="http://schemas.microsoft.com/office/powerpoint/2010/main" val="2905137462"/>
       </p:ext>
     </p:extLst>
   </p:cSld>
@@ -32723,7 +32000,7 @@
           <p:cNvPr id="2" name="Title 1">
             <a:extLst>
               <a:ext uri="{FF2B5EF4-FFF2-40B4-BE49-F238E27FC236}">
-                <a16:creationId xmlns:a16="http://schemas.microsoft.com/office/drawing/2014/main" id="{1E63C960-38EC-E288-8B7A-0EB14DA4408B}"/>
+                <a16:creationId xmlns:a16="http://schemas.microsoft.com/office/drawing/2014/main" id="{40145DDB-1807-1689-8A0E-90EACCDD539A}"/>
               </a:ext>
             </a:extLst>
           </p:cNvPr>
@@ -32741,7 +32018,7 @@
           <a:p>
             <a:r>
               <a:rPr lang="en-GB" dirty="0"/>
-              <a:t>Live variables, in action</a:t>
+              <a:t>Combining the local optimization techniques</a:t>
             </a:r>
             <a:endParaRPr lang="en-SG" dirty="0"/>
           </a:p>
@@ -32752,7 +32029,7 @@
           <p:cNvPr id="3" name="Content Placeholder 2">
             <a:extLst>
               <a:ext uri="{FF2B5EF4-FFF2-40B4-BE49-F238E27FC236}">
-                <a16:creationId xmlns:a16="http://schemas.microsoft.com/office/drawing/2014/main" id="{E21DF8F1-FD8C-18B1-2128-6679A4FD8A95}"/>
+                <a16:creationId xmlns:a16="http://schemas.microsoft.com/office/drawing/2014/main" id="{EDE17E52-4CE0-62A8-4183-47811CF62950}"/>
               </a:ext>
             </a:extLst>
           </p:cNvPr>
@@ -32765,8 +32042,8 @@
         </p:nvSpPr>
         <p:spPr>
           <a:xfrm>
-            <a:off x="838200" y="1508370"/>
-            <a:ext cx="10515600" cy="5220676"/>
+            <a:off x="838200" y="1825624"/>
+            <a:ext cx="10515600" cy="5032375"/>
           </a:xfrm>
         </p:spPr>
         <p:txBody>
@@ -32775,12 +32052,21 @@
           </a:bodyPr>
           <a:lstStyle/>
           <a:p>
+            <a:pPr marL="0" indent="0">
+              <a:buNone/>
+            </a:pPr>
+            <a:r>
+              <a:rPr lang="en-GB" dirty="0"/>
+              <a:t>Consider the TAC code below, which will be simplified</a:t>
+            </a:r>
+          </a:p>
+          <a:p>
             <a:pPr marL="0" indent="0" algn="ctr">
               <a:buNone/>
             </a:pPr>
             <a:r>
-              <a:rPr lang="en-GB" dirty="0"/>
-              <a:t>{ b }</a:t>
+              <a:rPr lang="en-GB" i="1" dirty="0"/>
+              <a:t>b = a*a;</a:t>
             </a:r>
           </a:p>
           <a:p>
@@ -32788,8 +32074,33 @@
               <a:buNone/>
             </a:pPr>
             <a:r>
+              <a:rPr lang="en-GB" b="1" i="1" dirty="0">
+                <a:solidFill>
+                  <a:srgbClr val="00B050"/>
+                </a:solidFill>
+              </a:rPr>
+              <a:t>c = b;</a:t>
+            </a:r>
+          </a:p>
+          <a:p>
+            <a:pPr marL="0" indent="0" algn="ctr">
+              <a:buNone/>
+            </a:pPr>
+            <a:r>
               <a:rPr lang="en-GB" i="1" dirty="0"/>
-              <a:t>a = b;</a:t>
+              <a:t>d = b + </a:t>
+            </a:r>
+            <a:r>
+              <a:rPr lang="en-GB" b="1" i="1" dirty="0">
+                <a:solidFill>
+                  <a:srgbClr val="00B050"/>
+                </a:solidFill>
+              </a:rPr>
+              <a:t>c</a:t>
+            </a:r>
+            <a:r>
+              <a:rPr lang="en-GB" i="1" dirty="0"/>
+              <a:t>;</a:t>
             </a:r>
           </a:p>
           <a:p>
@@ -32797,8 +32108,8 @@
               <a:buNone/>
             </a:pPr>
             <a:r>
-              <a:rPr lang="en-GB" dirty="0"/>
-              <a:t>{ a, b }</a:t>
+              <a:rPr lang="en-GB" i="1" dirty="0"/>
+              <a:t>e = b + b;</a:t>
             </a:r>
           </a:p>
           <a:p>
@@ -32807,52 +32118,7 @@
             </a:pPr>
             <a:r>
               <a:rPr lang="en-GB" i="1" dirty="0"/>
-              <a:t>d = a + b;</a:t>
-            </a:r>
-          </a:p>
-          <a:p>
-            <a:pPr marL="0" indent="0" algn="ctr">
-              <a:buNone/>
-            </a:pPr>
-            <a:r>
-              <a:rPr lang="en-GB" dirty="0"/>
-              <a:t>{ d }</a:t>
-            </a:r>
-          </a:p>
-          <a:p>
-            <a:pPr marL="0" indent="0" algn="ctr">
-              <a:buNone/>
-            </a:pPr>
-            <a:r>
-              <a:rPr lang="en-GB" i="1" dirty="0"/>
-              <a:t>e = d;</a:t>
-            </a:r>
-          </a:p>
-          <a:p>
-            <a:pPr marL="0" indent="0" algn="ctr">
-              <a:buNone/>
-            </a:pPr>
-            <a:r>
-              <a:rPr lang="en-GB" dirty="0"/>
-              <a:t>{ b, d }</a:t>
-            </a:r>
-          </a:p>
-          <a:p>
-            <a:pPr marL="0" indent="0" algn="ctr">
-              <a:buNone/>
-            </a:pPr>
-            <a:r>
-              <a:rPr lang="en-GB" i="1" dirty="0"/>
-              <a:t>d = a;</a:t>
-            </a:r>
-          </a:p>
-          <a:p>
-            <a:pPr marL="0" indent="0" algn="ctr">
-              <a:buNone/>
-            </a:pPr>
-            <a:r>
-              <a:rPr lang="en-GB" dirty="0"/>
-              <a:t>{ b, d }</a:t>
+              <a:t>f = a;</a:t>
             </a:r>
           </a:p>
           <a:p>
@@ -32865,80 +32131,42 @@
             </a:r>
             <a:r>
               <a:rPr lang="en-GB" i="1" dirty="0"/>
-              <a:t>(b, d)</a:t>
-            </a:r>
-            <a:endParaRPr lang="en-SG" i="1" dirty="0"/>
-          </a:p>
-        </p:txBody>
-      </p:sp>
-      <p:sp>
-        <p:nvSpPr>
-          <p:cNvPr id="4" name="TextBox 3">
-            <a:extLst>
-              <a:ext uri="{FF2B5EF4-FFF2-40B4-BE49-F238E27FC236}">
-                <a16:creationId xmlns:a16="http://schemas.microsoft.com/office/drawing/2014/main" id="{590711A0-8EBB-EB88-69FE-9C06DCB3245D}"/>
-              </a:ext>
-            </a:extLst>
-          </p:cNvPr>
-          <p:cNvSpPr txBox="1"/>
-          <p:nvPr/>
-        </p:nvSpPr>
-        <p:spPr>
-          <a:xfrm>
-            <a:off x="8682893" y="1424965"/>
-            <a:ext cx="2907323" cy="2308324"/>
-          </a:xfrm>
-          <a:prstGeom prst="rect">
-            <a:avLst/>
-          </a:prstGeom>
-          <a:noFill/>
-        </p:spPr>
-        <p:txBody>
-          <a:bodyPr wrap="square" rtlCol="0">
-            <a:spAutoFit/>
-          </a:bodyPr>
-          <a:lstStyle/>
-          <a:p>
-            <a:r>
-              <a:rPr lang="en-GB" sz="2400" dirty="0"/>
-              <a:t>Rinse and repeat the process once more!</a:t>
-            </a:r>
-          </a:p>
-          <a:p>
-            <a:pPr marL="342900" indent="-342900">
-              <a:buFont typeface="Arial" panose="020B0604020202020204" pitchFamily="34" charset="0"/>
-              <a:buChar char="•"/>
-            </a:pPr>
-            <a:r>
-              <a:rPr lang="en-GB" sz="2400" b="1" dirty="0"/>
-              <a:t>Step 1: </a:t>
-            </a:r>
-            <a:r>
-              <a:rPr lang="en-GB" sz="2400" dirty="0"/>
-              <a:t>Liveness analysis, first.</a:t>
-            </a:r>
-          </a:p>
-          <a:p>
-            <a:pPr marL="342900" indent="-342900">
-              <a:buFont typeface="Arial" panose="020B0604020202020204" pitchFamily="34" charset="0"/>
-              <a:buChar char="•"/>
-            </a:pPr>
-            <a:r>
-              <a:rPr lang="en-GB" sz="2400" b="1" dirty="0"/>
-              <a:t>Step 2: </a:t>
-            </a:r>
-            <a:r>
-              <a:rPr lang="en-GB" sz="2400" dirty="0"/>
-              <a:t>Dead code elimination, again.</a:t>
-            </a:r>
-            <a:endParaRPr lang="en-SG" sz="2400" dirty="0"/>
+              <a:t>(e)</a:t>
+            </a:r>
+          </a:p>
+          <a:p>
+            <a:pPr marL="0" indent="0" algn="ctr">
+              <a:buNone/>
+            </a:pPr>
+            <a:endParaRPr lang="en-GB" i="1" dirty="0"/>
+          </a:p>
+          <a:p>
+            <a:pPr marL="0" indent="0">
+              <a:buNone/>
+            </a:pPr>
+            <a:r>
+              <a:rPr lang="en-GB" dirty="0">
+                <a:sym typeface="Wingdings" panose="05000000000000000000" pitchFamily="2" charset="2"/>
+              </a:rPr>
+              <a:t> </a:t>
+            </a:r>
+            <a:r>
+              <a:rPr lang="en-GB" dirty="0"/>
+              <a:t>Use CP on these two statements.</a:t>
+            </a:r>
+          </a:p>
+          <a:p>
+            <a:pPr marL="0" indent="0">
+              <a:buNone/>
+            </a:pPr>
+            <a:endParaRPr lang="en-SG" dirty="0"/>
           </a:p>
         </p:txBody>
       </p:sp>
     </p:spTree>
     <p:extLst>
       <p:ext uri="{BB962C8B-B14F-4D97-AF65-F5344CB8AC3E}">
-        <p14:creationId xmlns:p14="http://schemas.microsoft.com/office/powerpoint/2010/main" val="4197894078"/>
+        <p14:creationId xmlns:p14="http://schemas.microsoft.com/office/powerpoint/2010/main" val="338852897"/>
       </p:ext>
     </p:extLst>
   </p:cSld>
@@ -32970,7 +32198,7 @@
           <p:cNvPr id="2" name="Title 1">
             <a:extLst>
               <a:ext uri="{FF2B5EF4-FFF2-40B4-BE49-F238E27FC236}">
-                <a16:creationId xmlns:a16="http://schemas.microsoft.com/office/drawing/2014/main" id="{1E63C960-38EC-E288-8B7A-0EB14DA4408B}"/>
+                <a16:creationId xmlns:a16="http://schemas.microsoft.com/office/drawing/2014/main" id="{40145DDB-1807-1689-8A0E-90EACCDD539A}"/>
               </a:ext>
             </a:extLst>
           </p:cNvPr>
@@ -32988,7 +32216,7 @@
           <a:p>
             <a:r>
               <a:rPr lang="en-GB" dirty="0"/>
-              <a:t>Live variables, in action</a:t>
+              <a:t>Combining the local optimization techniques</a:t>
             </a:r>
             <a:endParaRPr lang="en-SG" dirty="0"/>
           </a:p>
@@ -32999,7 +32227,7 @@
           <p:cNvPr id="3" name="Content Placeholder 2">
             <a:extLst>
               <a:ext uri="{FF2B5EF4-FFF2-40B4-BE49-F238E27FC236}">
-                <a16:creationId xmlns:a16="http://schemas.microsoft.com/office/drawing/2014/main" id="{E21DF8F1-FD8C-18B1-2128-6679A4FD8A95}"/>
+                <a16:creationId xmlns:a16="http://schemas.microsoft.com/office/drawing/2014/main" id="{EDE17E52-4CE0-62A8-4183-47811CF62950}"/>
               </a:ext>
             </a:extLst>
           </p:cNvPr>
@@ -33012,8 +32240,8 @@
         </p:nvSpPr>
         <p:spPr>
           <a:xfrm>
-            <a:off x="838200" y="1508370"/>
-            <a:ext cx="10515600" cy="5220676"/>
+            <a:off x="838200" y="1825624"/>
+            <a:ext cx="10515600" cy="5032375"/>
           </a:xfrm>
         </p:spPr>
         <p:txBody>
@@ -33022,12 +32250,21 @@
           </a:bodyPr>
           <a:lstStyle/>
           <a:p>
+            <a:pPr marL="0" indent="0">
+              <a:buNone/>
+            </a:pPr>
+            <a:r>
+              <a:rPr lang="en-GB" dirty="0"/>
+              <a:t>Consider the TAC code below, which will be simplified</a:t>
+            </a:r>
+          </a:p>
+          <a:p>
             <a:pPr marL="0" indent="0" algn="ctr">
               <a:buNone/>
             </a:pPr>
             <a:r>
-              <a:rPr lang="pt-BR" dirty="0"/>
-              <a:t>{ b }</a:t>
+              <a:rPr lang="en-GB" i="1" dirty="0"/>
+              <a:t>b = a*a;</a:t>
             </a:r>
           </a:p>
           <a:p>
@@ -33035,48 +32272,12 @@
               <a:buNone/>
             </a:pPr>
             <a:r>
-              <a:rPr lang="pt-BR" i="1" dirty="0"/>
-              <a:t>a = b;</a:t>
-            </a:r>
-          </a:p>
-          <a:p>
-            <a:pPr marL="0" indent="0" algn="ctr">
-              <a:buNone/>
-            </a:pPr>
-            <a:r>
-              <a:rPr lang="pt-BR" dirty="0"/>
-              <a:t>{ a ,b, d }</a:t>
-            </a:r>
-          </a:p>
-          <a:p>
-            <a:pPr marL="0" indent="0" algn="ctr">
-              <a:buNone/>
-            </a:pPr>
-            <a:r>
-              <a:rPr lang="pt-BR" i="1" dirty="0"/>
-              <a:t>d = a + b;</a:t>
-            </a:r>
-          </a:p>
-          <a:p>
-            <a:pPr marL="0" indent="0" algn="ctr">
-              <a:buNone/>
-            </a:pPr>
-            <a:r>
-              <a:rPr lang="pt-BR" dirty="0"/>
-              <a:t>{ a, b, d }</a:t>
-            </a:r>
-          </a:p>
-          <a:p>
-            <a:pPr marL="0" indent="0" algn="ctr">
-              <a:buNone/>
-            </a:pPr>
-            <a:r>
-              <a:rPr lang="pt-BR" b="1" i="1" dirty="0">
+              <a:rPr lang="en-GB" b="1" i="1" dirty="0">
                 <a:solidFill>
-                  <a:srgbClr val="7030A0"/>
+                  <a:srgbClr val="00B050"/>
                 </a:solidFill>
               </a:rPr>
-              <a:t>e = d;</a:t>
+              <a:t>c = b;</a:t>
             </a:r>
           </a:p>
           <a:p>
@@ -33084,8 +32285,20 @@
               <a:buNone/>
             </a:pPr>
             <a:r>
-              <a:rPr lang="pt-BR" dirty="0"/>
-              <a:t>{ a, b, d }</a:t>
+              <a:rPr lang="en-GB" i="1" dirty="0"/>
+              <a:t>d = b + </a:t>
+            </a:r>
+            <a:r>
+              <a:rPr lang="en-GB" b="1" i="1" dirty="0">
+                <a:solidFill>
+                  <a:srgbClr val="00B050"/>
+                </a:solidFill>
+              </a:rPr>
+              <a:t>b</a:t>
+            </a:r>
+            <a:r>
+              <a:rPr lang="en-GB" i="1" dirty="0"/>
+              <a:t>;</a:t>
             </a:r>
           </a:p>
           <a:p>
@@ -33093,18 +32306,17 @@
               <a:buNone/>
             </a:pPr>
             <a:r>
-              <a:rPr lang="pt-BR" i="1" dirty="0"/>
-              <a:t>d = a;</a:t>
-            </a:r>
-            <a:endParaRPr lang="pt-BR" dirty="0"/>
+              <a:rPr lang="en-GB" i="1" dirty="0"/>
+              <a:t>e = b + b;</a:t>
+            </a:r>
           </a:p>
           <a:p>
             <a:pPr marL="0" indent="0" algn="ctr">
               <a:buNone/>
             </a:pPr>
             <a:r>
-              <a:rPr lang="pt-BR" dirty="0"/>
-              <a:t>{ b, d }</a:t>
+              <a:rPr lang="en-GB" i="1" dirty="0"/>
+              <a:t>f = a;</a:t>
             </a:r>
           </a:p>
           <a:p>
@@ -33112,67 +32324,47 @@
               <a:buNone/>
             </a:pPr>
             <a:r>
-              <a:rPr lang="pt-BR" i="1" dirty="0"/>
-              <a:t>printf(b, d)</a:t>
-            </a:r>
-            <a:endParaRPr lang="en-SG" i="1" dirty="0"/>
-          </a:p>
-        </p:txBody>
-      </p:sp>
-      <p:sp>
-        <p:nvSpPr>
-          <p:cNvPr id="4" name="TextBox 3">
-            <a:extLst>
-              <a:ext uri="{FF2B5EF4-FFF2-40B4-BE49-F238E27FC236}">
-                <a16:creationId xmlns:a16="http://schemas.microsoft.com/office/drawing/2014/main" id="{590711A0-8EBB-EB88-69FE-9C06DCB3245D}"/>
-              </a:ext>
-            </a:extLst>
-          </p:cNvPr>
-          <p:cNvSpPr txBox="1"/>
-          <p:nvPr/>
-        </p:nvSpPr>
-        <p:spPr>
-          <a:xfrm>
-            <a:off x="8682893" y="1424965"/>
-            <a:ext cx="2907323" cy="1569660"/>
-          </a:xfrm>
-          <a:prstGeom prst="rect">
-            <a:avLst/>
-          </a:prstGeom>
-          <a:noFill/>
-        </p:spPr>
-        <p:txBody>
-          <a:bodyPr wrap="square" rtlCol="0">
-            <a:spAutoFit/>
-          </a:bodyPr>
-          <a:lstStyle/>
-          <a:p>
-            <a:r>
-              <a:rPr lang="en-GB" sz="2400" dirty="0"/>
-              <a:t>Rinse and repeat the process once more!</a:t>
-            </a:r>
-          </a:p>
-          <a:p>
-            <a:pPr marL="342900" indent="-342900">
-              <a:buFont typeface="Arial" panose="020B0604020202020204" pitchFamily="34" charset="0"/>
-              <a:buChar char="•"/>
-            </a:pPr>
-            <a:r>
-              <a:rPr lang="en-GB" sz="2400" b="1" dirty="0"/>
-              <a:t>Step 1: </a:t>
-            </a:r>
-            <a:r>
-              <a:rPr lang="en-GB" sz="2400" dirty="0"/>
-              <a:t>Liveness analysis, first.</a:t>
-            </a:r>
-            <a:endParaRPr lang="en-SG" sz="2400" dirty="0"/>
+              <a:rPr lang="en-GB" i="1" dirty="0" err="1"/>
+              <a:t>printf</a:t>
+            </a:r>
+            <a:r>
+              <a:rPr lang="en-GB" i="1" dirty="0"/>
+              <a:t>(e)</a:t>
+            </a:r>
+          </a:p>
+          <a:p>
+            <a:pPr marL="0" indent="0" algn="ctr">
+              <a:buNone/>
+            </a:pPr>
+            <a:endParaRPr lang="en-GB" i="1" dirty="0"/>
+          </a:p>
+          <a:p>
+            <a:pPr marL="0" indent="0">
+              <a:buNone/>
+            </a:pPr>
+            <a:r>
+              <a:rPr lang="en-GB" dirty="0">
+                <a:sym typeface="Wingdings" panose="05000000000000000000" pitchFamily="2" charset="2"/>
+              </a:rPr>
+              <a:t> </a:t>
+            </a:r>
+            <a:r>
+              <a:rPr lang="en-GB" dirty="0"/>
+              <a:t>Use CP on these two statements.</a:t>
+            </a:r>
+          </a:p>
+          <a:p>
+            <a:pPr marL="0" indent="0">
+              <a:buNone/>
+            </a:pPr>
+            <a:endParaRPr lang="en-SG" dirty="0"/>
           </a:p>
         </p:txBody>
       </p:sp>
     </p:spTree>
     <p:extLst>
       <p:ext uri="{BB962C8B-B14F-4D97-AF65-F5344CB8AC3E}">
-        <p14:creationId xmlns:p14="http://schemas.microsoft.com/office/powerpoint/2010/main" val="1163000297"/>
+        <p14:creationId xmlns:p14="http://schemas.microsoft.com/office/powerpoint/2010/main" val="3391969214"/>
       </p:ext>
     </p:extLst>
   </p:cSld>
@@ -33204,7 +32396,7 @@
           <p:cNvPr id="2" name="Title 1">
             <a:extLst>
               <a:ext uri="{FF2B5EF4-FFF2-40B4-BE49-F238E27FC236}">
-                <a16:creationId xmlns:a16="http://schemas.microsoft.com/office/drawing/2014/main" id="{1E63C960-38EC-E288-8B7A-0EB14DA4408B}"/>
+                <a16:creationId xmlns:a16="http://schemas.microsoft.com/office/drawing/2014/main" id="{40145DDB-1807-1689-8A0E-90EACCDD539A}"/>
               </a:ext>
             </a:extLst>
           </p:cNvPr>
@@ -33222,7 +32414,7 @@
           <a:p>
             <a:r>
               <a:rPr lang="en-GB" dirty="0"/>
-              <a:t>Live variables, in action</a:t>
+              <a:t>Combining the local optimization techniques</a:t>
             </a:r>
             <a:endParaRPr lang="en-SG" dirty="0"/>
           </a:p>
@@ -33233,7 +32425,7 @@
           <p:cNvPr id="3" name="Content Placeholder 2">
             <a:extLst>
               <a:ext uri="{FF2B5EF4-FFF2-40B4-BE49-F238E27FC236}">
-                <a16:creationId xmlns:a16="http://schemas.microsoft.com/office/drawing/2014/main" id="{E21DF8F1-FD8C-18B1-2128-6679A4FD8A95}"/>
+                <a16:creationId xmlns:a16="http://schemas.microsoft.com/office/drawing/2014/main" id="{EDE17E52-4CE0-62A8-4183-47811CF62950}"/>
               </a:ext>
             </a:extLst>
           </p:cNvPr>
@@ -33246,8 +32438,8 @@
         </p:nvSpPr>
         <p:spPr>
           <a:xfrm>
-            <a:off x="838200" y="1508370"/>
-            <a:ext cx="10515600" cy="5220676"/>
+            <a:off x="838200" y="1825624"/>
+            <a:ext cx="10515600" cy="5032375"/>
           </a:xfrm>
         </p:spPr>
         <p:txBody>
@@ -33256,12 +32448,21 @@
           </a:bodyPr>
           <a:lstStyle/>
           <a:p>
+            <a:pPr marL="0" indent="0">
+              <a:buNone/>
+            </a:pPr>
+            <a:r>
+              <a:rPr lang="en-GB" dirty="0"/>
+              <a:t>Consider the TAC code below, which will be simplified</a:t>
+            </a:r>
+          </a:p>
+          <a:p>
             <a:pPr marL="0" indent="0" algn="ctr">
               <a:buNone/>
             </a:pPr>
             <a:r>
-              <a:rPr lang="pt-BR" dirty="0"/>
-              <a:t>{ b }</a:t>
+              <a:rPr lang="en-GB" i="1" dirty="0"/>
+              <a:t>b = a*a;</a:t>
             </a:r>
           </a:p>
           <a:p>
@@ -33269,8 +32470,8 @@
               <a:buNone/>
             </a:pPr>
             <a:r>
-              <a:rPr lang="pt-BR" i="1" dirty="0"/>
-              <a:t>a = b;</a:t>
+              <a:rPr lang="en-GB" i="1" dirty="0"/>
+              <a:t>c = b;</a:t>
             </a:r>
           </a:p>
           <a:p>
@@ -33278,8 +32479,12 @@
               <a:buNone/>
             </a:pPr>
             <a:r>
-              <a:rPr lang="pt-BR" dirty="0"/>
-              <a:t>{ a ,b, d }</a:t>
+              <a:rPr lang="en-GB" b="1" i="1" dirty="0">
+                <a:solidFill>
+                  <a:srgbClr val="00B050"/>
+                </a:solidFill>
+              </a:rPr>
+              <a:t>d = b + b;</a:t>
             </a:r>
           </a:p>
           <a:p>
@@ -33287,8 +32492,12 @@
               <a:buNone/>
             </a:pPr>
             <a:r>
-              <a:rPr lang="pt-BR" i="1" dirty="0"/>
-              <a:t>d = a + b;</a:t>
+              <a:rPr lang="en-GB" b="1" i="1" dirty="0">
+                <a:solidFill>
+                  <a:srgbClr val="00B050"/>
+                </a:solidFill>
+              </a:rPr>
+              <a:t>e = b + b;</a:t>
             </a:r>
           </a:p>
           <a:p>
@@ -33296,124 +32505,56 @@
               <a:buNone/>
             </a:pPr>
             <a:r>
-              <a:rPr lang="pt-BR" dirty="0"/>
-              <a:t>{ a, b, d }</a:t>
+              <a:rPr lang="en-GB" i="1" dirty="0"/>
+              <a:t>f = a;</a:t>
             </a:r>
           </a:p>
           <a:p>
             <a:pPr marL="0" indent="0" algn="ctr">
               <a:buNone/>
             </a:pPr>
-            <a:endParaRPr lang="pt-BR" dirty="0"/>
+            <a:r>
+              <a:rPr lang="en-GB" i="1" dirty="0" err="1"/>
+              <a:t>printf</a:t>
+            </a:r>
+            <a:r>
+              <a:rPr lang="en-GB" i="1" dirty="0"/>
+              <a:t>(e)</a:t>
+            </a:r>
           </a:p>
           <a:p>
             <a:pPr marL="0" indent="0" algn="ctr">
               <a:buNone/>
             </a:pPr>
-            <a:r>
-              <a:rPr lang="pt-BR" dirty="0"/>
-              <a:t>{ a, b, d }</a:t>
-            </a:r>
-          </a:p>
-          <a:p>
-            <a:pPr marL="0" indent="0" algn="ctr">
-              <a:buNone/>
-            </a:pPr>
-            <a:r>
-              <a:rPr lang="pt-BR" i="1" dirty="0"/>
-              <a:t>d = a;</a:t>
-            </a:r>
-            <a:endParaRPr lang="pt-BR" dirty="0"/>
-          </a:p>
-          <a:p>
-            <a:pPr marL="0" indent="0" algn="ctr">
-              <a:buNone/>
-            </a:pPr>
-            <a:r>
-              <a:rPr lang="pt-BR" dirty="0"/>
-              <a:t>{ b, d }</a:t>
-            </a:r>
-          </a:p>
-          <a:p>
-            <a:pPr marL="0" indent="0" algn="ctr">
-              <a:buNone/>
-            </a:pPr>
-            <a:r>
-              <a:rPr lang="pt-BR" i="1" dirty="0"/>
-              <a:t>printf(b, d)</a:t>
-            </a:r>
-            <a:endParaRPr lang="en-SG" i="1" dirty="0"/>
-          </a:p>
-        </p:txBody>
-      </p:sp>
-      <p:sp>
-        <p:nvSpPr>
-          <p:cNvPr id="4" name="TextBox 3">
-            <a:extLst>
-              <a:ext uri="{FF2B5EF4-FFF2-40B4-BE49-F238E27FC236}">
-                <a16:creationId xmlns:a16="http://schemas.microsoft.com/office/drawing/2014/main" id="{590711A0-8EBB-EB88-69FE-9C06DCB3245D}"/>
-              </a:ext>
-            </a:extLst>
-          </p:cNvPr>
-          <p:cNvSpPr txBox="1"/>
-          <p:nvPr/>
-        </p:nvSpPr>
-        <p:spPr>
-          <a:xfrm>
-            <a:off x="8682893" y="1424965"/>
-            <a:ext cx="2907323" cy="2308324"/>
-          </a:xfrm>
-          <a:prstGeom prst="rect">
-            <a:avLst/>
-          </a:prstGeom>
-          <a:noFill/>
-        </p:spPr>
-        <p:txBody>
-          <a:bodyPr wrap="square" rtlCol="0">
-            <a:spAutoFit/>
-          </a:bodyPr>
-          <a:lstStyle/>
-          <a:p>
-            <a:r>
-              <a:rPr lang="en-GB" sz="2400" dirty="0"/>
-              <a:t>Rinse and repeat the process once more!</a:t>
-            </a:r>
-          </a:p>
-          <a:p>
-            <a:pPr marL="342900" indent="-342900">
-              <a:buFont typeface="Arial" panose="020B0604020202020204" pitchFamily="34" charset="0"/>
-              <a:buChar char="•"/>
-            </a:pPr>
-            <a:r>
-              <a:rPr lang="en-GB" sz="2400" b="1" dirty="0"/>
-              <a:t>Step 1: </a:t>
-            </a:r>
-            <a:r>
-              <a:rPr lang="en-GB" sz="2400" dirty="0"/>
-              <a:t>Liveness analysis, first.</a:t>
-            </a:r>
-          </a:p>
-          <a:p>
-            <a:pPr marL="342900" indent="-342900">
-              <a:buFont typeface="Arial" panose="020B0604020202020204" pitchFamily="34" charset="0"/>
-              <a:buChar char="•"/>
-            </a:pPr>
-            <a:r>
-              <a:rPr lang="en-GB" sz="2400" b="1" dirty="0"/>
-              <a:t>Step 2: </a:t>
-            </a:r>
-            <a:r>
-              <a:rPr lang="en-GB" sz="2400" dirty="0"/>
-              <a:t>Dead code elimination, again.</a:t>
-            </a:r>
-            <a:endParaRPr lang="en-SG" sz="2400" dirty="0"/>
+            <a:endParaRPr lang="en-GB" i="1" dirty="0"/>
+          </a:p>
+          <a:p>
+            <a:pPr marL="0" indent="0">
+              <a:buNone/>
+            </a:pPr>
+            <a:r>
+              <a:rPr lang="en-GB" dirty="0">
+                <a:sym typeface="Wingdings" panose="05000000000000000000" pitchFamily="2" charset="2"/>
+              </a:rPr>
+              <a:t> </a:t>
+            </a:r>
+            <a:r>
+              <a:rPr lang="en-GB" dirty="0"/>
+              <a:t>Use CSE on these two statements.</a:t>
+            </a:r>
+          </a:p>
+          <a:p>
+            <a:pPr marL="0" indent="0">
+              <a:buNone/>
+            </a:pPr>
+            <a:endParaRPr lang="en-SG" dirty="0"/>
           </a:p>
         </p:txBody>
       </p:sp>
     </p:spTree>
     <p:extLst>
       <p:ext uri="{BB962C8B-B14F-4D97-AF65-F5344CB8AC3E}">
-        <p14:creationId xmlns:p14="http://schemas.microsoft.com/office/powerpoint/2010/main" val="994252998"/>
+        <p14:creationId xmlns:p14="http://schemas.microsoft.com/office/powerpoint/2010/main" val="3273655504"/>
       </p:ext>
     </p:extLst>
   </p:cSld>
@@ -33445,7 +32586,7 @@
           <p:cNvPr id="2" name="Title 1">
             <a:extLst>
               <a:ext uri="{FF2B5EF4-FFF2-40B4-BE49-F238E27FC236}">
-                <a16:creationId xmlns:a16="http://schemas.microsoft.com/office/drawing/2014/main" id="{1E63C960-38EC-E288-8B7A-0EB14DA4408B}"/>
+                <a16:creationId xmlns:a16="http://schemas.microsoft.com/office/drawing/2014/main" id="{40145DDB-1807-1689-8A0E-90EACCDD539A}"/>
               </a:ext>
             </a:extLst>
           </p:cNvPr>
@@ -33463,7 +32604,7 @@
           <a:p>
             <a:r>
               <a:rPr lang="en-GB" dirty="0"/>
-              <a:t>Live variables, in action</a:t>
+              <a:t>Combining the local optimization techniques</a:t>
             </a:r>
             <a:endParaRPr lang="en-SG" dirty="0"/>
           </a:p>
@@ -33474,7 +32615,7 @@
           <p:cNvPr id="3" name="Content Placeholder 2">
             <a:extLst>
               <a:ext uri="{FF2B5EF4-FFF2-40B4-BE49-F238E27FC236}">
-                <a16:creationId xmlns:a16="http://schemas.microsoft.com/office/drawing/2014/main" id="{E21DF8F1-FD8C-18B1-2128-6679A4FD8A95}"/>
+                <a16:creationId xmlns:a16="http://schemas.microsoft.com/office/drawing/2014/main" id="{EDE17E52-4CE0-62A8-4183-47811CF62950}"/>
               </a:ext>
             </a:extLst>
           </p:cNvPr>
@@ -33487,8 +32628,8 @@
         </p:nvSpPr>
         <p:spPr>
           <a:xfrm>
-            <a:off x="838200" y="1508370"/>
-            <a:ext cx="10515600" cy="5220676"/>
+            <a:off x="838200" y="1825624"/>
+            <a:ext cx="10515600" cy="5032375"/>
           </a:xfrm>
         </p:spPr>
         <p:txBody>
@@ -33497,12 +32638,21 @@
           </a:bodyPr>
           <a:lstStyle/>
           <a:p>
+            <a:pPr marL="0" indent="0">
+              <a:buNone/>
+            </a:pPr>
+            <a:r>
+              <a:rPr lang="en-GB" dirty="0"/>
+              <a:t>Consider the TAC code below, which will be simplified</a:t>
+            </a:r>
+          </a:p>
+          <a:p>
             <a:pPr marL="0" indent="0" algn="ctr">
               <a:buNone/>
             </a:pPr>
             <a:r>
-              <a:rPr lang="pt-BR" i="1" dirty="0"/>
-              <a:t>a = b;</a:t>
+              <a:rPr lang="en-GB" i="1" dirty="0"/>
+              <a:t>b = a*a;</a:t>
             </a:r>
           </a:p>
           <a:p>
@@ -33510,8 +32660,8 @@
               <a:buNone/>
             </a:pPr>
             <a:r>
-              <a:rPr lang="pt-BR" i="1" dirty="0"/>
-              <a:t>d = a + b;</a:t>
+              <a:rPr lang="en-GB" i="1" dirty="0"/>
+              <a:t>c = b;</a:t>
             </a:r>
           </a:p>
           <a:p>
@@ -33519,139 +32669,82 @@
               <a:buNone/>
             </a:pPr>
             <a:r>
-              <a:rPr lang="pt-BR" i="1" dirty="0"/>
-              <a:t>d = a;</a:t>
-            </a:r>
-            <a:endParaRPr lang="pt-BR" dirty="0"/>
+              <a:rPr lang="en-GB" b="1" i="1" dirty="0">
+                <a:solidFill>
+                  <a:srgbClr val="00B050"/>
+                </a:solidFill>
+              </a:rPr>
+              <a:t>d = b + b;</a:t>
+            </a:r>
           </a:p>
           <a:p>
             <a:pPr marL="0" indent="0" algn="ctr">
               <a:buNone/>
             </a:pPr>
             <a:r>
-              <a:rPr lang="pt-BR" i="1" dirty="0"/>
-              <a:t>printf(b, d)</a:t>
+              <a:rPr lang="en-GB" b="1" i="1" dirty="0">
+                <a:solidFill>
+                  <a:srgbClr val="00B050"/>
+                </a:solidFill>
+              </a:rPr>
+              <a:t>e = d;</a:t>
             </a:r>
           </a:p>
           <a:p>
             <a:pPr marL="0" indent="0" algn="ctr">
               <a:buNone/>
             </a:pPr>
-            <a:endParaRPr lang="pt-BR" i="1" dirty="0"/>
+            <a:r>
+              <a:rPr lang="en-GB" i="1" dirty="0"/>
+              <a:t>f = a;</a:t>
+            </a:r>
+          </a:p>
+          <a:p>
+            <a:pPr marL="0" indent="0" algn="ctr">
+              <a:buNone/>
+            </a:pPr>
+            <a:r>
+              <a:rPr lang="en-GB" i="1" dirty="0" err="1"/>
+              <a:t>printf</a:t>
+            </a:r>
+            <a:r>
+              <a:rPr lang="en-GB" i="1" dirty="0"/>
+              <a:t>(e)</a:t>
+            </a:r>
+          </a:p>
+          <a:p>
+            <a:pPr marL="0" indent="0" algn="ctr">
+              <a:buNone/>
+            </a:pPr>
+            <a:endParaRPr lang="en-GB" i="1" dirty="0"/>
           </a:p>
           <a:p>
             <a:pPr marL="0" indent="0">
               <a:buNone/>
             </a:pPr>
             <a:r>
-              <a:rPr lang="pt-BR" b="1" dirty="0"/>
-              <a:t>Question: </a:t>
-            </a:r>
-            <a:r>
-              <a:rPr lang="pt-BR" dirty="0"/>
-              <a:t>It is somewhat obvious that </a:t>
-            </a:r>
-            <a:r>
-              <a:rPr lang="pt-BR" i="1" dirty="0"/>
-              <a:t>d = a + b; </a:t>
-            </a:r>
-            <a:r>
-              <a:rPr lang="pt-BR" dirty="0"/>
-              <a:t>should be removed here, </a:t>
-            </a:r>
-            <a:r>
-              <a:rPr lang="en-SG" dirty="0"/>
-              <a:t>as it will be replaced by d = a; later on.</a:t>
+              <a:rPr lang="en-GB" dirty="0">
+                <a:sym typeface="Wingdings" panose="05000000000000000000" pitchFamily="2" charset="2"/>
+              </a:rPr>
+              <a:t> </a:t>
+            </a:r>
+            <a:r>
+              <a:rPr lang="en-GB" dirty="0"/>
+              <a:t>Use CSE on these two statements.</a:t>
             </a:r>
           </a:p>
           <a:p>
             <a:pPr marL="0" indent="0">
               <a:buNone/>
             </a:pPr>
-            <a:r>
-              <a:rPr lang="pt-BR" dirty="0"/>
-              <a:t>Is this optimization relying on the idea of dead code elimination, or something else?</a:t>
-            </a:r>
-          </a:p>
-          <a:p>
-            <a:pPr marL="0" indent="0">
-              <a:buNone/>
-            </a:pPr>
-            <a:r>
-              <a:rPr lang="pt-BR" dirty="0"/>
-              <a:t>Could we simplify the TAC even more? If so, how?</a:t>
-            </a:r>
-          </a:p>
-        </p:txBody>
-      </p:sp>
-      <p:sp>
-        <p:nvSpPr>
-          <p:cNvPr id="4" name="TextBox 3">
-            <a:extLst>
-              <a:ext uri="{FF2B5EF4-FFF2-40B4-BE49-F238E27FC236}">
-                <a16:creationId xmlns:a16="http://schemas.microsoft.com/office/drawing/2014/main" id="{590711A0-8EBB-EB88-69FE-9C06DCB3245D}"/>
-              </a:ext>
-            </a:extLst>
-          </p:cNvPr>
-          <p:cNvSpPr txBox="1"/>
-          <p:nvPr/>
-        </p:nvSpPr>
-        <p:spPr>
-          <a:xfrm>
-            <a:off x="8682893" y="1424965"/>
-            <a:ext cx="2907323" cy="2308324"/>
-          </a:xfrm>
-          <a:prstGeom prst="rect">
-            <a:avLst/>
-          </a:prstGeom>
-          <a:noFill/>
-        </p:spPr>
-        <p:txBody>
-          <a:bodyPr wrap="square" rtlCol="0">
-            <a:spAutoFit/>
-          </a:bodyPr>
-          <a:lstStyle/>
-          <a:p>
-            <a:r>
-              <a:rPr lang="en-GB" sz="2400" dirty="0"/>
-              <a:t>Rinse and repeat the process once more!</a:t>
-            </a:r>
-          </a:p>
-          <a:p>
-            <a:pPr marL="342900" indent="-342900">
-              <a:buFont typeface="Arial" panose="020B0604020202020204" pitchFamily="34" charset="0"/>
-              <a:buChar char="•"/>
-            </a:pPr>
-            <a:r>
-              <a:rPr lang="en-GB" sz="2400" b="1" dirty="0"/>
-              <a:t>Step 1: </a:t>
-            </a:r>
-            <a:r>
-              <a:rPr lang="en-GB" sz="2400" dirty="0"/>
-              <a:t>Liveness analysis, first.</a:t>
-            </a:r>
-          </a:p>
-          <a:p>
-            <a:pPr marL="342900" indent="-342900">
-              <a:buFont typeface="Arial" panose="020B0604020202020204" pitchFamily="34" charset="0"/>
-              <a:buChar char="•"/>
-            </a:pPr>
-            <a:r>
-              <a:rPr lang="en-GB" sz="2400" b="1" dirty="0"/>
-              <a:t>Step 2: </a:t>
-            </a:r>
-            <a:r>
-              <a:rPr lang="en-GB" sz="2400" dirty="0"/>
-              <a:t>Dead code elimination, again.</a:t>
-            </a:r>
-            <a:endParaRPr lang="en-SG" sz="2400" dirty="0"/>
+            <a:endParaRPr lang="en-SG" dirty="0"/>
           </a:p>
         </p:txBody>
       </p:sp>
     </p:spTree>
     <p:extLst>
       <p:ext uri="{BB962C8B-B14F-4D97-AF65-F5344CB8AC3E}">
-        <p14:creationId xmlns:p14="http://schemas.microsoft.com/office/powerpoint/2010/main" val="3596215706"/>
+        <p14:creationId xmlns:p14="http://schemas.microsoft.com/office/powerpoint/2010/main" val="895323114"/>
       </p:ext>
     </p:extLst>
   </p:cSld>
@@ -33683,7 +32776,7 @@
           <p:cNvPr id="2" name="Title 1">
             <a:extLst>
               <a:ext uri="{FF2B5EF4-FFF2-40B4-BE49-F238E27FC236}">
-                <a16:creationId xmlns:a16="http://schemas.microsoft.com/office/drawing/2014/main" id="{1E63C960-38EC-E288-8B7A-0EB14DA4408B}"/>
+                <a16:creationId xmlns:a16="http://schemas.microsoft.com/office/drawing/2014/main" id="{40145DDB-1807-1689-8A0E-90EACCDD539A}"/>
               </a:ext>
             </a:extLst>
           </p:cNvPr>
@@ -33701,7 +32794,7 @@
           <a:p>
             <a:r>
               <a:rPr lang="en-GB" dirty="0"/>
-              <a:t>Live variables, in action</a:t>
+              <a:t>Combining the local optimization techniques</a:t>
             </a:r>
             <a:endParaRPr lang="en-SG" dirty="0"/>
           </a:p>
@@ -33712,7 +32805,7 @@
           <p:cNvPr id="3" name="Content Placeholder 2">
             <a:extLst>
               <a:ext uri="{FF2B5EF4-FFF2-40B4-BE49-F238E27FC236}">
-                <a16:creationId xmlns:a16="http://schemas.microsoft.com/office/drawing/2014/main" id="{E21DF8F1-FD8C-18B1-2128-6679A4FD8A95}"/>
+                <a16:creationId xmlns:a16="http://schemas.microsoft.com/office/drawing/2014/main" id="{EDE17E52-4CE0-62A8-4183-47811CF62950}"/>
               </a:ext>
             </a:extLst>
           </p:cNvPr>
@@ -33725,8 +32818,8 @@
         </p:nvSpPr>
         <p:spPr>
           <a:xfrm>
-            <a:off x="838200" y="1508370"/>
-            <a:ext cx="10515600" cy="5220676"/>
+            <a:off x="838200" y="1825624"/>
+            <a:ext cx="10515600" cy="5032375"/>
           </a:xfrm>
         </p:spPr>
         <p:txBody>
@@ -33735,12 +32828,21 @@
           </a:bodyPr>
           <a:lstStyle/>
           <a:p>
+            <a:pPr marL="0" indent="0">
+              <a:buNone/>
+            </a:pPr>
+            <a:r>
+              <a:rPr lang="en-GB" dirty="0"/>
+              <a:t>Consider the TAC code below, which will be simplified</a:t>
+            </a:r>
+          </a:p>
+          <a:p>
             <a:pPr marL="0" indent="0" algn="ctr">
               <a:buNone/>
             </a:pPr>
             <a:r>
-              <a:rPr lang="pt-BR" i="1" dirty="0"/>
-              <a:t>a = b;</a:t>
+              <a:rPr lang="en-GB" i="1" dirty="0"/>
+              <a:t>b = a*a;</a:t>
             </a:r>
           </a:p>
           <a:p>
@@ -33748,167 +32850,91 @@
               <a:buNone/>
             </a:pPr>
             <a:r>
-              <a:rPr lang="pt-BR" i="1" dirty="0"/>
-              <a:t>d = a + b;</a:t>
-            </a:r>
-          </a:p>
-          <a:p>
-            <a:pPr marL="0" indent="0" algn="ctr">
-              <a:buNone/>
-            </a:pPr>
-            <a:r>
-              <a:rPr lang="pt-BR" i="1" dirty="0"/>
-              <a:t>d = a;</a:t>
-            </a:r>
-            <a:endParaRPr lang="pt-BR" dirty="0"/>
-          </a:p>
-          <a:p>
-            <a:pPr marL="0" indent="0" algn="ctr">
-              <a:buNone/>
-            </a:pPr>
-            <a:r>
-              <a:rPr lang="pt-BR" i="1" dirty="0"/>
-              <a:t>printf(b, d)</a:t>
-            </a:r>
-          </a:p>
-          <a:p>
-            <a:pPr marL="0" indent="0" algn="ctr">
-              <a:buNone/>
-            </a:pPr>
-            <a:endParaRPr lang="pt-BR" i="1" dirty="0"/>
-          </a:p>
-          <a:p>
-            <a:pPr marL="0" indent="0">
-              <a:buNone/>
-            </a:pPr>
-            <a:endParaRPr lang="en-GB" dirty="0">
-              <a:solidFill>
-                <a:schemeClr val="bg1">
-                  <a:lumMod val="50000"/>
-                </a:schemeClr>
-              </a:solidFill>
-            </a:endParaRPr>
-          </a:p>
-          <a:p>
-            <a:pPr marL="0" indent="0">
-              <a:buNone/>
-            </a:pPr>
-            <a:r>
-              <a:rPr lang="en-GB" dirty="0">
+              <a:rPr lang="en-GB" b="1" i="1" dirty="0">
                 <a:solidFill>
-                  <a:schemeClr val="bg1">
-                    <a:lumMod val="50000"/>
-                  </a:schemeClr>
+                  <a:srgbClr val="00B050"/>
                 </a:solidFill>
               </a:rPr>
-              <a:t>(</a:t>
-            </a:r>
-            <a:r>
-              <a:rPr lang="en-GB" b="1" dirty="0">
+              <a:t>c = b;</a:t>
+            </a:r>
+          </a:p>
+          <a:p>
+            <a:pPr marL="0" indent="0" algn="ctr">
+              <a:buNone/>
+            </a:pPr>
+            <a:r>
+              <a:rPr lang="en-GB" i="1" dirty="0"/>
+              <a:t>d = b + b;</a:t>
+            </a:r>
+          </a:p>
+          <a:p>
+            <a:pPr marL="0" indent="0" algn="ctr">
+              <a:buNone/>
+            </a:pPr>
+            <a:r>
+              <a:rPr lang="en-GB" i="1" dirty="0"/>
+              <a:t>e = d;</a:t>
+            </a:r>
+          </a:p>
+          <a:p>
+            <a:pPr marL="0" indent="0" algn="ctr">
+              <a:buNone/>
+            </a:pPr>
+            <a:r>
+              <a:rPr lang="en-GB" b="1" i="1" dirty="0">
                 <a:solidFill>
-                  <a:schemeClr val="bg1">
-                    <a:lumMod val="50000"/>
-                  </a:schemeClr>
+                  <a:srgbClr val="00B050"/>
                 </a:solidFill>
               </a:rPr>
-              <a:t>Practice (for later): </a:t>
-            </a:r>
+              <a:t>f = a;</a:t>
+            </a:r>
+          </a:p>
+          <a:p>
+            <a:pPr marL="0" indent="0" algn="ctr">
+              <a:buNone/>
+            </a:pPr>
+            <a:r>
+              <a:rPr lang="en-GB" i="1" dirty="0" err="1"/>
+              <a:t>printf</a:t>
+            </a:r>
+            <a:r>
+              <a:rPr lang="en-GB" i="1" dirty="0"/>
+              <a:t>(e)</a:t>
+            </a:r>
+          </a:p>
+          <a:p>
+            <a:pPr marL="0" indent="0" algn="ctr">
+              <a:buNone/>
+            </a:pPr>
+            <a:endParaRPr lang="en-GB" i="1" dirty="0"/>
+          </a:p>
+          <a:p>
+            <a:pPr marL="0" indent="0">
+              <a:buNone/>
+            </a:pPr>
             <a:r>
               <a:rPr lang="en-GB" dirty="0">
-                <a:solidFill>
-                  <a:schemeClr val="bg1">
-                    <a:lumMod val="50000"/>
-                  </a:schemeClr>
-                </a:solidFill>
+                <a:sym typeface="Wingdings" panose="05000000000000000000" pitchFamily="2" charset="2"/>
               </a:rPr>
-              <a:t>How would you implement the DCE optimization?</a:t>
+              <a:t> </a:t>
+            </a:r>
+            <a:r>
+              <a:rPr lang="en-GB" dirty="0"/>
+              <a:t>Use DCE on these two statements.</a:t>
             </a:r>
           </a:p>
           <a:p>
             <a:pPr marL="0" indent="0">
               <a:buNone/>
             </a:pPr>
-            <a:r>
-              <a:rPr lang="en-GB" dirty="0">
-                <a:solidFill>
-                  <a:schemeClr val="bg1">
-                    <a:lumMod val="50000"/>
-                  </a:schemeClr>
-                </a:solidFill>
-              </a:rPr>
-              <a:t>Is it again similar to what the CSE and CP do?)</a:t>
-            </a:r>
-          </a:p>
-        </p:txBody>
-      </p:sp>
-      <p:sp>
-        <p:nvSpPr>
-          <p:cNvPr id="4" name="TextBox 3">
-            <a:extLst>
-              <a:ext uri="{FF2B5EF4-FFF2-40B4-BE49-F238E27FC236}">
-                <a16:creationId xmlns:a16="http://schemas.microsoft.com/office/drawing/2014/main" id="{590711A0-8EBB-EB88-69FE-9C06DCB3245D}"/>
-              </a:ext>
-            </a:extLst>
-          </p:cNvPr>
-          <p:cNvSpPr txBox="1"/>
-          <p:nvPr/>
-        </p:nvSpPr>
-        <p:spPr>
-          <a:xfrm>
-            <a:off x="8682893" y="1424965"/>
-            <a:ext cx="2907323" cy="2308324"/>
-          </a:xfrm>
-          <a:prstGeom prst="rect">
-            <a:avLst/>
-          </a:prstGeom>
-          <a:noFill/>
-        </p:spPr>
-        <p:txBody>
-          <a:bodyPr wrap="square" rtlCol="0">
-            <a:spAutoFit/>
-          </a:bodyPr>
-          <a:lstStyle/>
-          <a:p>
-            <a:r>
-              <a:rPr lang="en-GB" sz="2400" dirty="0"/>
-              <a:t>Rinse and repeat the process once more!</a:t>
-            </a:r>
-          </a:p>
-          <a:p>
-            <a:pPr marL="342900" indent="-342900">
-              <a:buFont typeface="Arial" panose="020B0604020202020204" pitchFamily="34" charset="0"/>
-              <a:buChar char="•"/>
-            </a:pPr>
-            <a:r>
-              <a:rPr lang="en-GB" sz="2400" b="1" dirty="0"/>
-              <a:t>Step 1: </a:t>
-            </a:r>
-            <a:r>
-              <a:rPr lang="en-GB" sz="2400" dirty="0"/>
-              <a:t>Liveness analysis, first.</a:t>
-            </a:r>
-          </a:p>
-          <a:p>
-            <a:pPr marL="342900" indent="-342900">
-              <a:buFont typeface="Arial" panose="020B0604020202020204" pitchFamily="34" charset="0"/>
-              <a:buChar char="•"/>
-            </a:pPr>
-            <a:r>
-              <a:rPr lang="en-GB" sz="2400" b="1" dirty="0"/>
-              <a:t>Step 2: </a:t>
-            </a:r>
-            <a:r>
-              <a:rPr lang="en-GB" sz="2400" dirty="0"/>
-              <a:t>Dead code elimination, again.</a:t>
-            </a:r>
-            <a:endParaRPr lang="en-SG" sz="2400" dirty="0"/>
+            <a:endParaRPr lang="en-SG" dirty="0"/>
           </a:p>
         </p:txBody>
       </p:sp>
     </p:spTree>
     <p:extLst>
       <p:ext uri="{BB962C8B-B14F-4D97-AF65-F5344CB8AC3E}">
-        <p14:creationId xmlns:p14="http://schemas.microsoft.com/office/powerpoint/2010/main" val="3111768560"/>
+        <p14:creationId xmlns:p14="http://schemas.microsoft.com/office/powerpoint/2010/main" val="2198094589"/>
       </p:ext>
     </p:extLst>
   </p:cSld>
@@ -33997,41 +33023,74 @@
             </a:pPr>
             <a:r>
               <a:rPr lang="en-GB" dirty="0"/>
-              <a:t>The different optimizations we have seen so far all take care of just a small piece of the optimization.</a:t>
-            </a:r>
-          </a:p>
-          <a:p>
-            <a:r>
-              <a:rPr lang="en-GB" b="1" dirty="0"/>
-              <a:t>Common subexpression elimination eliminates unnecessary statements.</a:t>
-            </a:r>
-          </a:p>
-          <a:p>
-            <a:r>
-              <a:rPr lang="en-GB" b="1" dirty="0"/>
-              <a:t>Copy propagation helps identify dead code.</a:t>
-            </a:r>
-          </a:p>
-          <a:p>
-            <a:r>
-              <a:rPr lang="en-GB" b="1" dirty="0"/>
-              <a:t>Dead code elimination removes statements that are no longer needed.</a:t>
-            </a:r>
+              <a:t>Consider the TAC code below, which will be simplified</a:t>
+            </a:r>
+          </a:p>
+          <a:p>
+            <a:pPr marL="0" indent="0" algn="ctr">
+              <a:buNone/>
+            </a:pPr>
+            <a:r>
+              <a:rPr lang="en-GB" i="1" dirty="0"/>
+              <a:t>b = a*a;</a:t>
+            </a:r>
+          </a:p>
+          <a:p>
+            <a:pPr marL="0" indent="0" algn="ctr">
+              <a:buNone/>
+            </a:pPr>
+            <a:r>
+              <a:rPr lang="en-GB" i="1" dirty="0"/>
+              <a:t>d = b + b;</a:t>
+            </a:r>
+          </a:p>
+          <a:p>
+            <a:pPr marL="0" indent="0" algn="ctr">
+              <a:buNone/>
+            </a:pPr>
+            <a:r>
+              <a:rPr lang="en-GB" i="1" dirty="0"/>
+              <a:t>e = d;</a:t>
+            </a:r>
+          </a:p>
+          <a:p>
+            <a:pPr marL="0" indent="0" algn="ctr">
+              <a:buNone/>
+            </a:pPr>
+            <a:r>
+              <a:rPr lang="en-GB" i="1" dirty="0" err="1"/>
+              <a:t>printf</a:t>
+            </a:r>
+            <a:r>
+              <a:rPr lang="en-GB" i="1" dirty="0"/>
+              <a:t>(e)</a:t>
+            </a:r>
+          </a:p>
+          <a:p>
+            <a:pPr marL="0" indent="0" algn="ctr">
+              <a:buNone/>
+            </a:pPr>
+            <a:endParaRPr lang="en-GB" i="1" dirty="0"/>
           </a:p>
           <a:p>
             <a:pPr marL="0" indent="0">
               <a:buNone/>
             </a:pPr>
-            <a:endParaRPr lang="en-GB" dirty="0"/>
+            <a:r>
+              <a:rPr lang="en-GB" dirty="0">
+                <a:sym typeface="Wingdings" panose="05000000000000000000" pitchFamily="2" charset="2"/>
+              </a:rPr>
+              <a:t> </a:t>
+            </a:r>
+            <a:r>
+              <a:rPr lang="en-GB" dirty="0"/>
+              <a:t>Use DCE on these two statements.</a:t>
+            </a:r>
           </a:p>
           <a:p>
             <a:pPr marL="0" indent="0">
               <a:buNone/>
             </a:pPr>
-            <a:r>
-              <a:rPr lang="en-GB" dirty="0"/>
-              <a:t>To get maximum effect, we may have to apply these optimizations several times in a row.</a:t>
-            </a:r>
             <a:endParaRPr lang="en-SG" dirty="0"/>
           </a:p>
         </p:txBody>
@@ -34039,7 +33098,7 @@
     </p:spTree>
     <p:extLst>
       <p:ext uri="{BB962C8B-B14F-4D97-AF65-F5344CB8AC3E}">
-        <p14:creationId xmlns:p14="http://schemas.microsoft.com/office/powerpoint/2010/main" val="4103065477"/>
+        <p14:creationId xmlns:p14="http://schemas.microsoft.com/office/powerpoint/2010/main" val="3982159481"/>
       </p:ext>
     </p:extLst>
   </p:cSld>
@@ -34145,8 +33204,12 @@
               <a:buNone/>
             </a:pPr>
             <a:r>
-              <a:rPr lang="en-GB" i="1" dirty="0"/>
-              <a:t>c = a*a;</a:t>
+              <a:rPr lang="en-GB" b="1" i="1" dirty="0">
+                <a:solidFill>
+                  <a:srgbClr val="00B050"/>
+                </a:solidFill>
+              </a:rPr>
+              <a:t>d = b + b;</a:t>
             </a:r>
           </a:p>
           <a:p>
@@ -34154,26 +33217,12 @@
               <a:buNone/>
             </a:pPr>
             <a:r>
-              <a:rPr lang="en-GB" i="1" dirty="0"/>
-              <a:t>d = b + c;</a:t>
-            </a:r>
-          </a:p>
-          <a:p>
-            <a:pPr marL="0" indent="0" algn="ctr">
-              <a:buNone/>
-            </a:pPr>
-            <a:r>
-              <a:rPr lang="en-GB" i="1" dirty="0"/>
-              <a:t>e = b + b;</a:t>
-            </a:r>
-          </a:p>
-          <a:p>
-            <a:pPr marL="0" indent="0" algn="ctr">
-              <a:buNone/>
-            </a:pPr>
-            <a:r>
-              <a:rPr lang="en-GB" i="1" dirty="0"/>
-              <a:t>f = a;</a:t>
+              <a:rPr lang="en-GB" b="1" i="1" dirty="0">
+                <a:solidFill>
+                  <a:srgbClr val="00B050"/>
+                </a:solidFill>
+              </a:rPr>
+              <a:t>e = d;</a:t>
             </a:r>
           </a:p>
           <a:p>
@@ -34188,6 +33237,47 @@
               <a:rPr lang="en-GB" i="1" dirty="0"/>
               <a:t>(e)</a:t>
             </a:r>
+          </a:p>
+          <a:p>
+            <a:pPr marL="0" indent="0" algn="ctr">
+              <a:buNone/>
+            </a:pPr>
+            <a:endParaRPr lang="en-GB" i="1" dirty="0"/>
+          </a:p>
+          <a:p>
+            <a:pPr marL="0" indent="0">
+              <a:buNone/>
+            </a:pPr>
+            <a:r>
+              <a:rPr lang="en-GB" b="1" dirty="0">
+                <a:sym typeface="Wingdings" panose="05000000000000000000" pitchFamily="2" charset="2"/>
+              </a:rPr>
+              <a:t>Question: </a:t>
+            </a:r>
+            <a:r>
+              <a:rPr lang="en-GB" dirty="0">
+                <a:sym typeface="Wingdings" panose="05000000000000000000" pitchFamily="2" charset="2"/>
+              </a:rPr>
+              <a:t>How would you continue after this?</a:t>
+            </a:r>
+          </a:p>
+          <a:p>
+            <a:pPr marL="0" indent="0">
+              <a:buNone/>
+            </a:pPr>
+            <a:r>
+              <a:rPr lang="en-GB" b="1" dirty="0">
+                <a:sym typeface="Wingdings" panose="05000000000000000000" pitchFamily="2" charset="2"/>
+              </a:rPr>
+              <a:t>Question #2: </a:t>
+            </a:r>
+            <a:r>
+              <a:rPr lang="en-GB" dirty="0">
+                <a:sym typeface="Wingdings" panose="05000000000000000000" pitchFamily="2" charset="2"/>
+              </a:rPr>
+              <a:t>Is there a precedence order we should respect on these optimization techniques?</a:t>
+            </a:r>
+            <a:endParaRPr lang="en-GB" dirty="0"/>
           </a:p>
           <a:p>
             <a:pPr marL="0" indent="0">
@@ -34200,7 +33290,7 @@
     </p:spTree>
     <p:extLst>
       <p:ext uri="{BB962C8B-B14F-4D97-AF65-F5344CB8AC3E}">
-        <p14:creationId xmlns:p14="http://schemas.microsoft.com/office/powerpoint/2010/main" val="3853606339"/>
+        <p14:creationId xmlns:p14="http://schemas.microsoft.com/office/powerpoint/2010/main" val="369381578"/>
       </p:ext>
     </p:extLst>
   </p:cSld>
@@ -34232,7 +33322,7 @@
           <p:cNvPr id="2" name="Title 1">
             <a:extLst>
               <a:ext uri="{FF2B5EF4-FFF2-40B4-BE49-F238E27FC236}">
-                <a16:creationId xmlns:a16="http://schemas.microsoft.com/office/drawing/2014/main" id="{40145DDB-1807-1689-8A0E-90EACCDD539A}"/>
+                <a16:creationId xmlns:a16="http://schemas.microsoft.com/office/drawing/2014/main" id="{419BCACC-ACC6-2CC1-D64C-134AC6825B6A}"/>
               </a:ext>
             </a:extLst>
           </p:cNvPr>
@@ -34250,7 +33340,7 @@
           <a:p>
             <a:r>
               <a:rPr lang="en-GB" dirty="0"/>
-              <a:t>Combining the local optimization techniques</a:t>
+              <a:t>More types of local optimizations</a:t>
             </a:r>
             <a:endParaRPr lang="en-SG" dirty="0"/>
           </a:p>
@@ -34261,7 +33351,7 @@
           <p:cNvPr id="3" name="Content Placeholder 2">
             <a:extLst>
               <a:ext uri="{FF2B5EF4-FFF2-40B4-BE49-F238E27FC236}">
-                <a16:creationId xmlns:a16="http://schemas.microsoft.com/office/drawing/2014/main" id="{EDE17E52-4CE0-62A8-4183-47811CF62950}"/>
+                <a16:creationId xmlns:a16="http://schemas.microsoft.com/office/drawing/2014/main" id="{E4B3093D-5598-C16B-ECC2-4C6306799592}"/>
               </a:ext>
             </a:extLst>
           </p:cNvPr>
@@ -34279,110 +33369,106 @@
           </a:xfrm>
         </p:spPr>
         <p:txBody>
-          <a:bodyPr>
-            <a:normAutofit/>
-          </a:bodyPr>
+          <a:bodyPr/>
           <a:lstStyle/>
           <a:p>
             <a:pPr marL="0" indent="0">
               <a:buNone/>
             </a:pPr>
             <a:r>
-              <a:rPr lang="en-GB" dirty="0"/>
-              <a:t>Consider the TAC code below, which will be simplified</a:t>
-            </a:r>
-          </a:p>
-          <a:p>
-            <a:pPr marL="0" indent="0" algn="ctr">
-              <a:buNone/>
-            </a:pPr>
-            <a:r>
-              <a:rPr lang="en-GB" b="1" i="1" dirty="0">
-                <a:solidFill>
-                  <a:srgbClr val="00B050"/>
-                </a:solidFill>
-              </a:rPr>
-              <a:t>b = a*a;</a:t>
-            </a:r>
-          </a:p>
-          <a:p>
-            <a:pPr marL="0" indent="0" algn="ctr">
-              <a:buNone/>
-            </a:pPr>
-            <a:r>
-              <a:rPr lang="en-GB" b="1" i="1" dirty="0">
-                <a:solidFill>
-                  <a:srgbClr val="00B050"/>
-                </a:solidFill>
-              </a:rPr>
-              <a:t>c = a*a;</a:t>
-            </a:r>
-          </a:p>
-          <a:p>
-            <a:pPr marL="0" indent="0" algn="ctr">
-              <a:buNone/>
-            </a:pPr>
-            <a:r>
-              <a:rPr lang="en-GB" i="1" dirty="0"/>
-              <a:t>d = b + c;</a:t>
-            </a:r>
-          </a:p>
-          <a:p>
-            <a:pPr marL="0" indent="0" algn="ctr">
-              <a:buNone/>
-            </a:pPr>
-            <a:r>
-              <a:rPr lang="en-GB" i="1" dirty="0"/>
-              <a:t>e = b + b;</a:t>
-            </a:r>
-          </a:p>
-          <a:p>
-            <a:pPr marL="0" indent="0" algn="ctr">
-              <a:buNone/>
-            </a:pPr>
-            <a:r>
-              <a:rPr lang="en-GB" i="1" dirty="0"/>
-              <a:t>f = a;</a:t>
-            </a:r>
-          </a:p>
-          <a:p>
-            <a:pPr marL="0" indent="0" algn="ctr">
-              <a:buNone/>
-            </a:pPr>
-            <a:r>
-              <a:rPr lang="en-GB" i="1" dirty="0" err="1"/>
-              <a:t>printf</a:t>
-            </a:r>
-            <a:r>
-              <a:rPr lang="en-GB" i="1" dirty="0"/>
-              <a:t>(e)</a:t>
-            </a:r>
-          </a:p>
-          <a:p>
-            <a:pPr marL="0" indent="0" algn="ctr">
-              <a:buNone/>
-            </a:pPr>
-            <a:endParaRPr lang="en-GB" i="1" dirty="0"/>
+              <a:rPr lang="en-GB" b="1" dirty="0"/>
+              <a:t>Arithmetic simplifications</a:t>
+            </a:r>
+          </a:p>
+          <a:p>
+            <a:r>
+              <a:rPr lang="en-SG" dirty="0"/>
+              <a:t>Replace hard operations with easier ones, e.g. rewrite </a:t>
+            </a:r>
+            <a:r>
+              <a:rPr lang="en-SG" i="1" dirty="0"/>
+              <a:t>x = 4*a;</a:t>
+            </a:r>
+            <a:br>
+              <a:rPr lang="en-SG" i="1" dirty="0"/>
+            </a:br>
+            <a:r>
+              <a:rPr lang="en-SG" dirty="0"/>
+              <a:t>as </a:t>
+            </a:r>
+            <a:r>
+              <a:rPr lang="en-SG" i="1" dirty="0"/>
+              <a:t>x = a &lt;&lt; 2; </a:t>
+            </a:r>
+            <a:r>
+              <a:rPr lang="en-SG" dirty="0"/>
+              <a:t>instead.</a:t>
+            </a:r>
           </a:p>
           <a:p>
             <a:pPr marL="0" indent="0">
               <a:buNone/>
             </a:pPr>
             <a:r>
-              <a:rPr lang="en-GB" dirty="0">
-                <a:sym typeface="Wingdings" panose="05000000000000000000" pitchFamily="2" charset="2"/>
-              </a:rPr>
-              <a:t> </a:t>
-            </a:r>
-            <a:r>
-              <a:rPr lang="en-GB" dirty="0"/>
-              <a:t>Use CSE on these two statements.</a:t>
+              <a:rPr lang="en-SG" b="1" dirty="0"/>
+              <a:t>Short-circuit evaluation</a:t>
+            </a:r>
+          </a:p>
+          <a:p>
+            <a:r>
+              <a:rPr lang="en-SG" dirty="0"/>
+              <a:t>If </a:t>
+            </a:r>
+            <a:r>
+              <a:rPr lang="en-SG" i="1" dirty="0"/>
+              <a:t>x = a and b; </a:t>
+            </a:r>
+            <a:r>
+              <a:rPr lang="en-SG" dirty="0"/>
+              <a:t>and a computes as False in the TAC, then make x = False and treat b as a dead variable.</a:t>
             </a:r>
           </a:p>
           <a:p>
             <a:pPr marL="0" indent="0">
               <a:buNone/>
             </a:pPr>
+            <a:r>
+              <a:rPr lang="en-SG" b="1" dirty="0"/>
+              <a:t>Constant folding</a:t>
+            </a:r>
+          </a:p>
+          <a:p>
+            <a:r>
+              <a:rPr lang="en-SG" dirty="0"/>
+              <a:t>If an operation consists of two literals (e.g. </a:t>
+            </a:r>
+            <a:r>
+              <a:rPr lang="en-SG" i="1" dirty="0"/>
+              <a:t>x = 4*5;</a:t>
+            </a:r>
+            <a:r>
+              <a:rPr lang="en-SG" dirty="0"/>
+              <a:t>), then replace it by its evaluated version </a:t>
+            </a:r>
+            <a:r>
+              <a:rPr lang="en-SG" i="1" dirty="0"/>
+              <a:t>x = 20; </a:t>
+            </a:r>
+            <a:r>
+              <a:rPr lang="en-SG" dirty="0"/>
+              <a:t>directly. </a:t>
+            </a:r>
+          </a:p>
+          <a:p>
+            <a:pPr marL="0" indent="0">
+              <a:buNone/>
+            </a:pPr>
+            <a:r>
+              <a:rPr lang="en-SG" b="1" dirty="0"/>
+              <a:t>And many more!</a:t>
+            </a:r>
+          </a:p>
+          <a:p>
             <a:endParaRPr lang="en-SG" dirty="0"/>
           </a:p>
         </p:txBody>
@@ -34390,7 +33476,7 @@
     </p:spTree>
     <p:extLst>
       <p:ext uri="{BB962C8B-B14F-4D97-AF65-F5344CB8AC3E}">
-        <p14:creationId xmlns:p14="http://schemas.microsoft.com/office/powerpoint/2010/main" val="2162267674"/>
+        <p14:creationId xmlns:p14="http://schemas.microsoft.com/office/powerpoint/2010/main" val="354933213"/>
       </p:ext>
     </p:extLst>
   </p:cSld>
@@ -34422,7 +33508,7 @@
           <p:cNvPr id="2" name="Title 1">
             <a:extLst>
               <a:ext uri="{FF2B5EF4-FFF2-40B4-BE49-F238E27FC236}">
-                <a16:creationId xmlns:a16="http://schemas.microsoft.com/office/drawing/2014/main" id="{40145DDB-1807-1689-8A0E-90EACCDD539A}"/>
+                <a16:creationId xmlns:a16="http://schemas.microsoft.com/office/drawing/2014/main" id="{E40EB7FD-130C-C922-85B0-7A2DE054061B}"/>
               </a:ext>
             </a:extLst>
           </p:cNvPr>
@@ -34440,7 +33526,7 @@
           <a:p>
             <a:r>
               <a:rPr lang="en-GB" dirty="0"/>
-              <a:t>Combining the local optimization techniques</a:t>
+              <a:t>A quick word on global optimization</a:t>
             </a:r>
             <a:endParaRPr lang="en-SG" dirty="0"/>
           </a:p>
@@ -34451,7 +33537,7 @@
           <p:cNvPr id="3" name="Content Placeholder 2">
             <a:extLst>
               <a:ext uri="{FF2B5EF4-FFF2-40B4-BE49-F238E27FC236}">
-                <a16:creationId xmlns:a16="http://schemas.microsoft.com/office/drawing/2014/main" id="{EDE17E52-4CE0-62A8-4183-47811CF62950}"/>
+                <a16:creationId xmlns:a16="http://schemas.microsoft.com/office/drawing/2014/main" id="{0DA89C95-EB88-BDFD-8DB4-1DFD68C38C1F}"/>
               </a:ext>
             </a:extLst>
           </p:cNvPr>
@@ -34478,101 +33564,111 @@
               <a:buNone/>
             </a:pPr>
             <a:r>
-              <a:rPr lang="en-GB" dirty="0"/>
-              <a:t>Consider the TAC code below, which will be simplified</a:t>
-            </a:r>
-          </a:p>
-          <a:p>
-            <a:pPr marL="0" indent="0" algn="ctr">
-              <a:buNone/>
-            </a:pPr>
-            <a:r>
-              <a:rPr lang="en-GB" b="1" i="1" dirty="0">
+              <a:rPr lang="en-GB" b="1" dirty="0"/>
+              <a:t>Definition (</a:t>
+            </a:r>
+            <a:r>
+              <a:rPr lang="en-GB" b="1" dirty="0" err="1">
                 <a:solidFill>
                   <a:srgbClr val="00B050"/>
                 </a:solidFill>
               </a:rPr>
-              <a:t>b = a*a;</a:t>
-            </a:r>
-          </a:p>
-          <a:p>
-            <a:pPr marL="0" indent="0" algn="ctr">
-              <a:buNone/>
-            </a:pPr>
-            <a:r>
-              <a:rPr lang="en-GB" b="1" i="1" dirty="0">
+              <a:t>Interprocedural</a:t>
+            </a:r>
+            <a:r>
+              <a:rPr lang="en-GB" b="1" dirty="0">
                 <a:solidFill>
                   <a:srgbClr val="00B050"/>
                 </a:solidFill>
               </a:rPr>
-              <a:t>c = b;</a:t>
-            </a:r>
-          </a:p>
-          <a:p>
-            <a:pPr marL="0" indent="0" algn="ctr">
-              <a:buNone/>
-            </a:pPr>
-            <a:r>
-              <a:rPr lang="en-GB" i="1" dirty="0"/>
-              <a:t>d = b + c;</a:t>
-            </a:r>
-          </a:p>
-          <a:p>
-            <a:pPr marL="0" indent="0" algn="ctr">
-              <a:buNone/>
-            </a:pPr>
-            <a:r>
-              <a:rPr lang="en-GB" i="1" dirty="0"/>
-              <a:t>e = b + b;</a:t>
-            </a:r>
-          </a:p>
-          <a:p>
-            <a:pPr marL="0" indent="0" algn="ctr">
-              <a:buNone/>
-            </a:pPr>
-            <a:r>
-              <a:rPr lang="en-GB" i="1" dirty="0"/>
-              <a:t>f = a;</a:t>
-            </a:r>
-          </a:p>
-          <a:p>
-            <a:pPr marL="0" indent="0" algn="ctr">
-              <a:buNone/>
-            </a:pPr>
-            <a:r>
-              <a:rPr lang="en-GB" i="1" dirty="0" err="1"/>
-              <a:t>printf</a:t>
-            </a:r>
-            <a:r>
-              <a:rPr lang="en-GB" i="1" dirty="0"/>
-              <a:t>(e)</a:t>
-            </a:r>
-          </a:p>
-          <a:p>
-            <a:pPr marL="0" indent="0" algn="ctr">
-              <a:buNone/>
-            </a:pPr>
-            <a:endParaRPr lang="en-GB" i="1" dirty="0"/>
+              <a:t> analysis</a:t>
+            </a:r>
+            <a:r>
+              <a:rPr lang="en-GB" b="1" dirty="0"/>
+              <a:t>):</a:t>
+            </a:r>
           </a:p>
           <a:p>
             <a:pPr marL="0" indent="0">
               <a:buNone/>
             </a:pPr>
             <a:r>
-              <a:rPr lang="en-GB" dirty="0">
-                <a:sym typeface="Wingdings" panose="05000000000000000000" pitchFamily="2" charset="2"/>
+              <a:rPr lang="en-GB" b="1" dirty="0" err="1">
+                <a:solidFill>
+                  <a:srgbClr val="00B050"/>
+                </a:solidFill>
               </a:rPr>
-              <a:t> </a:t>
+              <a:t>Interprocedural</a:t>
+            </a:r>
+            <a:r>
+              <a:rPr lang="en-GB" b="1" dirty="0">
+                <a:solidFill>
+                  <a:srgbClr val="00B050"/>
+                </a:solidFill>
+              </a:rPr>
+              <a:t> analysis </a:t>
             </a:r>
             <a:r>
               <a:rPr lang="en-GB" dirty="0"/>
-              <a:t>Use CSE on these two statements.</a:t>
+              <a:t>involves analysing the interactions between different functions in a program.</a:t>
             </a:r>
           </a:p>
           <a:p>
             <a:pPr marL="0" indent="0">
               <a:buNone/>
             </a:pPr>
+            <a:r>
+              <a:rPr lang="en-GB" dirty="0" err="1"/>
+              <a:t>Interprocedural</a:t>
+            </a:r>
+            <a:r>
+              <a:rPr lang="en-GB" dirty="0"/>
+              <a:t> optimizations can include:</a:t>
+            </a:r>
+          </a:p>
+          <a:p>
+            <a:r>
+              <a:rPr lang="en-GB" b="1" dirty="0"/>
+              <a:t>Function </a:t>
+            </a:r>
+            <a:r>
+              <a:rPr lang="en-GB" b="1" dirty="0" err="1"/>
+              <a:t>inlining</a:t>
+            </a:r>
+            <a:r>
+              <a:rPr lang="en-GB" b="1" dirty="0"/>
+              <a:t> </a:t>
+            </a:r>
+            <a:r>
+              <a:rPr lang="en-GB" dirty="0"/>
+              <a:t>(replacing a function call with the actual function code),</a:t>
+            </a:r>
+          </a:p>
+          <a:p>
+            <a:r>
+              <a:rPr lang="en-GB" b="1" dirty="0"/>
+              <a:t>Eliminating dead functions </a:t>
+            </a:r>
+            <a:r>
+              <a:rPr lang="en-GB" dirty="0"/>
+              <a:t>(removing functions that are never called),</a:t>
+            </a:r>
+          </a:p>
+          <a:p>
+            <a:r>
+              <a:rPr lang="en-GB" dirty="0"/>
+              <a:t>And performing </a:t>
+            </a:r>
+            <a:r>
+              <a:rPr lang="en-GB" b="1" dirty="0"/>
+              <a:t>constant propagation across function boundaries</a:t>
+            </a:r>
+            <a:r>
+              <a:rPr lang="en-GB" dirty="0"/>
+              <a:t>.</a:t>
+            </a:r>
+          </a:p>
+          <a:p>
             <a:endParaRPr lang="en-SG" dirty="0"/>
           </a:p>
         </p:txBody>
@@ -34580,7 +33676,7 @@
     </p:spTree>
     <p:extLst>
       <p:ext uri="{BB962C8B-B14F-4D97-AF65-F5344CB8AC3E}">
-        <p14:creationId xmlns:p14="http://schemas.microsoft.com/office/powerpoint/2010/main" val="2905137462"/>
+        <p14:creationId xmlns:p14="http://schemas.microsoft.com/office/powerpoint/2010/main" val="3867480745"/>
       </p:ext>
     </p:extLst>
   </p:cSld>
@@ -34795,1514 +33891,6 @@
           <p:cNvPr id="2" name="Title 1">
             <a:extLst>
               <a:ext uri="{FF2B5EF4-FFF2-40B4-BE49-F238E27FC236}">
-                <a16:creationId xmlns:a16="http://schemas.microsoft.com/office/drawing/2014/main" id="{40145DDB-1807-1689-8A0E-90EACCDD539A}"/>
-              </a:ext>
-            </a:extLst>
-          </p:cNvPr>
-          <p:cNvSpPr>
-            <a:spLocks noGrp="1"/>
-          </p:cNvSpPr>
-          <p:nvPr>
-            <p:ph type="title"/>
-          </p:nvPr>
-        </p:nvSpPr>
-        <p:spPr/>
-        <p:txBody>
-          <a:bodyPr/>
-          <a:lstStyle/>
-          <a:p>
-            <a:r>
-              <a:rPr lang="en-GB" dirty="0"/>
-              <a:t>Combining the local optimization techniques</a:t>
-            </a:r>
-            <a:endParaRPr lang="en-SG" dirty="0"/>
-          </a:p>
-        </p:txBody>
-      </p:sp>
-      <p:sp>
-        <p:nvSpPr>
-          <p:cNvPr id="3" name="Content Placeholder 2">
-            <a:extLst>
-              <a:ext uri="{FF2B5EF4-FFF2-40B4-BE49-F238E27FC236}">
-                <a16:creationId xmlns:a16="http://schemas.microsoft.com/office/drawing/2014/main" id="{EDE17E52-4CE0-62A8-4183-47811CF62950}"/>
-              </a:ext>
-            </a:extLst>
-          </p:cNvPr>
-          <p:cNvSpPr>
-            <a:spLocks noGrp="1"/>
-          </p:cNvSpPr>
-          <p:nvPr>
-            <p:ph idx="1"/>
-          </p:nvPr>
-        </p:nvSpPr>
-        <p:spPr>
-          <a:xfrm>
-            <a:off x="838200" y="1825624"/>
-            <a:ext cx="10515600" cy="5032375"/>
-          </a:xfrm>
-        </p:spPr>
-        <p:txBody>
-          <a:bodyPr>
-            <a:normAutofit/>
-          </a:bodyPr>
-          <a:lstStyle/>
-          <a:p>
-            <a:pPr marL="0" indent="0">
-              <a:buNone/>
-            </a:pPr>
-            <a:r>
-              <a:rPr lang="en-GB" dirty="0"/>
-              <a:t>Consider the TAC code below, which will be simplified</a:t>
-            </a:r>
-          </a:p>
-          <a:p>
-            <a:pPr marL="0" indent="0" algn="ctr">
-              <a:buNone/>
-            </a:pPr>
-            <a:r>
-              <a:rPr lang="en-GB" i="1" dirty="0"/>
-              <a:t>b = a*a;</a:t>
-            </a:r>
-          </a:p>
-          <a:p>
-            <a:pPr marL="0" indent="0" algn="ctr">
-              <a:buNone/>
-            </a:pPr>
-            <a:r>
-              <a:rPr lang="en-GB" b="1" i="1" dirty="0">
-                <a:solidFill>
-                  <a:srgbClr val="00B050"/>
-                </a:solidFill>
-              </a:rPr>
-              <a:t>c = b;</a:t>
-            </a:r>
-          </a:p>
-          <a:p>
-            <a:pPr marL="0" indent="0" algn="ctr">
-              <a:buNone/>
-            </a:pPr>
-            <a:r>
-              <a:rPr lang="en-GB" i="1" dirty="0"/>
-              <a:t>d = b + </a:t>
-            </a:r>
-            <a:r>
-              <a:rPr lang="en-GB" b="1" i="1" dirty="0">
-                <a:solidFill>
-                  <a:srgbClr val="00B050"/>
-                </a:solidFill>
-              </a:rPr>
-              <a:t>c</a:t>
-            </a:r>
-            <a:r>
-              <a:rPr lang="en-GB" i="1" dirty="0"/>
-              <a:t>;</a:t>
-            </a:r>
-          </a:p>
-          <a:p>
-            <a:pPr marL="0" indent="0" algn="ctr">
-              <a:buNone/>
-            </a:pPr>
-            <a:r>
-              <a:rPr lang="en-GB" i="1" dirty="0"/>
-              <a:t>e = b + b;</a:t>
-            </a:r>
-          </a:p>
-          <a:p>
-            <a:pPr marL="0" indent="0" algn="ctr">
-              <a:buNone/>
-            </a:pPr>
-            <a:r>
-              <a:rPr lang="en-GB" i="1" dirty="0"/>
-              <a:t>f = a;</a:t>
-            </a:r>
-          </a:p>
-          <a:p>
-            <a:pPr marL="0" indent="0" algn="ctr">
-              <a:buNone/>
-            </a:pPr>
-            <a:r>
-              <a:rPr lang="en-GB" i="1" dirty="0" err="1"/>
-              <a:t>printf</a:t>
-            </a:r>
-            <a:r>
-              <a:rPr lang="en-GB" i="1" dirty="0"/>
-              <a:t>(e)</a:t>
-            </a:r>
-          </a:p>
-          <a:p>
-            <a:pPr marL="0" indent="0" algn="ctr">
-              <a:buNone/>
-            </a:pPr>
-            <a:endParaRPr lang="en-GB" i="1" dirty="0"/>
-          </a:p>
-          <a:p>
-            <a:pPr marL="0" indent="0">
-              <a:buNone/>
-            </a:pPr>
-            <a:r>
-              <a:rPr lang="en-GB" dirty="0">
-                <a:sym typeface="Wingdings" panose="05000000000000000000" pitchFamily="2" charset="2"/>
-              </a:rPr>
-              <a:t> </a:t>
-            </a:r>
-            <a:r>
-              <a:rPr lang="en-GB" dirty="0"/>
-              <a:t>Use CP on these two statements.</a:t>
-            </a:r>
-          </a:p>
-          <a:p>
-            <a:pPr marL="0" indent="0">
-              <a:buNone/>
-            </a:pPr>
-            <a:endParaRPr lang="en-SG" dirty="0"/>
-          </a:p>
-        </p:txBody>
-      </p:sp>
-    </p:spTree>
-    <p:extLst>
-      <p:ext uri="{BB962C8B-B14F-4D97-AF65-F5344CB8AC3E}">
-        <p14:creationId xmlns:p14="http://schemas.microsoft.com/office/powerpoint/2010/main" val="338852897"/>
-      </p:ext>
-    </p:extLst>
-  </p:cSld>
-  <p:clrMapOvr>
-    <a:masterClrMapping/>
-  </p:clrMapOvr>
-</p:sld>
-</file>
-
-<file path=ppt/slides/slide61.xml><?xml version="1.0" encoding="utf-8"?>
-<p:sld xmlns:a="http://schemas.openxmlformats.org/drawingml/2006/main" xmlns:r="http://schemas.openxmlformats.org/officeDocument/2006/relationships" xmlns:p="http://schemas.openxmlformats.org/presentationml/2006/main">
-  <p:cSld>
-    <p:spTree>
-      <p:nvGrpSpPr>
-        <p:cNvPr id="1" name=""/>
-        <p:cNvGrpSpPr/>
-        <p:nvPr/>
-      </p:nvGrpSpPr>
-      <p:grpSpPr>
-        <a:xfrm>
-          <a:off x="0" y="0"/>
-          <a:ext cx="0" cy="0"/>
-          <a:chOff x="0" y="0"/>
-          <a:chExt cx="0" cy="0"/>
-        </a:xfrm>
-      </p:grpSpPr>
-      <p:sp>
-        <p:nvSpPr>
-          <p:cNvPr id="2" name="Title 1">
-            <a:extLst>
-              <a:ext uri="{FF2B5EF4-FFF2-40B4-BE49-F238E27FC236}">
-                <a16:creationId xmlns:a16="http://schemas.microsoft.com/office/drawing/2014/main" id="{40145DDB-1807-1689-8A0E-90EACCDD539A}"/>
-              </a:ext>
-            </a:extLst>
-          </p:cNvPr>
-          <p:cNvSpPr>
-            <a:spLocks noGrp="1"/>
-          </p:cNvSpPr>
-          <p:nvPr>
-            <p:ph type="title"/>
-          </p:nvPr>
-        </p:nvSpPr>
-        <p:spPr/>
-        <p:txBody>
-          <a:bodyPr/>
-          <a:lstStyle/>
-          <a:p>
-            <a:r>
-              <a:rPr lang="en-GB" dirty="0"/>
-              <a:t>Combining the local optimization techniques</a:t>
-            </a:r>
-            <a:endParaRPr lang="en-SG" dirty="0"/>
-          </a:p>
-        </p:txBody>
-      </p:sp>
-      <p:sp>
-        <p:nvSpPr>
-          <p:cNvPr id="3" name="Content Placeholder 2">
-            <a:extLst>
-              <a:ext uri="{FF2B5EF4-FFF2-40B4-BE49-F238E27FC236}">
-                <a16:creationId xmlns:a16="http://schemas.microsoft.com/office/drawing/2014/main" id="{EDE17E52-4CE0-62A8-4183-47811CF62950}"/>
-              </a:ext>
-            </a:extLst>
-          </p:cNvPr>
-          <p:cNvSpPr>
-            <a:spLocks noGrp="1"/>
-          </p:cNvSpPr>
-          <p:nvPr>
-            <p:ph idx="1"/>
-          </p:nvPr>
-        </p:nvSpPr>
-        <p:spPr>
-          <a:xfrm>
-            <a:off x="838200" y="1825624"/>
-            <a:ext cx="10515600" cy="5032375"/>
-          </a:xfrm>
-        </p:spPr>
-        <p:txBody>
-          <a:bodyPr>
-            <a:normAutofit/>
-          </a:bodyPr>
-          <a:lstStyle/>
-          <a:p>
-            <a:pPr marL="0" indent="0">
-              <a:buNone/>
-            </a:pPr>
-            <a:r>
-              <a:rPr lang="en-GB" dirty="0"/>
-              <a:t>Consider the TAC code below, which will be simplified</a:t>
-            </a:r>
-          </a:p>
-          <a:p>
-            <a:pPr marL="0" indent="0" algn="ctr">
-              <a:buNone/>
-            </a:pPr>
-            <a:r>
-              <a:rPr lang="en-GB" i="1" dirty="0"/>
-              <a:t>b = a*a;</a:t>
-            </a:r>
-          </a:p>
-          <a:p>
-            <a:pPr marL="0" indent="0" algn="ctr">
-              <a:buNone/>
-            </a:pPr>
-            <a:r>
-              <a:rPr lang="en-GB" b="1" i="1" dirty="0">
-                <a:solidFill>
-                  <a:srgbClr val="00B050"/>
-                </a:solidFill>
-              </a:rPr>
-              <a:t>c = b;</a:t>
-            </a:r>
-          </a:p>
-          <a:p>
-            <a:pPr marL="0" indent="0" algn="ctr">
-              <a:buNone/>
-            </a:pPr>
-            <a:r>
-              <a:rPr lang="en-GB" i="1" dirty="0"/>
-              <a:t>d = b + </a:t>
-            </a:r>
-            <a:r>
-              <a:rPr lang="en-GB" b="1" i="1" dirty="0">
-                <a:solidFill>
-                  <a:srgbClr val="00B050"/>
-                </a:solidFill>
-              </a:rPr>
-              <a:t>b</a:t>
-            </a:r>
-            <a:r>
-              <a:rPr lang="en-GB" i="1" dirty="0"/>
-              <a:t>;</a:t>
-            </a:r>
-          </a:p>
-          <a:p>
-            <a:pPr marL="0" indent="0" algn="ctr">
-              <a:buNone/>
-            </a:pPr>
-            <a:r>
-              <a:rPr lang="en-GB" i="1" dirty="0"/>
-              <a:t>e = b + b;</a:t>
-            </a:r>
-          </a:p>
-          <a:p>
-            <a:pPr marL="0" indent="0" algn="ctr">
-              <a:buNone/>
-            </a:pPr>
-            <a:r>
-              <a:rPr lang="en-GB" i="1" dirty="0"/>
-              <a:t>f = a;</a:t>
-            </a:r>
-          </a:p>
-          <a:p>
-            <a:pPr marL="0" indent="0" algn="ctr">
-              <a:buNone/>
-            </a:pPr>
-            <a:r>
-              <a:rPr lang="en-GB" i="1" dirty="0" err="1"/>
-              <a:t>printf</a:t>
-            </a:r>
-            <a:r>
-              <a:rPr lang="en-GB" i="1" dirty="0"/>
-              <a:t>(e)</a:t>
-            </a:r>
-          </a:p>
-          <a:p>
-            <a:pPr marL="0" indent="0" algn="ctr">
-              <a:buNone/>
-            </a:pPr>
-            <a:endParaRPr lang="en-GB" i="1" dirty="0"/>
-          </a:p>
-          <a:p>
-            <a:pPr marL="0" indent="0">
-              <a:buNone/>
-            </a:pPr>
-            <a:r>
-              <a:rPr lang="en-GB" dirty="0">
-                <a:sym typeface="Wingdings" panose="05000000000000000000" pitchFamily="2" charset="2"/>
-              </a:rPr>
-              <a:t> </a:t>
-            </a:r>
-            <a:r>
-              <a:rPr lang="en-GB" dirty="0"/>
-              <a:t>Use CP on these two statements.</a:t>
-            </a:r>
-          </a:p>
-          <a:p>
-            <a:pPr marL="0" indent="0">
-              <a:buNone/>
-            </a:pPr>
-            <a:endParaRPr lang="en-SG" dirty="0"/>
-          </a:p>
-        </p:txBody>
-      </p:sp>
-    </p:spTree>
-    <p:extLst>
-      <p:ext uri="{BB962C8B-B14F-4D97-AF65-F5344CB8AC3E}">
-        <p14:creationId xmlns:p14="http://schemas.microsoft.com/office/powerpoint/2010/main" val="3391969214"/>
-      </p:ext>
-    </p:extLst>
-  </p:cSld>
-  <p:clrMapOvr>
-    <a:masterClrMapping/>
-  </p:clrMapOvr>
-</p:sld>
-</file>
-
-<file path=ppt/slides/slide62.xml><?xml version="1.0" encoding="utf-8"?>
-<p:sld xmlns:a="http://schemas.openxmlformats.org/drawingml/2006/main" xmlns:r="http://schemas.openxmlformats.org/officeDocument/2006/relationships" xmlns:p="http://schemas.openxmlformats.org/presentationml/2006/main">
-  <p:cSld>
-    <p:spTree>
-      <p:nvGrpSpPr>
-        <p:cNvPr id="1" name=""/>
-        <p:cNvGrpSpPr/>
-        <p:nvPr/>
-      </p:nvGrpSpPr>
-      <p:grpSpPr>
-        <a:xfrm>
-          <a:off x="0" y="0"/>
-          <a:ext cx="0" cy="0"/>
-          <a:chOff x="0" y="0"/>
-          <a:chExt cx="0" cy="0"/>
-        </a:xfrm>
-      </p:grpSpPr>
-      <p:sp>
-        <p:nvSpPr>
-          <p:cNvPr id="2" name="Title 1">
-            <a:extLst>
-              <a:ext uri="{FF2B5EF4-FFF2-40B4-BE49-F238E27FC236}">
-                <a16:creationId xmlns:a16="http://schemas.microsoft.com/office/drawing/2014/main" id="{40145DDB-1807-1689-8A0E-90EACCDD539A}"/>
-              </a:ext>
-            </a:extLst>
-          </p:cNvPr>
-          <p:cNvSpPr>
-            <a:spLocks noGrp="1"/>
-          </p:cNvSpPr>
-          <p:nvPr>
-            <p:ph type="title"/>
-          </p:nvPr>
-        </p:nvSpPr>
-        <p:spPr/>
-        <p:txBody>
-          <a:bodyPr/>
-          <a:lstStyle/>
-          <a:p>
-            <a:r>
-              <a:rPr lang="en-GB" dirty="0"/>
-              <a:t>Combining the local optimization techniques</a:t>
-            </a:r>
-            <a:endParaRPr lang="en-SG" dirty="0"/>
-          </a:p>
-        </p:txBody>
-      </p:sp>
-      <p:sp>
-        <p:nvSpPr>
-          <p:cNvPr id="3" name="Content Placeholder 2">
-            <a:extLst>
-              <a:ext uri="{FF2B5EF4-FFF2-40B4-BE49-F238E27FC236}">
-                <a16:creationId xmlns:a16="http://schemas.microsoft.com/office/drawing/2014/main" id="{EDE17E52-4CE0-62A8-4183-47811CF62950}"/>
-              </a:ext>
-            </a:extLst>
-          </p:cNvPr>
-          <p:cNvSpPr>
-            <a:spLocks noGrp="1"/>
-          </p:cNvSpPr>
-          <p:nvPr>
-            <p:ph idx="1"/>
-          </p:nvPr>
-        </p:nvSpPr>
-        <p:spPr>
-          <a:xfrm>
-            <a:off x="838200" y="1825624"/>
-            <a:ext cx="10515600" cy="5032375"/>
-          </a:xfrm>
-        </p:spPr>
-        <p:txBody>
-          <a:bodyPr>
-            <a:normAutofit/>
-          </a:bodyPr>
-          <a:lstStyle/>
-          <a:p>
-            <a:pPr marL="0" indent="0">
-              <a:buNone/>
-            </a:pPr>
-            <a:r>
-              <a:rPr lang="en-GB" dirty="0"/>
-              <a:t>Consider the TAC code below, which will be simplified</a:t>
-            </a:r>
-          </a:p>
-          <a:p>
-            <a:pPr marL="0" indent="0" algn="ctr">
-              <a:buNone/>
-            </a:pPr>
-            <a:r>
-              <a:rPr lang="en-GB" i="1" dirty="0"/>
-              <a:t>b = a*a;</a:t>
-            </a:r>
-          </a:p>
-          <a:p>
-            <a:pPr marL="0" indent="0" algn="ctr">
-              <a:buNone/>
-            </a:pPr>
-            <a:r>
-              <a:rPr lang="en-GB" i="1" dirty="0"/>
-              <a:t>c = b;</a:t>
-            </a:r>
-          </a:p>
-          <a:p>
-            <a:pPr marL="0" indent="0" algn="ctr">
-              <a:buNone/>
-            </a:pPr>
-            <a:r>
-              <a:rPr lang="en-GB" b="1" i="1" dirty="0">
-                <a:solidFill>
-                  <a:srgbClr val="00B050"/>
-                </a:solidFill>
-              </a:rPr>
-              <a:t>d = b + b;</a:t>
-            </a:r>
-          </a:p>
-          <a:p>
-            <a:pPr marL="0" indent="0" algn="ctr">
-              <a:buNone/>
-            </a:pPr>
-            <a:r>
-              <a:rPr lang="en-GB" b="1" i="1" dirty="0">
-                <a:solidFill>
-                  <a:srgbClr val="00B050"/>
-                </a:solidFill>
-              </a:rPr>
-              <a:t>e = b + b;</a:t>
-            </a:r>
-          </a:p>
-          <a:p>
-            <a:pPr marL="0" indent="0" algn="ctr">
-              <a:buNone/>
-            </a:pPr>
-            <a:r>
-              <a:rPr lang="en-GB" i="1" dirty="0"/>
-              <a:t>f = a;</a:t>
-            </a:r>
-          </a:p>
-          <a:p>
-            <a:pPr marL="0" indent="0" algn="ctr">
-              <a:buNone/>
-            </a:pPr>
-            <a:r>
-              <a:rPr lang="en-GB" i="1" dirty="0" err="1"/>
-              <a:t>printf</a:t>
-            </a:r>
-            <a:r>
-              <a:rPr lang="en-GB" i="1" dirty="0"/>
-              <a:t>(e)</a:t>
-            </a:r>
-          </a:p>
-          <a:p>
-            <a:pPr marL="0" indent="0" algn="ctr">
-              <a:buNone/>
-            </a:pPr>
-            <a:endParaRPr lang="en-GB" i="1" dirty="0"/>
-          </a:p>
-          <a:p>
-            <a:pPr marL="0" indent="0">
-              <a:buNone/>
-            </a:pPr>
-            <a:r>
-              <a:rPr lang="en-GB" dirty="0">
-                <a:sym typeface="Wingdings" panose="05000000000000000000" pitchFamily="2" charset="2"/>
-              </a:rPr>
-              <a:t> </a:t>
-            </a:r>
-            <a:r>
-              <a:rPr lang="en-GB" dirty="0"/>
-              <a:t>Use CSE on these two statements.</a:t>
-            </a:r>
-          </a:p>
-          <a:p>
-            <a:pPr marL="0" indent="0">
-              <a:buNone/>
-            </a:pPr>
-            <a:endParaRPr lang="en-SG" dirty="0"/>
-          </a:p>
-        </p:txBody>
-      </p:sp>
-    </p:spTree>
-    <p:extLst>
-      <p:ext uri="{BB962C8B-B14F-4D97-AF65-F5344CB8AC3E}">
-        <p14:creationId xmlns:p14="http://schemas.microsoft.com/office/powerpoint/2010/main" val="3273655504"/>
-      </p:ext>
-    </p:extLst>
-  </p:cSld>
-  <p:clrMapOvr>
-    <a:masterClrMapping/>
-  </p:clrMapOvr>
-</p:sld>
-</file>
-
-<file path=ppt/slides/slide63.xml><?xml version="1.0" encoding="utf-8"?>
-<p:sld xmlns:a="http://schemas.openxmlformats.org/drawingml/2006/main" xmlns:r="http://schemas.openxmlformats.org/officeDocument/2006/relationships" xmlns:p="http://schemas.openxmlformats.org/presentationml/2006/main">
-  <p:cSld>
-    <p:spTree>
-      <p:nvGrpSpPr>
-        <p:cNvPr id="1" name=""/>
-        <p:cNvGrpSpPr/>
-        <p:nvPr/>
-      </p:nvGrpSpPr>
-      <p:grpSpPr>
-        <a:xfrm>
-          <a:off x="0" y="0"/>
-          <a:ext cx="0" cy="0"/>
-          <a:chOff x="0" y="0"/>
-          <a:chExt cx="0" cy="0"/>
-        </a:xfrm>
-      </p:grpSpPr>
-      <p:sp>
-        <p:nvSpPr>
-          <p:cNvPr id="2" name="Title 1">
-            <a:extLst>
-              <a:ext uri="{FF2B5EF4-FFF2-40B4-BE49-F238E27FC236}">
-                <a16:creationId xmlns:a16="http://schemas.microsoft.com/office/drawing/2014/main" id="{40145DDB-1807-1689-8A0E-90EACCDD539A}"/>
-              </a:ext>
-            </a:extLst>
-          </p:cNvPr>
-          <p:cNvSpPr>
-            <a:spLocks noGrp="1"/>
-          </p:cNvSpPr>
-          <p:nvPr>
-            <p:ph type="title"/>
-          </p:nvPr>
-        </p:nvSpPr>
-        <p:spPr/>
-        <p:txBody>
-          <a:bodyPr/>
-          <a:lstStyle/>
-          <a:p>
-            <a:r>
-              <a:rPr lang="en-GB" dirty="0"/>
-              <a:t>Combining the local optimization techniques</a:t>
-            </a:r>
-            <a:endParaRPr lang="en-SG" dirty="0"/>
-          </a:p>
-        </p:txBody>
-      </p:sp>
-      <p:sp>
-        <p:nvSpPr>
-          <p:cNvPr id="3" name="Content Placeholder 2">
-            <a:extLst>
-              <a:ext uri="{FF2B5EF4-FFF2-40B4-BE49-F238E27FC236}">
-                <a16:creationId xmlns:a16="http://schemas.microsoft.com/office/drawing/2014/main" id="{EDE17E52-4CE0-62A8-4183-47811CF62950}"/>
-              </a:ext>
-            </a:extLst>
-          </p:cNvPr>
-          <p:cNvSpPr>
-            <a:spLocks noGrp="1"/>
-          </p:cNvSpPr>
-          <p:nvPr>
-            <p:ph idx="1"/>
-          </p:nvPr>
-        </p:nvSpPr>
-        <p:spPr>
-          <a:xfrm>
-            <a:off x="838200" y="1825624"/>
-            <a:ext cx="10515600" cy="5032375"/>
-          </a:xfrm>
-        </p:spPr>
-        <p:txBody>
-          <a:bodyPr>
-            <a:normAutofit/>
-          </a:bodyPr>
-          <a:lstStyle/>
-          <a:p>
-            <a:pPr marL="0" indent="0">
-              <a:buNone/>
-            </a:pPr>
-            <a:r>
-              <a:rPr lang="en-GB" dirty="0"/>
-              <a:t>Consider the TAC code below, which will be simplified</a:t>
-            </a:r>
-          </a:p>
-          <a:p>
-            <a:pPr marL="0" indent="0" algn="ctr">
-              <a:buNone/>
-            </a:pPr>
-            <a:r>
-              <a:rPr lang="en-GB" i="1" dirty="0"/>
-              <a:t>b = a*a;</a:t>
-            </a:r>
-          </a:p>
-          <a:p>
-            <a:pPr marL="0" indent="0" algn="ctr">
-              <a:buNone/>
-            </a:pPr>
-            <a:r>
-              <a:rPr lang="en-GB" i="1" dirty="0"/>
-              <a:t>c = b;</a:t>
-            </a:r>
-          </a:p>
-          <a:p>
-            <a:pPr marL="0" indent="0" algn="ctr">
-              <a:buNone/>
-            </a:pPr>
-            <a:r>
-              <a:rPr lang="en-GB" b="1" i="1" dirty="0">
-                <a:solidFill>
-                  <a:srgbClr val="00B050"/>
-                </a:solidFill>
-              </a:rPr>
-              <a:t>d = b + b;</a:t>
-            </a:r>
-          </a:p>
-          <a:p>
-            <a:pPr marL="0" indent="0" algn="ctr">
-              <a:buNone/>
-            </a:pPr>
-            <a:r>
-              <a:rPr lang="en-GB" b="1" i="1" dirty="0">
-                <a:solidFill>
-                  <a:srgbClr val="00B050"/>
-                </a:solidFill>
-              </a:rPr>
-              <a:t>e = d;</a:t>
-            </a:r>
-          </a:p>
-          <a:p>
-            <a:pPr marL="0" indent="0" algn="ctr">
-              <a:buNone/>
-            </a:pPr>
-            <a:r>
-              <a:rPr lang="en-GB" i="1" dirty="0"/>
-              <a:t>f = a;</a:t>
-            </a:r>
-          </a:p>
-          <a:p>
-            <a:pPr marL="0" indent="0" algn="ctr">
-              <a:buNone/>
-            </a:pPr>
-            <a:r>
-              <a:rPr lang="en-GB" i="1" dirty="0" err="1"/>
-              <a:t>printf</a:t>
-            </a:r>
-            <a:r>
-              <a:rPr lang="en-GB" i="1" dirty="0"/>
-              <a:t>(e)</a:t>
-            </a:r>
-          </a:p>
-          <a:p>
-            <a:pPr marL="0" indent="0" algn="ctr">
-              <a:buNone/>
-            </a:pPr>
-            <a:endParaRPr lang="en-GB" i="1" dirty="0"/>
-          </a:p>
-          <a:p>
-            <a:pPr marL="0" indent="0">
-              <a:buNone/>
-            </a:pPr>
-            <a:r>
-              <a:rPr lang="en-GB" dirty="0">
-                <a:sym typeface="Wingdings" panose="05000000000000000000" pitchFamily="2" charset="2"/>
-              </a:rPr>
-              <a:t> </a:t>
-            </a:r>
-            <a:r>
-              <a:rPr lang="en-GB" dirty="0"/>
-              <a:t>Use CSE on these two statements.</a:t>
-            </a:r>
-          </a:p>
-          <a:p>
-            <a:pPr marL="0" indent="0">
-              <a:buNone/>
-            </a:pPr>
-            <a:endParaRPr lang="en-SG" dirty="0"/>
-          </a:p>
-        </p:txBody>
-      </p:sp>
-    </p:spTree>
-    <p:extLst>
-      <p:ext uri="{BB962C8B-B14F-4D97-AF65-F5344CB8AC3E}">
-        <p14:creationId xmlns:p14="http://schemas.microsoft.com/office/powerpoint/2010/main" val="895323114"/>
-      </p:ext>
-    </p:extLst>
-  </p:cSld>
-  <p:clrMapOvr>
-    <a:masterClrMapping/>
-  </p:clrMapOvr>
-</p:sld>
-</file>
-
-<file path=ppt/slides/slide64.xml><?xml version="1.0" encoding="utf-8"?>
-<p:sld xmlns:a="http://schemas.openxmlformats.org/drawingml/2006/main" xmlns:r="http://schemas.openxmlformats.org/officeDocument/2006/relationships" xmlns:p="http://schemas.openxmlformats.org/presentationml/2006/main">
-  <p:cSld>
-    <p:spTree>
-      <p:nvGrpSpPr>
-        <p:cNvPr id="1" name=""/>
-        <p:cNvGrpSpPr/>
-        <p:nvPr/>
-      </p:nvGrpSpPr>
-      <p:grpSpPr>
-        <a:xfrm>
-          <a:off x="0" y="0"/>
-          <a:ext cx="0" cy="0"/>
-          <a:chOff x="0" y="0"/>
-          <a:chExt cx="0" cy="0"/>
-        </a:xfrm>
-      </p:grpSpPr>
-      <p:sp>
-        <p:nvSpPr>
-          <p:cNvPr id="2" name="Title 1">
-            <a:extLst>
-              <a:ext uri="{FF2B5EF4-FFF2-40B4-BE49-F238E27FC236}">
-                <a16:creationId xmlns:a16="http://schemas.microsoft.com/office/drawing/2014/main" id="{40145DDB-1807-1689-8A0E-90EACCDD539A}"/>
-              </a:ext>
-            </a:extLst>
-          </p:cNvPr>
-          <p:cNvSpPr>
-            <a:spLocks noGrp="1"/>
-          </p:cNvSpPr>
-          <p:nvPr>
-            <p:ph type="title"/>
-          </p:nvPr>
-        </p:nvSpPr>
-        <p:spPr/>
-        <p:txBody>
-          <a:bodyPr/>
-          <a:lstStyle/>
-          <a:p>
-            <a:r>
-              <a:rPr lang="en-GB" dirty="0"/>
-              <a:t>Combining the local optimization techniques</a:t>
-            </a:r>
-            <a:endParaRPr lang="en-SG" dirty="0"/>
-          </a:p>
-        </p:txBody>
-      </p:sp>
-      <p:sp>
-        <p:nvSpPr>
-          <p:cNvPr id="3" name="Content Placeholder 2">
-            <a:extLst>
-              <a:ext uri="{FF2B5EF4-FFF2-40B4-BE49-F238E27FC236}">
-                <a16:creationId xmlns:a16="http://schemas.microsoft.com/office/drawing/2014/main" id="{EDE17E52-4CE0-62A8-4183-47811CF62950}"/>
-              </a:ext>
-            </a:extLst>
-          </p:cNvPr>
-          <p:cNvSpPr>
-            <a:spLocks noGrp="1"/>
-          </p:cNvSpPr>
-          <p:nvPr>
-            <p:ph idx="1"/>
-          </p:nvPr>
-        </p:nvSpPr>
-        <p:spPr>
-          <a:xfrm>
-            <a:off x="838200" y="1825624"/>
-            <a:ext cx="10515600" cy="5032375"/>
-          </a:xfrm>
-        </p:spPr>
-        <p:txBody>
-          <a:bodyPr>
-            <a:normAutofit/>
-          </a:bodyPr>
-          <a:lstStyle/>
-          <a:p>
-            <a:pPr marL="0" indent="0">
-              <a:buNone/>
-            </a:pPr>
-            <a:r>
-              <a:rPr lang="en-GB" dirty="0"/>
-              <a:t>Consider the TAC code below, which will be simplified</a:t>
-            </a:r>
-          </a:p>
-          <a:p>
-            <a:pPr marL="0" indent="0" algn="ctr">
-              <a:buNone/>
-            </a:pPr>
-            <a:r>
-              <a:rPr lang="en-GB" i="1" dirty="0"/>
-              <a:t>b = a*a;</a:t>
-            </a:r>
-          </a:p>
-          <a:p>
-            <a:pPr marL="0" indent="0" algn="ctr">
-              <a:buNone/>
-            </a:pPr>
-            <a:r>
-              <a:rPr lang="en-GB" b="1" i="1" dirty="0">
-                <a:solidFill>
-                  <a:srgbClr val="00B050"/>
-                </a:solidFill>
-              </a:rPr>
-              <a:t>c = b;</a:t>
-            </a:r>
-          </a:p>
-          <a:p>
-            <a:pPr marL="0" indent="0" algn="ctr">
-              <a:buNone/>
-            </a:pPr>
-            <a:r>
-              <a:rPr lang="en-GB" i="1" dirty="0"/>
-              <a:t>d = b + b;</a:t>
-            </a:r>
-          </a:p>
-          <a:p>
-            <a:pPr marL="0" indent="0" algn="ctr">
-              <a:buNone/>
-            </a:pPr>
-            <a:r>
-              <a:rPr lang="en-GB" i="1" dirty="0"/>
-              <a:t>e = d;</a:t>
-            </a:r>
-          </a:p>
-          <a:p>
-            <a:pPr marL="0" indent="0" algn="ctr">
-              <a:buNone/>
-            </a:pPr>
-            <a:r>
-              <a:rPr lang="en-GB" b="1" i="1" dirty="0">
-                <a:solidFill>
-                  <a:srgbClr val="00B050"/>
-                </a:solidFill>
-              </a:rPr>
-              <a:t>f = a;</a:t>
-            </a:r>
-          </a:p>
-          <a:p>
-            <a:pPr marL="0" indent="0" algn="ctr">
-              <a:buNone/>
-            </a:pPr>
-            <a:r>
-              <a:rPr lang="en-GB" i="1" dirty="0" err="1"/>
-              <a:t>printf</a:t>
-            </a:r>
-            <a:r>
-              <a:rPr lang="en-GB" i="1" dirty="0"/>
-              <a:t>(e)</a:t>
-            </a:r>
-          </a:p>
-          <a:p>
-            <a:pPr marL="0" indent="0" algn="ctr">
-              <a:buNone/>
-            </a:pPr>
-            <a:endParaRPr lang="en-GB" i="1" dirty="0"/>
-          </a:p>
-          <a:p>
-            <a:pPr marL="0" indent="0">
-              <a:buNone/>
-            </a:pPr>
-            <a:r>
-              <a:rPr lang="en-GB" dirty="0">
-                <a:sym typeface="Wingdings" panose="05000000000000000000" pitchFamily="2" charset="2"/>
-              </a:rPr>
-              <a:t> </a:t>
-            </a:r>
-            <a:r>
-              <a:rPr lang="en-GB" dirty="0"/>
-              <a:t>Use DCE on these two statements.</a:t>
-            </a:r>
-          </a:p>
-          <a:p>
-            <a:pPr marL="0" indent="0">
-              <a:buNone/>
-            </a:pPr>
-            <a:endParaRPr lang="en-SG" dirty="0"/>
-          </a:p>
-        </p:txBody>
-      </p:sp>
-    </p:spTree>
-    <p:extLst>
-      <p:ext uri="{BB962C8B-B14F-4D97-AF65-F5344CB8AC3E}">
-        <p14:creationId xmlns:p14="http://schemas.microsoft.com/office/powerpoint/2010/main" val="2198094589"/>
-      </p:ext>
-    </p:extLst>
-  </p:cSld>
-  <p:clrMapOvr>
-    <a:masterClrMapping/>
-  </p:clrMapOvr>
-</p:sld>
-</file>
-
-<file path=ppt/slides/slide65.xml><?xml version="1.0" encoding="utf-8"?>
-<p:sld xmlns:a="http://schemas.openxmlformats.org/drawingml/2006/main" xmlns:r="http://schemas.openxmlformats.org/officeDocument/2006/relationships" xmlns:p="http://schemas.openxmlformats.org/presentationml/2006/main">
-  <p:cSld>
-    <p:spTree>
-      <p:nvGrpSpPr>
-        <p:cNvPr id="1" name=""/>
-        <p:cNvGrpSpPr/>
-        <p:nvPr/>
-      </p:nvGrpSpPr>
-      <p:grpSpPr>
-        <a:xfrm>
-          <a:off x="0" y="0"/>
-          <a:ext cx="0" cy="0"/>
-          <a:chOff x="0" y="0"/>
-          <a:chExt cx="0" cy="0"/>
-        </a:xfrm>
-      </p:grpSpPr>
-      <p:sp>
-        <p:nvSpPr>
-          <p:cNvPr id="2" name="Title 1">
-            <a:extLst>
-              <a:ext uri="{FF2B5EF4-FFF2-40B4-BE49-F238E27FC236}">
-                <a16:creationId xmlns:a16="http://schemas.microsoft.com/office/drawing/2014/main" id="{40145DDB-1807-1689-8A0E-90EACCDD539A}"/>
-              </a:ext>
-            </a:extLst>
-          </p:cNvPr>
-          <p:cNvSpPr>
-            <a:spLocks noGrp="1"/>
-          </p:cNvSpPr>
-          <p:nvPr>
-            <p:ph type="title"/>
-          </p:nvPr>
-        </p:nvSpPr>
-        <p:spPr/>
-        <p:txBody>
-          <a:bodyPr/>
-          <a:lstStyle/>
-          <a:p>
-            <a:r>
-              <a:rPr lang="en-GB" dirty="0"/>
-              <a:t>Combining the local optimization techniques</a:t>
-            </a:r>
-            <a:endParaRPr lang="en-SG" dirty="0"/>
-          </a:p>
-        </p:txBody>
-      </p:sp>
-      <p:sp>
-        <p:nvSpPr>
-          <p:cNvPr id="3" name="Content Placeholder 2">
-            <a:extLst>
-              <a:ext uri="{FF2B5EF4-FFF2-40B4-BE49-F238E27FC236}">
-                <a16:creationId xmlns:a16="http://schemas.microsoft.com/office/drawing/2014/main" id="{EDE17E52-4CE0-62A8-4183-47811CF62950}"/>
-              </a:ext>
-            </a:extLst>
-          </p:cNvPr>
-          <p:cNvSpPr>
-            <a:spLocks noGrp="1"/>
-          </p:cNvSpPr>
-          <p:nvPr>
-            <p:ph idx="1"/>
-          </p:nvPr>
-        </p:nvSpPr>
-        <p:spPr>
-          <a:xfrm>
-            <a:off x="838200" y="1825624"/>
-            <a:ext cx="10515600" cy="5032375"/>
-          </a:xfrm>
-        </p:spPr>
-        <p:txBody>
-          <a:bodyPr>
-            <a:normAutofit/>
-          </a:bodyPr>
-          <a:lstStyle/>
-          <a:p>
-            <a:pPr marL="0" indent="0">
-              <a:buNone/>
-            </a:pPr>
-            <a:r>
-              <a:rPr lang="en-GB" dirty="0"/>
-              <a:t>Consider the TAC code below, which will be simplified</a:t>
-            </a:r>
-          </a:p>
-          <a:p>
-            <a:pPr marL="0" indent="0" algn="ctr">
-              <a:buNone/>
-            </a:pPr>
-            <a:r>
-              <a:rPr lang="en-GB" i="1" dirty="0"/>
-              <a:t>b = a*a;</a:t>
-            </a:r>
-          </a:p>
-          <a:p>
-            <a:pPr marL="0" indent="0" algn="ctr">
-              <a:buNone/>
-            </a:pPr>
-            <a:r>
-              <a:rPr lang="en-GB" i="1" dirty="0"/>
-              <a:t>d = b + b;</a:t>
-            </a:r>
-          </a:p>
-          <a:p>
-            <a:pPr marL="0" indent="0" algn="ctr">
-              <a:buNone/>
-            </a:pPr>
-            <a:r>
-              <a:rPr lang="en-GB" i="1" dirty="0"/>
-              <a:t>e = d;</a:t>
-            </a:r>
-          </a:p>
-          <a:p>
-            <a:pPr marL="0" indent="0" algn="ctr">
-              <a:buNone/>
-            </a:pPr>
-            <a:r>
-              <a:rPr lang="en-GB" i="1" dirty="0" err="1"/>
-              <a:t>printf</a:t>
-            </a:r>
-            <a:r>
-              <a:rPr lang="en-GB" i="1" dirty="0"/>
-              <a:t>(e)</a:t>
-            </a:r>
-          </a:p>
-          <a:p>
-            <a:pPr marL="0" indent="0" algn="ctr">
-              <a:buNone/>
-            </a:pPr>
-            <a:endParaRPr lang="en-GB" i="1" dirty="0"/>
-          </a:p>
-          <a:p>
-            <a:pPr marL="0" indent="0">
-              <a:buNone/>
-            </a:pPr>
-            <a:r>
-              <a:rPr lang="en-GB" dirty="0">
-                <a:sym typeface="Wingdings" panose="05000000000000000000" pitchFamily="2" charset="2"/>
-              </a:rPr>
-              <a:t> </a:t>
-            </a:r>
-            <a:r>
-              <a:rPr lang="en-GB" dirty="0"/>
-              <a:t>Use DCE on these two statements.</a:t>
-            </a:r>
-          </a:p>
-          <a:p>
-            <a:pPr marL="0" indent="0">
-              <a:buNone/>
-            </a:pPr>
-            <a:endParaRPr lang="en-SG" dirty="0"/>
-          </a:p>
-        </p:txBody>
-      </p:sp>
-    </p:spTree>
-    <p:extLst>
-      <p:ext uri="{BB962C8B-B14F-4D97-AF65-F5344CB8AC3E}">
-        <p14:creationId xmlns:p14="http://schemas.microsoft.com/office/powerpoint/2010/main" val="3982159481"/>
-      </p:ext>
-    </p:extLst>
-  </p:cSld>
-  <p:clrMapOvr>
-    <a:masterClrMapping/>
-  </p:clrMapOvr>
-</p:sld>
-</file>
-
-<file path=ppt/slides/slide66.xml><?xml version="1.0" encoding="utf-8"?>
-<p:sld xmlns:a="http://schemas.openxmlformats.org/drawingml/2006/main" xmlns:r="http://schemas.openxmlformats.org/officeDocument/2006/relationships" xmlns:p="http://schemas.openxmlformats.org/presentationml/2006/main">
-  <p:cSld>
-    <p:spTree>
-      <p:nvGrpSpPr>
-        <p:cNvPr id="1" name=""/>
-        <p:cNvGrpSpPr/>
-        <p:nvPr/>
-      </p:nvGrpSpPr>
-      <p:grpSpPr>
-        <a:xfrm>
-          <a:off x="0" y="0"/>
-          <a:ext cx="0" cy="0"/>
-          <a:chOff x="0" y="0"/>
-          <a:chExt cx="0" cy="0"/>
-        </a:xfrm>
-      </p:grpSpPr>
-      <p:sp>
-        <p:nvSpPr>
-          <p:cNvPr id="2" name="Title 1">
-            <a:extLst>
-              <a:ext uri="{FF2B5EF4-FFF2-40B4-BE49-F238E27FC236}">
-                <a16:creationId xmlns:a16="http://schemas.microsoft.com/office/drawing/2014/main" id="{40145DDB-1807-1689-8A0E-90EACCDD539A}"/>
-              </a:ext>
-            </a:extLst>
-          </p:cNvPr>
-          <p:cNvSpPr>
-            <a:spLocks noGrp="1"/>
-          </p:cNvSpPr>
-          <p:nvPr>
-            <p:ph type="title"/>
-          </p:nvPr>
-        </p:nvSpPr>
-        <p:spPr/>
-        <p:txBody>
-          <a:bodyPr/>
-          <a:lstStyle/>
-          <a:p>
-            <a:r>
-              <a:rPr lang="en-GB" dirty="0"/>
-              <a:t>Combining the local optimization techniques</a:t>
-            </a:r>
-            <a:endParaRPr lang="en-SG" dirty="0"/>
-          </a:p>
-        </p:txBody>
-      </p:sp>
-      <p:sp>
-        <p:nvSpPr>
-          <p:cNvPr id="3" name="Content Placeholder 2">
-            <a:extLst>
-              <a:ext uri="{FF2B5EF4-FFF2-40B4-BE49-F238E27FC236}">
-                <a16:creationId xmlns:a16="http://schemas.microsoft.com/office/drawing/2014/main" id="{EDE17E52-4CE0-62A8-4183-47811CF62950}"/>
-              </a:ext>
-            </a:extLst>
-          </p:cNvPr>
-          <p:cNvSpPr>
-            <a:spLocks noGrp="1"/>
-          </p:cNvSpPr>
-          <p:nvPr>
-            <p:ph idx="1"/>
-          </p:nvPr>
-        </p:nvSpPr>
-        <p:spPr>
-          <a:xfrm>
-            <a:off x="838200" y="1825624"/>
-            <a:ext cx="10515600" cy="5032375"/>
-          </a:xfrm>
-        </p:spPr>
-        <p:txBody>
-          <a:bodyPr>
-            <a:normAutofit/>
-          </a:bodyPr>
-          <a:lstStyle/>
-          <a:p>
-            <a:pPr marL="0" indent="0">
-              <a:buNone/>
-            </a:pPr>
-            <a:r>
-              <a:rPr lang="en-GB" dirty="0"/>
-              <a:t>Consider the TAC code below, which will be simplified</a:t>
-            </a:r>
-          </a:p>
-          <a:p>
-            <a:pPr marL="0" indent="0" algn="ctr">
-              <a:buNone/>
-            </a:pPr>
-            <a:r>
-              <a:rPr lang="en-GB" i="1" dirty="0"/>
-              <a:t>b = a*a;</a:t>
-            </a:r>
-          </a:p>
-          <a:p>
-            <a:pPr marL="0" indent="0" algn="ctr">
-              <a:buNone/>
-            </a:pPr>
-            <a:r>
-              <a:rPr lang="en-GB" b="1" i="1" dirty="0">
-                <a:solidFill>
-                  <a:srgbClr val="00B050"/>
-                </a:solidFill>
-              </a:rPr>
-              <a:t>d = b + b;</a:t>
-            </a:r>
-          </a:p>
-          <a:p>
-            <a:pPr marL="0" indent="0" algn="ctr">
-              <a:buNone/>
-            </a:pPr>
-            <a:r>
-              <a:rPr lang="en-GB" b="1" i="1" dirty="0">
-                <a:solidFill>
-                  <a:srgbClr val="00B050"/>
-                </a:solidFill>
-              </a:rPr>
-              <a:t>e = d;</a:t>
-            </a:r>
-          </a:p>
-          <a:p>
-            <a:pPr marL="0" indent="0" algn="ctr">
-              <a:buNone/>
-            </a:pPr>
-            <a:r>
-              <a:rPr lang="en-GB" i="1" dirty="0" err="1"/>
-              <a:t>printf</a:t>
-            </a:r>
-            <a:r>
-              <a:rPr lang="en-GB" i="1" dirty="0"/>
-              <a:t>(e)</a:t>
-            </a:r>
-          </a:p>
-          <a:p>
-            <a:pPr marL="0" indent="0" algn="ctr">
-              <a:buNone/>
-            </a:pPr>
-            <a:endParaRPr lang="en-GB" i="1" dirty="0"/>
-          </a:p>
-          <a:p>
-            <a:pPr marL="0" indent="0">
-              <a:buNone/>
-            </a:pPr>
-            <a:r>
-              <a:rPr lang="en-GB" b="1" dirty="0">
-                <a:sym typeface="Wingdings" panose="05000000000000000000" pitchFamily="2" charset="2"/>
-              </a:rPr>
-              <a:t>Question: </a:t>
-            </a:r>
-            <a:r>
-              <a:rPr lang="en-GB" dirty="0">
-                <a:sym typeface="Wingdings" panose="05000000000000000000" pitchFamily="2" charset="2"/>
-              </a:rPr>
-              <a:t>How would you continue after this?</a:t>
-            </a:r>
-          </a:p>
-          <a:p>
-            <a:pPr marL="0" indent="0">
-              <a:buNone/>
-            </a:pPr>
-            <a:r>
-              <a:rPr lang="en-GB" b="1" dirty="0">
-                <a:sym typeface="Wingdings" panose="05000000000000000000" pitchFamily="2" charset="2"/>
-              </a:rPr>
-              <a:t>Question #2: </a:t>
-            </a:r>
-            <a:r>
-              <a:rPr lang="en-GB" dirty="0">
-                <a:sym typeface="Wingdings" panose="05000000000000000000" pitchFamily="2" charset="2"/>
-              </a:rPr>
-              <a:t>Is there a precedence order we should respect on these optimization techniques?</a:t>
-            </a:r>
-            <a:endParaRPr lang="en-GB" dirty="0"/>
-          </a:p>
-          <a:p>
-            <a:pPr marL="0" indent="0">
-              <a:buNone/>
-            </a:pPr>
-            <a:endParaRPr lang="en-SG" dirty="0"/>
-          </a:p>
-        </p:txBody>
-      </p:sp>
-    </p:spTree>
-    <p:extLst>
-      <p:ext uri="{BB962C8B-B14F-4D97-AF65-F5344CB8AC3E}">
-        <p14:creationId xmlns:p14="http://schemas.microsoft.com/office/powerpoint/2010/main" val="369381578"/>
-      </p:ext>
-    </p:extLst>
-  </p:cSld>
-  <p:clrMapOvr>
-    <a:masterClrMapping/>
-  </p:clrMapOvr>
-</p:sld>
-</file>
-
-<file path=ppt/slides/slide67.xml><?xml version="1.0" encoding="utf-8"?>
-<p:sld xmlns:a="http://schemas.openxmlformats.org/drawingml/2006/main" xmlns:r="http://schemas.openxmlformats.org/officeDocument/2006/relationships" xmlns:p="http://schemas.openxmlformats.org/presentationml/2006/main">
-  <p:cSld>
-    <p:spTree>
-      <p:nvGrpSpPr>
-        <p:cNvPr id="1" name=""/>
-        <p:cNvGrpSpPr/>
-        <p:nvPr/>
-      </p:nvGrpSpPr>
-      <p:grpSpPr>
-        <a:xfrm>
-          <a:off x="0" y="0"/>
-          <a:ext cx="0" cy="0"/>
-          <a:chOff x="0" y="0"/>
-          <a:chExt cx="0" cy="0"/>
-        </a:xfrm>
-      </p:grpSpPr>
-      <p:sp>
-        <p:nvSpPr>
-          <p:cNvPr id="2" name="Title 1">
-            <a:extLst>
-              <a:ext uri="{FF2B5EF4-FFF2-40B4-BE49-F238E27FC236}">
-                <a16:creationId xmlns:a16="http://schemas.microsoft.com/office/drawing/2014/main" id="{419BCACC-ACC6-2CC1-D64C-134AC6825B6A}"/>
-              </a:ext>
-            </a:extLst>
-          </p:cNvPr>
-          <p:cNvSpPr>
-            <a:spLocks noGrp="1"/>
-          </p:cNvSpPr>
-          <p:nvPr>
-            <p:ph type="title"/>
-          </p:nvPr>
-        </p:nvSpPr>
-        <p:spPr/>
-        <p:txBody>
-          <a:bodyPr/>
-          <a:lstStyle/>
-          <a:p>
-            <a:r>
-              <a:rPr lang="en-GB" dirty="0"/>
-              <a:t>More types of local optimizations</a:t>
-            </a:r>
-            <a:endParaRPr lang="en-SG" dirty="0"/>
-          </a:p>
-        </p:txBody>
-      </p:sp>
-      <p:sp>
-        <p:nvSpPr>
-          <p:cNvPr id="3" name="Content Placeholder 2">
-            <a:extLst>
-              <a:ext uri="{FF2B5EF4-FFF2-40B4-BE49-F238E27FC236}">
-                <a16:creationId xmlns:a16="http://schemas.microsoft.com/office/drawing/2014/main" id="{E4B3093D-5598-C16B-ECC2-4C6306799592}"/>
-              </a:ext>
-            </a:extLst>
-          </p:cNvPr>
-          <p:cNvSpPr>
-            <a:spLocks noGrp="1"/>
-          </p:cNvSpPr>
-          <p:nvPr>
-            <p:ph idx="1"/>
-          </p:nvPr>
-        </p:nvSpPr>
-        <p:spPr>
-          <a:xfrm>
-            <a:off x="838200" y="1825624"/>
-            <a:ext cx="10515600" cy="5032375"/>
-          </a:xfrm>
-        </p:spPr>
-        <p:txBody>
-          <a:bodyPr/>
-          <a:lstStyle/>
-          <a:p>
-            <a:pPr marL="0" indent="0">
-              <a:buNone/>
-            </a:pPr>
-            <a:r>
-              <a:rPr lang="en-GB" b="1" dirty="0"/>
-              <a:t>Arithmetic simplifications</a:t>
-            </a:r>
-          </a:p>
-          <a:p>
-            <a:r>
-              <a:rPr lang="en-SG" dirty="0"/>
-              <a:t>Replace hard operations with easier ones, e.g. rewrite </a:t>
-            </a:r>
-            <a:r>
-              <a:rPr lang="en-SG" i="1" dirty="0"/>
-              <a:t>x = 4*a;</a:t>
-            </a:r>
-            <a:br>
-              <a:rPr lang="en-SG" i="1" dirty="0"/>
-            </a:br>
-            <a:r>
-              <a:rPr lang="en-SG" dirty="0"/>
-              <a:t>as </a:t>
-            </a:r>
-            <a:r>
-              <a:rPr lang="en-SG" i="1" dirty="0"/>
-              <a:t>x = a &lt;&lt; 2; </a:t>
-            </a:r>
-            <a:r>
-              <a:rPr lang="en-SG" dirty="0"/>
-              <a:t>instead.</a:t>
-            </a:r>
-          </a:p>
-          <a:p>
-            <a:pPr marL="0" indent="0">
-              <a:buNone/>
-            </a:pPr>
-            <a:r>
-              <a:rPr lang="en-SG" b="1" dirty="0"/>
-              <a:t>Short-circuit evaluation</a:t>
-            </a:r>
-          </a:p>
-          <a:p>
-            <a:r>
-              <a:rPr lang="en-SG" dirty="0"/>
-              <a:t>If </a:t>
-            </a:r>
-            <a:r>
-              <a:rPr lang="en-SG" i="1" dirty="0"/>
-              <a:t>x = a and b; </a:t>
-            </a:r>
-            <a:r>
-              <a:rPr lang="en-SG" dirty="0"/>
-              <a:t>and a computes as False in the TAC, then make x = False and treat b as a dead variable.</a:t>
-            </a:r>
-          </a:p>
-          <a:p>
-            <a:pPr marL="0" indent="0">
-              <a:buNone/>
-            </a:pPr>
-            <a:r>
-              <a:rPr lang="en-SG" b="1" dirty="0"/>
-              <a:t>Constant folding</a:t>
-            </a:r>
-          </a:p>
-          <a:p>
-            <a:r>
-              <a:rPr lang="en-SG" dirty="0"/>
-              <a:t>If an operation consists of two literals (e.g. </a:t>
-            </a:r>
-            <a:r>
-              <a:rPr lang="en-SG" i="1" dirty="0"/>
-              <a:t>x = 4*5;</a:t>
-            </a:r>
-            <a:r>
-              <a:rPr lang="en-SG" dirty="0"/>
-              <a:t>), then replace it by its evaluated version </a:t>
-            </a:r>
-            <a:r>
-              <a:rPr lang="en-SG" i="1" dirty="0"/>
-              <a:t>x = 20; </a:t>
-            </a:r>
-            <a:r>
-              <a:rPr lang="en-SG" dirty="0"/>
-              <a:t>directly. </a:t>
-            </a:r>
-          </a:p>
-          <a:p>
-            <a:pPr marL="0" indent="0">
-              <a:buNone/>
-            </a:pPr>
-            <a:r>
-              <a:rPr lang="en-SG" b="1" dirty="0"/>
-              <a:t>And many more!</a:t>
-            </a:r>
-          </a:p>
-          <a:p>
-            <a:endParaRPr lang="en-SG" dirty="0"/>
-          </a:p>
-        </p:txBody>
-      </p:sp>
-    </p:spTree>
-    <p:extLst>
-      <p:ext uri="{BB962C8B-B14F-4D97-AF65-F5344CB8AC3E}">
-        <p14:creationId xmlns:p14="http://schemas.microsoft.com/office/powerpoint/2010/main" val="354933213"/>
-      </p:ext>
-    </p:extLst>
-  </p:cSld>
-  <p:clrMapOvr>
-    <a:masterClrMapping/>
-  </p:clrMapOvr>
-</p:sld>
-</file>
-
-<file path=ppt/slides/slide68.xml><?xml version="1.0" encoding="utf-8"?>
-<p:sld xmlns:a="http://schemas.openxmlformats.org/drawingml/2006/main" xmlns:r="http://schemas.openxmlformats.org/officeDocument/2006/relationships" xmlns:p="http://schemas.openxmlformats.org/presentationml/2006/main">
-  <p:cSld>
-    <p:spTree>
-      <p:nvGrpSpPr>
-        <p:cNvPr id="1" name=""/>
-        <p:cNvGrpSpPr/>
-        <p:nvPr/>
-      </p:nvGrpSpPr>
-      <p:grpSpPr>
-        <a:xfrm>
-          <a:off x="0" y="0"/>
-          <a:ext cx="0" cy="0"/>
-          <a:chOff x="0" y="0"/>
-          <a:chExt cx="0" cy="0"/>
-        </a:xfrm>
-      </p:grpSpPr>
-      <p:sp>
-        <p:nvSpPr>
-          <p:cNvPr id="2" name="Title 1">
-            <a:extLst>
-              <a:ext uri="{FF2B5EF4-FFF2-40B4-BE49-F238E27FC236}">
                 <a16:creationId xmlns:a16="http://schemas.microsoft.com/office/drawing/2014/main" id="{E40EB7FD-130C-C922-85B0-7A2DE054061B}"/>
               </a:ext>
             </a:extLst>
@@ -36363,206 +33951,6 @@
               <a:t>Definition (</a:t>
             </a:r>
             <a:r>
-              <a:rPr lang="en-GB" b="1" dirty="0" err="1">
-                <a:solidFill>
-                  <a:srgbClr val="00B050"/>
-                </a:solidFill>
-              </a:rPr>
-              <a:t>Interprocedural</a:t>
-            </a:r>
-            <a:r>
-              <a:rPr lang="en-GB" b="1" dirty="0">
-                <a:solidFill>
-                  <a:srgbClr val="00B050"/>
-                </a:solidFill>
-              </a:rPr>
-              <a:t> analysis</a:t>
-            </a:r>
-            <a:r>
-              <a:rPr lang="en-GB" b="1" dirty="0"/>
-              <a:t>):</a:t>
-            </a:r>
-          </a:p>
-          <a:p>
-            <a:pPr marL="0" indent="0">
-              <a:buNone/>
-            </a:pPr>
-            <a:r>
-              <a:rPr lang="en-GB" b="1" dirty="0" err="1">
-                <a:solidFill>
-                  <a:srgbClr val="00B050"/>
-                </a:solidFill>
-              </a:rPr>
-              <a:t>Interprocedural</a:t>
-            </a:r>
-            <a:r>
-              <a:rPr lang="en-GB" b="1" dirty="0">
-                <a:solidFill>
-                  <a:srgbClr val="00B050"/>
-                </a:solidFill>
-              </a:rPr>
-              <a:t> analysis </a:t>
-            </a:r>
-            <a:r>
-              <a:rPr lang="en-GB" dirty="0"/>
-              <a:t>involves analysing the interactions between different functions in a program.</a:t>
-            </a:r>
-          </a:p>
-          <a:p>
-            <a:pPr marL="0" indent="0">
-              <a:buNone/>
-            </a:pPr>
-            <a:r>
-              <a:rPr lang="en-GB" dirty="0" err="1"/>
-              <a:t>Interprocedural</a:t>
-            </a:r>
-            <a:r>
-              <a:rPr lang="en-GB" dirty="0"/>
-              <a:t> optimizations can include:</a:t>
-            </a:r>
-          </a:p>
-          <a:p>
-            <a:r>
-              <a:rPr lang="en-GB" b="1" dirty="0"/>
-              <a:t>Function </a:t>
-            </a:r>
-            <a:r>
-              <a:rPr lang="en-GB" b="1" dirty="0" err="1"/>
-              <a:t>inlining</a:t>
-            </a:r>
-            <a:r>
-              <a:rPr lang="en-GB" b="1" dirty="0"/>
-              <a:t> </a:t>
-            </a:r>
-            <a:r>
-              <a:rPr lang="en-GB" dirty="0"/>
-              <a:t>(replacing a function call with the actual function code),</a:t>
-            </a:r>
-          </a:p>
-          <a:p>
-            <a:r>
-              <a:rPr lang="en-GB" b="1" dirty="0"/>
-              <a:t>Eliminating dead functions </a:t>
-            </a:r>
-            <a:r>
-              <a:rPr lang="en-GB" dirty="0"/>
-              <a:t>(removing functions that are never called),</a:t>
-            </a:r>
-          </a:p>
-          <a:p>
-            <a:r>
-              <a:rPr lang="en-GB" dirty="0"/>
-              <a:t>And performing </a:t>
-            </a:r>
-            <a:r>
-              <a:rPr lang="en-GB" b="1" dirty="0"/>
-              <a:t>constant propagation across function boundaries</a:t>
-            </a:r>
-            <a:r>
-              <a:rPr lang="en-GB" dirty="0"/>
-              <a:t>.</a:t>
-            </a:r>
-          </a:p>
-          <a:p>
-            <a:endParaRPr lang="en-SG" dirty="0"/>
-          </a:p>
-        </p:txBody>
-      </p:sp>
-    </p:spTree>
-    <p:extLst>
-      <p:ext uri="{BB962C8B-B14F-4D97-AF65-F5344CB8AC3E}">
-        <p14:creationId xmlns:p14="http://schemas.microsoft.com/office/powerpoint/2010/main" val="3867480745"/>
-      </p:ext>
-    </p:extLst>
-  </p:cSld>
-  <p:clrMapOvr>
-    <a:masterClrMapping/>
-  </p:clrMapOvr>
-</p:sld>
-</file>
-
-<file path=ppt/slides/slide69.xml><?xml version="1.0" encoding="utf-8"?>
-<p:sld xmlns:a="http://schemas.openxmlformats.org/drawingml/2006/main" xmlns:r="http://schemas.openxmlformats.org/officeDocument/2006/relationships" xmlns:p="http://schemas.openxmlformats.org/presentationml/2006/main">
-  <p:cSld>
-    <p:spTree>
-      <p:nvGrpSpPr>
-        <p:cNvPr id="1" name=""/>
-        <p:cNvGrpSpPr/>
-        <p:nvPr/>
-      </p:nvGrpSpPr>
-      <p:grpSpPr>
-        <a:xfrm>
-          <a:off x="0" y="0"/>
-          <a:ext cx="0" cy="0"/>
-          <a:chOff x="0" y="0"/>
-          <a:chExt cx="0" cy="0"/>
-        </a:xfrm>
-      </p:grpSpPr>
-      <p:sp>
-        <p:nvSpPr>
-          <p:cNvPr id="2" name="Title 1">
-            <a:extLst>
-              <a:ext uri="{FF2B5EF4-FFF2-40B4-BE49-F238E27FC236}">
-                <a16:creationId xmlns:a16="http://schemas.microsoft.com/office/drawing/2014/main" id="{E40EB7FD-130C-C922-85B0-7A2DE054061B}"/>
-              </a:ext>
-            </a:extLst>
-          </p:cNvPr>
-          <p:cNvSpPr>
-            <a:spLocks noGrp="1"/>
-          </p:cNvSpPr>
-          <p:nvPr>
-            <p:ph type="title"/>
-          </p:nvPr>
-        </p:nvSpPr>
-        <p:spPr/>
-        <p:txBody>
-          <a:bodyPr/>
-          <a:lstStyle/>
-          <a:p>
-            <a:r>
-              <a:rPr lang="en-GB" dirty="0"/>
-              <a:t>A quick word on global optimization</a:t>
-            </a:r>
-            <a:endParaRPr lang="en-SG" dirty="0"/>
-          </a:p>
-        </p:txBody>
-      </p:sp>
-      <p:sp>
-        <p:nvSpPr>
-          <p:cNvPr id="3" name="Content Placeholder 2">
-            <a:extLst>
-              <a:ext uri="{FF2B5EF4-FFF2-40B4-BE49-F238E27FC236}">
-                <a16:creationId xmlns:a16="http://schemas.microsoft.com/office/drawing/2014/main" id="{0DA89C95-EB88-BDFD-8DB4-1DFD68C38C1F}"/>
-              </a:ext>
-            </a:extLst>
-          </p:cNvPr>
-          <p:cNvSpPr>
-            <a:spLocks noGrp="1"/>
-          </p:cNvSpPr>
-          <p:nvPr>
-            <p:ph idx="1"/>
-          </p:nvPr>
-        </p:nvSpPr>
-        <p:spPr>
-          <a:xfrm>
-            <a:off x="838200" y="1825624"/>
-            <a:ext cx="10515600" cy="5032375"/>
-          </a:xfrm>
-        </p:spPr>
-        <p:txBody>
-          <a:bodyPr>
-            <a:normAutofit/>
-          </a:bodyPr>
-          <a:lstStyle/>
-          <a:p>
-            <a:pPr marL="0" indent="0">
-              <a:buNone/>
-            </a:pPr>
-            <a:r>
-              <a:rPr lang="en-GB" b="1" dirty="0"/>
-              <a:t>Definition (</a:t>
-            </a:r>
-            <a:r>
               <a:rPr lang="en-GB" b="1" dirty="0">
                 <a:solidFill>
                   <a:srgbClr val="00B050"/>
@@ -36644,177 +34032,7 @@
 </p:sld>
 </file>
 
-<file path=ppt/slides/slide7.xml><?xml version="1.0" encoding="utf-8"?>
-<p:sld xmlns:a="http://schemas.openxmlformats.org/drawingml/2006/main" xmlns:r="http://schemas.openxmlformats.org/officeDocument/2006/relationships" xmlns:p="http://schemas.openxmlformats.org/presentationml/2006/main">
-  <p:cSld>
-    <p:spTree>
-      <p:nvGrpSpPr>
-        <p:cNvPr id="1" name=""/>
-        <p:cNvGrpSpPr/>
-        <p:nvPr/>
-      </p:nvGrpSpPr>
-      <p:grpSpPr>
-        <a:xfrm>
-          <a:off x="0" y="0"/>
-          <a:ext cx="0" cy="0"/>
-          <a:chOff x="0" y="0"/>
-          <a:chExt cx="0" cy="0"/>
-        </a:xfrm>
-      </p:grpSpPr>
-      <p:sp>
-        <p:nvSpPr>
-          <p:cNvPr id="2" name="Title 1">
-            <a:extLst>
-              <a:ext uri="{FF2B5EF4-FFF2-40B4-BE49-F238E27FC236}">
-                <a16:creationId xmlns:a16="http://schemas.microsoft.com/office/drawing/2014/main" id="{9A4676B2-1B06-A507-4D2F-5FC0FDA40F21}"/>
-              </a:ext>
-            </a:extLst>
-          </p:cNvPr>
-          <p:cNvSpPr>
-            <a:spLocks noGrp="1"/>
-          </p:cNvSpPr>
-          <p:nvPr>
-            <p:ph type="title"/>
-          </p:nvPr>
-        </p:nvSpPr>
-        <p:spPr/>
-        <p:txBody>
-          <a:bodyPr/>
-          <a:lstStyle/>
-          <a:p>
-            <a:r>
-              <a:rPr lang="en-GB" dirty="0"/>
-              <a:t>Basic block in TAC</a:t>
-            </a:r>
-            <a:endParaRPr lang="en-SG" dirty="0"/>
-          </a:p>
-        </p:txBody>
-      </p:sp>
-      <p:sp>
-        <p:nvSpPr>
-          <p:cNvPr id="3" name="Content Placeholder 2">
-            <a:extLst>
-              <a:ext uri="{FF2B5EF4-FFF2-40B4-BE49-F238E27FC236}">
-                <a16:creationId xmlns:a16="http://schemas.microsoft.com/office/drawing/2014/main" id="{FACF4944-D594-B5EC-4A8C-84B643D90604}"/>
-              </a:ext>
-            </a:extLst>
-          </p:cNvPr>
-          <p:cNvSpPr>
-            <a:spLocks noGrp="1"/>
-          </p:cNvSpPr>
-          <p:nvPr>
-            <p:ph idx="1"/>
-          </p:nvPr>
-        </p:nvSpPr>
-        <p:spPr>
-          <a:xfrm>
-            <a:off x="838200" y="1825624"/>
-            <a:ext cx="10515600" cy="5032375"/>
-          </a:xfrm>
-        </p:spPr>
-        <p:txBody>
-          <a:bodyPr/>
-          <a:lstStyle/>
-          <a:p>
-            <a:pPr marL="0" indent="0">
-              <a:buNone/>
-            </a:pPr>
-            <a:r>
-              <a:rPr lang="en-GB" b="1" dirty="0"/>
-              <a:t>Definition (</a:t>
-            </a:r>
-            <a:r>
-              <a:rPr lang="en-GB" b="1" dirty="0">
-                <a:solidFill>
-                  <a:srgbClr val="00B050"/>
-                </a:solidFill>
-              </a:rPr>
-              <a:t>basic block </a:t>
-            </a:r>
-            <a:r>
-              <a:rPr lang="en-GB" b="1" dirty="0"/>
-              <a:t>in TAC):</a:t>
-            </a:r>
-          </a:p>
-          <a:p>
-            <a:pPr marL="0" indent="0">
-              <a:buNone/>
-            </a:pPr>
-            <a:r>
-              <a:rPr lang="en-GB" dirty="0"/>
-              <a:t>A </a:t>
-            </a:r>
-            <a:r>
-              <a:rPr lang="en-GB" b="1" dirty="0">
-                <a:solidFill>
-                  <a:srgbClr val="00B050"/>
-                </a:solidFill>
-              </a:rPr>
-              <a:t>basic block </a:t>
-            </a:r>
-            <a:r>
-              <a:rPr lang="en-GB" dirty="0"/>
-              <a:t>consists of a sequence of instructions in TAC, with:</a:t>
-            </a:r>
-          </a:p>
-          <a:p>
-            <a:r>
-              <a:rPr lang="en-GB" dirty="0"/>
-              <a:t>No labels (except at the first instruction),</a:t>
-            </a:r>
-          </a:p>
-          <a:p>
-            <a:r>
-              <a:rPr lang="en-GB" dirty="0"/>
-              <a:t>No jumps (except at the last instruction of the block).</a:t>
-            </a:r>
-          </a:p>
-          <a:p>
-            <a:endParaRPr lang="en-GB" dirty="0"/>
-          </a:p>
-          <a:p>
-            <a:pPr marL="0" indent="0">
-              <a:buNone/>
-            </a:pPr>
-            <a:r>
-              <a:rPr lang="en-GB" dirty="0"/>
-              <a:t>Core idea behind basic blocks:</a:t>
-            </a:r>
-          </a:p>
-          <a:p>
-            <a:r>
-              <a:rPr lang="en-SG" dirty="0"/>
-              <a:t>Cannot jump in the middle of a basic block, only the beginning,</a:t>
-            </a:r>
-          </a:p>
-          <a:p>
-            <a:r>
-              <a:rPr lang="en-SG" dirty="0"/>
-              <a:t>Cannot jump out of a block, except at the end of it,</a:t>
-            </a:r>
-          </a:p>
-          <a:p>
-            <a:r>
-              <a:rPr lang="en-SG" dirty="0"/>
-              <a:t>Basic block is then a single-entry and single-exit code segment.</a:t>
-            </a:r>
-          </a:p>
-        </p:txBody>
-      </p:sp>
-    </p:spTree>
-    <p:extLst>
-      <p:ext uri="{BB962C8B-B14F-4D97-AF65-F5344CB8AC3E}">
-        <p14:creationId xmlns:p14="http://schemas.microsoft.com/office/powerpoint/2010/main" val="2107224318"/>
-      </p:ext>
-    </p:extLst>
-  </p:cSld>
-  <p:clrMapOvr>
-    <a:masterClrMapping/>
-  </p:clrMapOvr>
-</p:sld>
-</file>
-
-<file path=ppt/slides/slide70.xml><?xml version="1.0" encoding="utf-8"?>
+<file path=ppt/slides/slide61.xml><?xml version="1.0" encoding="utf-8"?>
 <p:sld xmlns:a="http://schemas.openxmlformats.org/drawingml/2006/main" xmlns:r="http://schemas.openxmlformats.org/officeDocument/2006/relationships" xmlns:p="http://schemas.openxmlformats.org/presentationml/2006/main">
   <p:cSld>
     <p:spTree>
@@ -36942,7 +34160,7 @@
 </p:sld>
 </file>
 
-<file path=ppt/slides/slide71.xml><?xml version="1.0" encoding="utf-8"?>
+<file path=ppt/slides/slide62.xml><?xml version="1.0" encoding="utf-8"?>
 <p:sld xmlns:a="http://schemas.openxmlformats.org/drawingml/2006/main" xmlns:r="http://schemas.openxmlformats.org/officeDocument/2006/relationships" xmlns:p="http://schemas.openxmlformats.org/presentationml/2006/main">
   <p:cSld>
     <p:spTree>
@@ -37067,7 +34285,7 @@
 </p:sld>
 </file>
 
-<file path=ppt/slides/slide72.xml><?xml version="1.0" encoding="utf-8"?>
+<file path=ppt/slides/slide63.xml><?xml version="1.0" encoding="utf-8"?>
 <p:sld xmlns:a="http://schemas.openxmlformats.org/drawingml/2006/main" xmlns:r="http://schemas.openxmlformats.org/officeDocument/2006/relationships" xmlns:p="http://schemas.openxmlformats.org/presentationml/2006/main">
   <p:cSld>
     <p:spTree>
@@ -37227,7 +34445,7 @@
 </p:sld>
 </file>
 
-<file path=ppt/slides/slide73.xml><?xml version="1.0" encoding="utf-8"?>
+<file path=ppt/slides/slide64.xml><?xml version="1.0" encoding="utf-8"?>
 <p:sld xmlns:a="http://schemas.openxmlformats.org/drawingml/2006/main" xmlns:r="http://schemas.openxmlformats.org/officeDocument/2006/relationships" xmlns:p="http://schemas.openxmlformats.org/presentationml/2006/main">
   <p:cSld>
     <p:spTree>
@@ -37567,7 +34785,7 @@
 </p:sld>
 </file>
 
-<file path=ppt/slides/slide74.xml><?xml version="1.0" encoding="utf-8"?>
+<file path=ppt/slides/slide65.xml><?xml version="1.0" encoding="utf-8"?>
 <p:sld xmlns:a="http://schemas.openxmlformats.org/drawingml/2006/main" xmlns:r="http://schemas.openxmlformats.org/officeDocument/2006/relationships" xmlns:p="http://schemas.openxmlformats.org/presentationml/2006/main">
   <p:cSld>
     <p:spTree>
@@ -37907,7 +35125,7 @@
 </p:sld>
 </file>
 
-<file path=ppt/slides/slide75.xml><?xml version="1.0" encoding="utf-8"?>
+<file path=ppt/slides/slide66.xml><?xml version="1.0" encoding="utf-8"?>
 <p:sld xmlns:a="http://schemas.openxmlformats.org/drawingml/2006/main" xmlns:r="http://schemas.openxmlformats.org/officeDocument/2006/relationships" xmlns:p="http://schemas.openxmlformats.org/presentationml/2006/main">
   <p:cSld>
     <p:spTree>
@@ -38119,7 +35337,7 @@
 </p:sld>
 </file>
 
-<file path=ppt/slides/slide76.xml><?xml version="1.0" encoding="utf-8"?>
+<file path=ppt/slides/slide67.xml><?xml version="1.0" encoding="utf-8"?>
 <p:sld xmlns:a="http://schemas.openxmlformats.org/drawingml/2006/main" xmlns:r="http://schemas.openxmlformats.org/officeDocument/2006/relationships" xmlns:p="http://schemas.openxmlformats.org/presentationml/2006/main">
   <p:cSld>
     <p:spTree>
@@ -38380,7 +35598,7 @@
 </p:sld>
 </file>
 
-<file path=ppt/slides/slide77.xml><?xml version="1.0" encoding="utf-8"?>
+<file path=ppt/slides/slide68.xml><?xml version="1.0" encoding="utf-8"?>
 <p:sld xmlns:a="http://schemas.openxmlformats.org/drawingml/2006/main" xmlns:r="http://schemas.openxmlformats.org/officeDocument/2006/relationships" xmlns:p="http://schemas.openxmlformats.org/presentationml/2006/main">
   <p:cSld>
     <p:spTree>
@@ -38511,7 +35729,7 @@
 </p:sld>
 </file>
 
-<file path=ppt/slides/slide78.xml><?xml version="1.0" encoding="utf-8"?>
+<file path=ppt/slides/slide69.xml><?xml version="1.0" encoding="utf-8"?>
 <p:sld xmlns:a="http://schemas.openxmlformats.org/drawingml/2006/main" xmlns:r="http://schemas.openxmlformats.org/officeDocument/2006/relationships" xmlns:p="http://schemas.openxmlformats.org/presentationml/2006/main">
   <p:cSld>
     <p:spTree>
@@ -38646,7 +35864,177 @@
 </p:sld>
 </file>
 
-<file path=ppt/slides/slide79.xml><?xml version="1.0" encoding="utf-8"?>
+<file path=ppt/slides/slide7.xml><?xml version="1.0" encoding="utf-8"?>
+<p:sld xmlns:a="http://schemas.openxmlformats.org/drawingml/2006/main" xmlns:r="http://schemas.openxmlformats.org/officeDocument/2006/relationships" xmlns:p="http://schemas.openxmlformats.org/presentationml/2006/main">
+  <p:cSld>
+    <p:spTree>
+      <p:nvGrpSpPr>
+        <p:cNvPr id="1" name=""/>
+        <p:cNvGrpSpPr/>
+        <p:nvPr/>
+      </p:nvGrpSpPr>
+      <p:grpSpPr>
+        <a:xfrm>
+          <a:off x="0" y="0"/>
+          <a:ext cx="0" cy="0"/>
+          <a:chOff x="0" y="0"/>
+          <a:chExt cx="0" cy="0"/>
+        </a:xfrm>
+      </p:grpSpPr>
+      <p:sp>
+        <p:nvSpPr>
+          <p:cNvPr id="2" name="Title 1">
+            <a:extLst>
+              <a:ext uri="{FF2B5EF4-FFF2-40B4-BE49-F238E27FC236}">
+                <a16:creationId xmlns:a16="http://schemas.microsoft.com/office/drawing/2014/main" id="{9A4676B2-1B06-A507-4D2F-5FC0FDA40F21}"/>
+              </a:ext>
+            </a:extLst>
+          </p:cNvPr>
+          <p:cNvSpPr>
+            <a:spLocks noGrp="1"/>
+          </p:cNvSpPr>
+          <p:nvPr>
+            <p:ph type="title"/>
+          </p:nvPr>
+        </p:nvSpPr>
+        <p:spPr/>
+        <p:txBody>
+          <a:bodyPr/>
+          <a:lstStyle/>
+          <a:p>
+            <a:r>
+              <a:rPr lang="en-GB" dirty="0"/>
+              <a:t>Basic block in TAC</a:t>
+            </a:r>
+            <a:endParaRPr lang="en-SG" dirty="0"/>
+          </a:p>
+        </p:txBody>
+      </p:sp>
+      <p:sp>
+        <p:nvSpPr>
+          <p:cNvPr id="3" name="Content Placeholder 2">
+            <a:extLst>
+              <a:ext uri="{FF2B5EF4-FFF2-40B4-BE49-F238E27FC236}">
+                <a16:creationId xmlns:a16="http://schemas.microsoft.com/office/drawing/2014/main" id="{FACF4944-D594-B5EC-4A8C-84B643D90604}"/>
+              </a:ext>
+            </a:extLst>
+          </p:cNvPr>
+          <p:cNvSpPr>
+            <a:spLocks noGrp="1"/>
+          </p:cNvSpPr>
+          <p:nvPr>
+            <p:ph idx="1"/>
+          </p:nvPr>
+        </p:nvSpPr>
+        <p:spPr>
+          <a:xfrm>
+            <a:off x="838200" y="1825624"/>
+            <a:ext cx="10515600" cy="5032375"/>
+          </a:xfrm>
+        </p:spPr>
+        <p:txBody>
+          <a:bodyPr/>
+          <a:lstStyle/>
+          <a:p>
+            <a:pPr marL="0" indent="0">
+              <a:buNone/>
+            </a:pPr>
+            <a:r>
+              <a:rPr lang="en-GB" b="1" dirty="0"/>
+              <a:t>Definition (</a:t>
+            </a:r>
+            <a:r>
+              <a:rPr lang="en-GB" b="1" dirty="0">
+                <a:solidFill>
+                  <a:srgbClr val="00B050"/>
+                </a:solidFill>
+              </a:rPr>
+              <a:t>basic block </a:t>
+            </a:r>
+            <a:r>
+              <a:rPr lang="en-GB" b="1" dirty="0"/>
+              <a:t>in TAC):</a:t>
+            </a:r>
+          </a:p>
+          <a:p>
+            <a:pPr marL="0" indent="0">
+              <a:buNone/>
+            </a:pPr>
+            <a:r>
+              <a:rPr lang="en-GB" dirty="0"/>
+              <a:t>A </a:t>
+            </a:r>
+            <a:r>
+              <a:rPr lang="en-GB" b="1" dirty="0">
+                <a:solidFill>
+                  <a:srgbClr val="00B050"/>
+                </a:solidFill>
+              </a:rPr>
+              <a:t>basic block </a:t>
+            </a:r>
+            <a:r>
+              <a:rPr lang="en-GB" dirty="0"/>
+              <a:t>consists of a sequence of instructions in TAC, with:</a:t>
+            </a:r>
+          </a:p>
+          <a:p>
+            <a:r>
+              <a:rPr lang="en-GB" dirty="0"/>
+              <a:t>No labels (except at the first instruction),</a:t>
+            </a:r>
+          </a:p>
+          <a:p>
+            <a:r>
+              <a:rPr lang="en-GB" dirty="0"/>
+              <a:t>No jumps (except at the last instruction of the block).</a:t>
+            </a:r>
+          </a:p>
+          <a:p>
+            <a:endParaRPr lang="en-GB" dirty="0"/>
+          </a:p>
+          <a:p>
+            <a:pPr marL="0" indent="0">
+              <a:buNone/>
+            </a:pPr>
+            <a:r>
+              <a:rPr lang="en-GB" dirty="0"/>
+              <a:t>Core idea behind basic blocks:</a:t>
+            </a:r>
+          </a:p>
+          <a:p>
+            <a:r>
+              <a:rPr lang="en-SG" dirty="0"/>
+              <a:t>Cannot jump in the middle of a basic block, only the beginning,</a:t>
+            </a:r>
+          </a:p>
+          <a:p>
+            <a:r>
+              <a:rPr lang="en-SG" dirty="0"/>
+              <a:t>Cannot jump out of a block, except at the end of it,</a:t>
+            </a:r>
+          </a:p>
+          <a:p>
+            <a:r>
+              <a:rPr lang="en-SG" dirty="0"/>
+              <a:t>Basic block is then a single-entry and single-exit code segment.</a:t>
+            </a:r>
+          </a:p>
+        </p:txBody>
+      </p:sp>
+    </p:spTree>
+    <p:extLst>
+      <p:ext uri="{BB962C8B-B14F-4D97-AF65-F5344CB8AC3E}">
+        <p14:creationId xmlns:p14="http://schemas.microsoft.com/office/powerpoint/2010/main" val="2107224318"/>
+      </p:ext>
+    </p:extLst>
+  </p:cSld>
+  <p:clrMapOvr>
+    <a:masterClrMapping/>
+  </p:clrMapOvr>
+</p:sld>
+</file>
+
+<file path=ppt/slides/slide70.xml><?xml version="1.0" encoding="utf-8"?>
 <p:sld xmlns:a="http://schemas.openxmlformats.org/drawingml/2006/main" xmlns:r="http://schemas.openxmlformats.org/officeDocument/2006/relationships" xmlns:p="http://schemas.openxmlformats.org/presentationml/2006/main">
   <p:cSld>
     <p:spTree>
@@ -38773,6 +36161,1444 @@
     <p:extLst>
       <p:ext uri="{BB962C8B-B14F-4D97-AF65-F5344CB8AC3E}">
         <p14:creationId xmlns:p14="http://schemas.microsoft.com/office/powerpoint/2010/main" val="1902116783"/>
+      </p:ext>
+    </p:extLst>
+  </p:cSld>
+  <p:clrMapOvr>
+    <a:masterClrMapping/>
+  </p:clrMapOvr>
+</p:sld>
+</file>
+
+<file path=ppt/slides/slide71.xml><?xml version="1.0" encoding="utf-8"?>
+<p:sld xmlns:a="http://schemas.openxmlformats.org/drawingml/2006/main" xmlns:r="http://schemas.openxmlformats.org/officeDocument/2006/relationships" xmlns:p="http://schemas.openxmlformats.org/presentationml/2006/main">
+  <p:cSld>
+    <p:spTree>
+      <p:nvGrpSpPr>
+        <p:cNvPr id="1" name=""/>
+        <p:cNvGrpSpPr/>
+        <p:nvPr/>
+      </p:nvGrpSpPr>
+      <p:grpSpPr>
+        <a:xfrm>
+          <a:off x="0" y="0"/>
+          <a:ext cx="0" cy="0"/>
+          <a:chOff x="0" y="0"/>
+          <a:chExt cx="0" cy="0"/>
+        </a:xfrm>
+      </p:grpSpPr>
+      <p:sp>
+        <p:nvSpPr>
+          <p:cNvPr id="2" name="Title 1">
+            <a:extLst>
+              <a:ext uri="{FF2B5EF4-FFF2-40B4-BE49-F238E27FC236}">
+                <a16:creationId xmlns:a16="http://schemas.microsoft.com/office/drawing/2014/main" id="{5FA9EF4B-9CD1-8FE4-A1B4-F64172F28996}"/>
+              </a:ext>
+            </a:extLst>
+          </p:cNvPr>
+          <p:cNvSpPr>
+            <a:spLocks noGrp="1"/>
+          </p:cNvSpPr>
+          <p:nvPr>
+            <p:ph type="title"/>
+          </p:nvPr>
+        </p:nvSpPr>
+        <p:spPr/>
+        <p:txBody>
+          <a:bodyPr/>
+          <a:lstStyle/>
+          <a:p>
+            <a:r>
+              <a:rPr lang="en-GB" dirty="0"/>
+              <a:t>Quiz time!</a:t>
+            </a:r>
+            <a:endParaRPr lang="en-SG" dirty="0"/>
+          </a:p>
+        </p:txBody>
+      </p:sp>
+      <p:sp>
+        <p:nvSpPr>
+          <p:cNvPr id="3" name="Content Placeholder 2">
+            <a:extLst>
+              <a:ext uri="{FF2B5EF4-FFF2-40B4-BE49-F238E27FC236}">
+                <a16:creationId xmlns:a16="http://schemas.microsoft.com/office/drawing/2014/main" id="{BA4C42E6-ADE3-547A-078B-999311B4EAB3}"/>
+              </a:ext>
+            </a:extLst>
+          </p:cNvPr>
+          <p:cNvSpPr>
+            <a:spLocks noGrp="1"/>
+          </p:cNvSpPr>
+          <p:nvPr>
+            <p:ph idx="1"/>
+          </p:nvPr>
+        </p:nvSpPr>
+        <p:spPr/>
+        <p:txBody>
+          <a:bodyPr/>
+          <a:lstStyle/>
+          <a:p>
+            <a:pPr marL="0" indent="0">
+              <a:buNone/>
+            </a:pPr>
+            <a:r>
+              <a:rPr lang="en-GB" b="1" dirty="0"/>
+              <a:t>What is the main goal of dead code elimination in three-address code optimization?</a:t>
+            </a:r>
+          </a:p>
+          <a:p>
+            <a:pPr marL="514350" indent="-514350">
+              <a:buFont typeface="+mj-lt"/>
+              <a:buAutoNum type="alphaUcPeriod"/>
+            </a:pPr>
+            <a:r>
+              <a:rPr lang="en-GB" b="1" dirty="0">
+                <a:solidFill>
+                  <a:srgbClr val="00B050"/>
+                </a:solidFill>
+              </a:rPr>
+              <a:t>To remove statements that have no effect on the program's output</a:t>
+            </a:r>
+          </a:p>
+          <a:p>
+            <a:pPr marL="514350" indent="-514350">
+              <a:buFont typeface="+mj-lt"/>
+              <a:buAutoNum type="alphaUcPeriod"/>
+            </a:pPr>
+            <a:r>
+              <a:rPr lang="en-GB" dirty="0"/>
+              <a:t>To eliminate function calls with </a:t>
+            </a:r>
+            <a:r>
+              <a:rPr lang="en-GB" dirty="0" err="1"/>
+              <a:t>inlining</a:t>
+            </a:r>
+            <a:endParaRPr lang="en-GB" dirty="0"/>
+          </a:p>
+          <a:p>
+            <a:pPr marL="514350" indent="-514350">
+              <a:buFont typeface="+mj-lt"/>
+              <a:buAutoNum type="alphaUcPeriod"/>
+            </a:pPr>
+            <a:r>
+              <a:rPr lang="en-GB" dirty="0"/>
+              <a:t>To reduce the number of loop iterations</a:t>
+            </a:r>
+          </a:p>
+          <a:p>
+            <a:pPr marL="514350" indent="-514350">
+              <a:buFont typeface="+mj-lt"/>
+              <a:buAutoNum type="alphaUcPeriod"/>
+            </a:pPr>
+            <a:r>
+              <a:rPr lang="en-GB" dirty="0"/>
+              <a:t>To simplify arithmetic expressions</a:t>
+            </a:r>
+            <a:endParaRPr lang="en-SG" dirty="0"/>
+          </a:p>
+        </p:txBody>
+      </p:sp>
+    </p:spTree>
+    <p:extLst>
+      <p:ext uri="{BB962C8B-B14F-4D97-AF65-F5344CB8AC3E}">
+        <p14:creationId xmlns:p14="http://schemas.microsoft.com/office/powerpoint/2010/main" val="1199289294"/>
+      </p:ext>
+    </p:extLst>
+  </p:cSld>
+  <p:clrMapOvr>
+    <a:masterClrMapping/>
+  </p:clrMapOvr>
+</p:sld>
+</file>
+
+<file path=ppt/slides/slide72.xml><?xml version="1.0" encoding="utf-8"?>
+<p:sld xmlns:a="http://schemas.openxmlformats.org/drawingml/2006/main" xmlns:r="http://schemas.openxmlformats.org/officeDocument/2006/relationships" xmlns:p="http://schemas.openxmlformats.org/presentationml/2006/main">
+  <p:cSld>
+    <p:spTree>
+      <p:nvGrpSpPr>
+        <p:cNvPr id="1" name=""/>
+        <p:cNvGrpSpPr/>
+        <p:nvPr/>
+      </p:nvGrpSpPr>
+      <p:grpSpPr>
+        <a:xfrm>
+          <a:off x="0" y="0"/>
+          <a:ext cx="0" cy="0"/>
+          <a:chOff x="0" y="0"/>
+          <a:chExt cx="0" cy="0"/>
+        </a:xfrm>
+      </p:grpSpPr>
+      <p:sp>
+        <p:nvSpPr>
+          <p:cNvPr id="2" name="Title 1">
+            <a:extLst>
+              <a:ext uri="{FF2B5EF4-FFF2-40B4-BE49-F238E27FC236}">
+                <a16:creationId xmlns:a16="http://schemas.microsoft.com/office/drawing/2014/main" id="{E5F05DC3-6163-CE53-1100-F8F76ADF1403}"/>
+              </a:ext>
+            </a:extLst>
+          </p:cNvPr>
+          <p:cNvSpPr>
+            <a:spLocks noGrp="1"/>
+          </p:cNvSpPr>
+          <p:nvPr>
+            <p:ph type="title"/>
+          </p:nvPr>
+        </p:nvSpPr>
+        <p:spPr/>
+        <p:txBody>
+          <a:bodyPr/>
+          <a:lstStyle/>
+          <a:p>
+            <a:r>
+              <a:rPr lang="en-GB" dirty="0"/>
+              <a:t>Quiz time!</a:t>
+            </a:r>
+            <a:endParaRPr lang="en-SG" dirty="0"/>
+          </a:p>
+        </p:txBody>
+      </p:sp>
+      <p:sp>
+        <p:nvSpPr>
+          <p:cNvPr id="3" name="Content Placeholder 2">
+            <a:extLst>
+              <a:ext uri="{FF2B5EF4-FFF2-40B4-BE49-F238E27FC236}">
+                <a16:creationId xmlns:a16="http://schemas.microsoft.com/office/drawing/2014/main" id="{FAD8F649-C2B2-DCB7-642D-B15ACC446A44}"/>
+              </a:ext>
+            </a:extLst>
+          </p:cNvPr>
+          <p:cNvSpPr>
+            <a:spLocks noGrp="1"/>
+          </p:cNvSpPr>
+          <p:nvPr>
+            <p:ph idx="1"/>
+          </p:nvPr>
+        </p:nvSpPr>
+        <p:spPr/>
+        <p:txBody>
+          <a:bodyPr/>
+          <a:lstStyle/>
+          <a:p>
+            <a:pPr marL="0" indent="0">
+              <a:buNone/>
+            </a:pPr>
+            <a:r>
+              <a:rPr lang="en-GB" b="1" dirty="0"/>
+              <a:t>In three-address code optimization, which technique is used to replace occurrences of a variable with its assigned value if the value does not change in the meantime?</a:t>
+            </a:r>
+          </a:p>
+          <a:p>
+            <a:pPr marL="514350" indent="-514350">
+              <a:buFont typeface="+mj-lt"/>
+              <a:buAutoNum type="alphaUcPeriod"/>
+            </a:pPr>
+            <a:r>
+              <a:rPr lang="en-GB" dirty="0"/>
+              <a:t>Common subexpression elimination</a:t>
+            </a:r>
+          </a:p>
+          <a:p>
+            <a:pPr marL="514350" indent="-514350">
+              <a:buFont typeface="+mj-lt"/>
+              <a:buAutoNum type="alphaUcPeriod"/>
+            </a:pPr>
+            <a:r>
+              <a:rPr lang="en-GB" dirty="0"/>
+              <a:t>Dead code elimination </a:t>
+            </a:r>
+          </a:p>
+          <a:p>
+            <a:pPr marL="514350" indent="-514350">
+              <a:buFont typeface="+mj-lt"/>
+              <a:buAutoNum type="alphaUcPeriod"/>
+            </a:pPr>
+            <a:r>
+              <a:rPr lang="en-GB" dirty="0"/>
+              <a:t>Copy propagation</a:t>
+            </a:r>
+          </a:p>
+          <a:p>
+            <a:pPr marL="514350" indent="-514350">
+              <a:buFont typeface="+mj-lt"/>
+              <a:buAutoNum type="alphaUcPeriod"/>
+            </a:pPr>
+            <a:r>
+              <a:rPr lang="en-GB" dirty="0"/>
+              <a:t>Constant folding</a:t>
+            </a:r>
+            <a:endParaRPr lang="en-SG" dirty="0"/>
+          </a:p>
+        </p:txBody>
+      </p:sp>
+    </p:spTree>
+    <p:extLst>
+      <p:ext uri="{BB962C8B-B14F-4D97-AF65-F5344CB8AC3E}">
+        <p14:creationId xmlns:p14="http://schemas.microsoft.com/office/powerpoint/2010/main" val="3681165724"/>
+      </p:ext>
+    </p:extLst>
+  </p:cSld>
+  <p:clrMapOvr>
+    <a:masterClrMapping/>
+  </p:clrMapOvr>
+</p:sld>
+</file>
+
+<file path=ppt/slides/slide73.xml><?xml version="1.0" encoding="utf-8"?>
+<p:sld xmlns:a="http://schemas.openxmlformats.org/drawingml/2006/main" xmlns:r="http://schemas.openxmlformats.org/officeDocument/2006/relationships" xmlns:p="http://schemas.openxmlformats.org/presentationml/2006/main">
+  <p:cSld>
+    <p:spTree>
+      <p:nvGrpSpPr>
+        <p:cNvPr id="1" name=""/>
+        <p:cNvGrpSpPr/>
+        <p:nvPr/>
+      </p:nvGrpSpPr>
+      <p:grpSpPr>
+        <a:xfrm>
+          <a:off x="0" y="0"/>
+          <a:ext cx="0" cy="0"/>
+          <a:chOff x="0" y="0"/>
+          <a:chExt cx="0" cy="0"/>
+        </a:xfrm>
+      </p:grpSpPr>
+      <p:sp>
+        <p:nvSpPr>
+          <p:cNvPr id="2" name="Title 1">
+            <a:extLst>
+              <a:ext uri="{FF2B5EF4-FFF2-40B4-BE49-F238E27FC236}">
+                <a16:creationId xmlns:a16="http://schemas.microsoft.com/office/drawing/2014/main" id="{E5F05DC3-6163-CE53-1100-F8F76ADF1403}"/>
+              </a:ext>
+            </a:extLst>
+          </p:cNvPr>
+          <p:cNvSpPr>
+            <a:spLocks noGrp="1"/>
+          </p:cNvSpPr>
+          <p:nvPr>
+            <p:ph type="title"/>
+          </p:nvPr>
+        </p:nvSpPr>
+        <p:spPr/>
+        <p:txBody>
+          <a:bodyPr/>
+          <a:lstStyle/>
+          <a:p>
+            <a:r>
+              <a:rPr lang="en-GB" dirty="0"/>
+              <a:t>Quiz time!</a:t>
+            </a:r>
+            <a:endParaRPr lang="en-SG" dirty="0"/>
+          </a:p>
+        </p:txBody>
+      </p:sp>
+      <p:sp>
+        <p:nvSpPr>
+          <p:cNvPr id="3" name="Content Placeholder 2">
+            <a:extLst>
+              <a:ext uri="{FF2B5EF4-FFF2-40B4-BE49-F238E27FC236}">
+                <a16:creationId xmlns:a16="http://schemas.microsoft.com/office/drawing/2014/main" id="{FAD8F649-C2B2-DCB7-642D-B15ACC446A44}"/>
+              </a:ext>
+            </a:extLst>
+          </p:cNvPr>
+          <p:cNvSpPr>
+            <a:spLocks noGrp="1"/>
+          </p:cNvSpPr>
+          <p:nvPr>
+            <p:ph idx="1"/>
+          </p:nvPr>
+        </p:nvSpPr>
+        <p:spPr/>
+        <p:txBody>
+          <a:bodyPr/>
+          <a:lstStyle/>
+          <a:p>
+            <a:pPr marL="0" indent="0">
+              <a:buNone/>
+            </a:pPr>
+            <a:r>
+              <a:rPr lang="en-GB" b="1" dirty="0"/>
+              <a:t>In three-address code optimization, which technique is used to replace occurrences of a variable with its assigned value if the value does not change in the meantime?</a:t>
+            </a:r>
+          </a:p>
+          <a:p>
+            <a:pPr marL="514350" indent="-514350">
+              <a:buFont typeface="+mj-lt"/>
+              <a:buAutoNum type="alphaUcPeriod"/>
+            </a:pPr>
+            <a:r>
+              <a:rPr lang="en-GB" dirty="0"/>
+              <a:t>Common subexpression elimination</a:t>
+            </a:r>
+          </a:p>
+          <a:p>
+            <a:pPr marL="514350" indent="-514350">
+              <a:buFont typeface="+mj-lt"/>
+              <a:buAutoNum type="alphaUcPeriod"/>
+            </a:pPr>
+            <a:r>
+              <a:rPr lang="en-GB" dirty="0"/>
+              <a:t>Dead code elimination </a:t>
+            </a:r>
+          </a:p>
+          <a:p>
+            <a:pPr marL="514350" indent="-514350">
+              <a:buFont typeface="+mj-lt"/>
+              <a:buAutoNum type="alphaUcPeriod"/>
+            </a:pPr>
+            <a:r>
+              <a:rPr lang="en-GB" b="1" dirty="0">
+                <a:solidFill>
+                  <a:srgbClr val="00B050"/>
+                </a:solidFill>
+              </a:rPr>
+              <a:t>Copy propagation</a:t>
+            </a:r>
+          </a:p>
+          <a:p>
+            <a:pPr marL="514350" indent="-514350">
+              <a:buFont typeface="+mj-lt"/>
+              <a:buAutoNum type="alphaUcPeriod"/>
+            </a:pPr>
+            <a:r>
+              <a:rPr lang="en-GB" dirty="0"/>
+              <a:t>Constant folding</a:t>
+            </a:r>
+            <a:endParaRPr lang="en-SG" dirty="0"/>
+          </a:p>
+        </p:txBody>
+      </p:sp>
+    </p:spTree>
+    <p:extLst>
+      <p:ext uri="{BB962C8B-B14F-4D97-AF65-F5344CB8AC3E}">
+        <p14:creationId xmlns:p14="http://schemas.microsoft.com/office/powerpoint/2010/main" val="48325011"/>
+      </p:ext>
+    </p:extLst>
+  </p:cSld>
+  <p:clrMapOvr>
+    <a:masterClrMapping/>
+  </p:clrMapOvr>
+</p:sld>
+</file>
+
+<file path=ppt/slides/slide74.xml><?xml version="1.0" encoding="utf-8"?>
+<p:sld xmlns:a="http://schemas.openxmlformats.org/drawingml/2006/main" xmlns:r="http://schemas.openxmlformats.org/officeDocument/2006/relationships" xmlns:p="http://schemas.openxmlformats.org/presentationml/2006/main">
+  <p:cSld>
+    <p:spTree>
+      <p:nvGrpSpPr>
+        <p:cNvPr id="1" name=""/>
+        <p:cNvGrpSpPr/>
+        <p:nvPr/>
+      </p:nvGrpSpPr>
+      <p:grpSpPr>
+        <a:xfrm>
+          <a:off x="0" y="0"/>
+          <a:ext cx="0" cy="0"/>
+          <a:chOff x="0" y="0"/>
+          <a:chExt cx="0" cy="0"/>
+        </a:xfrm>
+      </p:grpSpPr>
+      <p:sp>
+        <p:nvSpPr>
+          <p:cNvPr id="2" name="Title 1">
+            <a:extLst>
+              <a:ext uri="{FF2B5EF4-FFF2-40B4-BE49-F238E27FC236}">
+                <a16:creationId xmlns:a16="http://schemas.microsoft.com/office/drawing/2014/main" id="{15A463E6-6AD4-6B21-C9FB-942C567487B9}"/>
+              </a:ext>
+            </a:extLst>
+          </p:cNvPr>
+          <p:cNvSpPr>
+            <a:spLocks noGrp="1"/>
+          </p:cNvSpPr>
+          <p:nvPr>
+            <p:ph type="title"/>
+          </p:nvPr>
+        </p:nvSpPr>
+        <p:spPr/>
+        <p:txBody>
+          <a:bodyPr/>
+          <a:lstStyle/>
+          <a:p>
+            <a:r>
+              <a:rPr lang="en-GB" dirty="0"/>
+              <a:t>Quiz time!</a:t>
+            </a:r>
+            <a:endParaRPr lang="en-SG" dirty="0"/>
+          </a:p>
+        </p:txBody>
+      </p:sp>
+      <p:sp>
+        <p:nvSpPr>
+          <p:cNvPr id="3" name="Content Placeholder 2">
+            <a:extLst>
+              <a:ext uri="{FF2B5EF4-FFF2-40B4-BE49-F238E27FC236}">
+                <a16:creationId xmlns:a16="http://schemas.microsoft.com/office/drawing/2014/main" id="{8E56053A-8A0B-8A8E-7BC4-699184E73B45}"/>
+              </a:ext>
+            </a:extLst>
+          </p:cNvPr>
+          <p:cNvSpPr>
+            <a:spLocks noGrp="1"/>
+          </p:cNvSpPr>
+          <p:nvPr>
+            <p:ph idx="1"/>
+          </p:nvPr>
+        </p:nvSpPr>
+        <p:spPr/>
+        <p:txBody>
+          <a:bodyPr/>
+          <a:lstStyle/>
+          <a:p>
+            <a:pPr marL="0" indent="0">
+              <a:buNone/>
+            </a:pPr>
+            <a:r>
+              <a:rPr lang="en-GB" b="1" dirty="0"/>
+              <a:t>Which of the following optimization techniques can be applied both locally and globally?</a:t>
+            </a:r>
+          </a:p>
+          <a:p>
+            <a:pPr marL="514350" indent="-514350">
+              <a:buFont typeface="+mj-lt"/>
+              <a:buAutoNum type="alphaUcPeriod"/>
+            </a:pPr>
+            <a:r>
+              <a:rPr lang="en-GB" dirty="0"/>
+              <a:t>Dead code elimination</a:t>
+            </a:r>
+          </a:p>
+          <a:p>
+            <a:pPr marL="514350" indent="-514350">
+              <a:buFont typeface="+mj-lt"/>
+              <a:buAutoNum type="alphaUcPeriod"/>
+            </a:pPr>
+            <a:r>
+              <a:rPr lang="en-GB" dirty="0"/>
+              <a:t>Constant folding</a:t>
+            </a:r>
+          </a:p>
+          <a:p>
+            <a:pPr marL="514350" indent="-514350">
+              <a:buFont typeface="+mj-lt"/>
+              <a:buAutoNum type="alphaUcPeriod"/>
+            </a:pPr>
+            <a:r>
+              <a:rPr lang="en-GB" dirty="0"/>
+              <a:t>Loop-invariant code motion</a:t>
+            </a:r>
+          </a:p>
+          <a:p>
+            <a:pPr marL="514350" indent="-514350">
+              <a:buFont typeface="+mj-lt"/>
+              <a:buAutoNum type="alphaUcPeriod"/>
+            </a:pPr>
+            <a:r>
+              <a:rPr lang="en-GB" dirty="0"/>
+              <a:t>Both A and B</a:t>
+            </a:r>
+            <a:endParaRPr lang="en-SG" dirty="0"/>
+          </a:p>
+        </p:txBody>
+      </p:sp>
+    </p:spTree>
+    <p:extLst>
+      <p:ext uri="{BB962C8B-B14F-4D97-AF65-F5344CB8AC3E}">
+        <p14:creationId xmlns:p14="http://schemas.microsoft.com/office/powerpoint/2010/main" val="2011251291"/>
+      </p:ext>
+    </p:extLst>
+  </p:cSld>
+  <p:clrMapOvr>
+    <a:masterClrMapping/>
+  </p:clrMapOvr>
+</p:sld>
+</file>
+
+<file path=ppt/slides/slide75.xml><?xml version="1.0" encoding="utf-8"?>
+<p:sld xmlns:a="http://schemas.openxmlformats.org/drawingml/2006/main" xmlns:r="http://schemas.openxmlformats.org/officeDocument/2006/relationships" xmlns:p="http://schemas.openxmlformats.org/presentationml/2006/main">
+  <p:cSld>
+    <p:spTree>
+      <p:nvGrpSpPr>
+        <p:cNvPr id="1" name=""/>
+        <p:cNvGrpSpPr/>
+        <p:nvPr/>
+      </p:nvGrpSpPr>
+      <p:grpSpPr>
+        <a:xfrm>
+          <a:off x="0" y="0"/>
+          <a:ext cx="0" cy="0"/>
+          <a:chOff x="0" y="0"/>
+          <a:chExt cx="0" cy="0"/>
+        </a:xfrm>
+      </p:grpSpPr>
+      <p:sp>
+        <p:nvSpPr>
+          <p:cNvPr id="2" name="Title 1">
+            <a:extLst>
+              <a:ext uri="{FF2B5EF4-FFF2-40B4-BE49-F238E27FC236}">
+                <a16:creationId xmlns:a16="http://schemas.microsoft.com/office/drawing/2014/main" id="{15A463E6-6AD4-6B21-C9FB-942C567487B9}"/>
+              </a:ext>
+            </a:extLst>
+          </p:cNvPr>
+          <p:cNvSpPr>
+            <a:spLocks noGrp="1"/>
+          </p:cNvSpPr>
+          <p:nvPr>
+            <p:ph type="title"/>
+          </p:nvPr>
+        </p:nvSpPr>
+        <p:spPr/>
+        <p:txBody>
+          <a:bodyPr/>
+          <a:lstStyle/>
+          <a:p>
+            <a:r>
+              <a:rPr lang="en-GB" dirty="0"/>
+              <a:t>Quiz time!</a:t>
+            </a:r>
+            <a:endParaRPr lang="en-SG" dirty="0"/>
+          </a:p>
+        </p:txBody>
+      </p:sp>
+      <p:sp>
+        <p:nvSpPr>
+          <p:cNvPr id="3" name="Content Placeholder 2">
+            <a:extLst>
+              <a:ext uri="{FF2B5EF4-FFF2-40B4-BE49-F238E27FC236}">
+                <a16:creationId xmlns:a16="http://schemas.microsoft.com/office/drawing/2014/main" id="{8E56053A-8A0B-8A8E-7BC4-699184E73B45}"/>
+              </a:ext>
+            </a:extLst>
+          </p:cNvPr>
+          <p:cNvSpPr>
+            <a:spLocks noGrp="1"/>
+          </p:cNvSpPr>
+          <p:nvPr>
+            <p:ph idx="1"/>
+          </p:nvPr>
+        </p:nvSpPr>
+        <p:spPr/>
+        <p:txBody>
+          <a:bodyPr/>
+          <a:lstStyle/>
+          <a:p>
+            <a:pPr marL="0" indent="0">
+              <a:buNone/>
+            </a:pPr>
+            <a:r>
+              <a:rPr lang="en-GB" b="1" dirty="0"/>
+              <a:t>Which of the following optimization techniques can be applied both locally and globally?</a:t>
+            </a:r>
+          </a:p>
+          <a:p>
+            <a:pPr marL="514350" indent="-514350">
+              <a:buFont typeface="+mj-lt"/>
+              <a:buAutoNum type="alphaUcPeriod"/>
+            </a:pPr>
+            <a:r>
+              <a:rPr lang="en-GB" dirty="0"/>
+              <a:t>Dead code elimination</a:t>
+            </a:r>
+          </a:p>
+          <a:p>
+            <a:pPr marL="514350" indent="-514350">
+              <a:buFont typeface="+mj-lt"/>
+              <a:buAutoNum type="alphaUcPeriod"/>
+            </a:pPr>
+            <a:r>
+              <a:rPr lang="en-GB" dirty="0"/>
+              <a:t>Constant folding</a:t>
+            </a:r>
+          </a:p>
+          <a:p>
+            <a:pPr marL="514350" indent="-514350">
+              <a:buFont typeface="+mj-lt"/>
+              <a:buAutoNum type="alphaUcPeriod"/>
+            </a:pPr>
+            <a:r>
+              <a:rPr lang="en-GB" dirty="0"/>
+              <a:t>Loop-invariant code motion</a:t>
+            </a:r>
+          </a:p>
+          <a:p>
+            <a:pPr marL="514350" indent="-514350">
+              <a:buFont typeface="+mj-lt"/>
+              <a:buAutoNum type="alphaUcPeriod"/>
+            </a:pPr>
+            <a:r>
+              <a:rPr lang="en-GB" b="1" dirty="0">
+                <a:solidFill>
+                  <a:srgbClr val="00B050"/>
+                </a:solidFill>
+              </a:rPr>
+              <a:t>Both A and B</a:t>
+            </a:r>
+            <a:endParaRPr lang="en-SG" b="1" dirty="0">
+              <a:solidFill>
+                <a:srgbClr val="00B050"/>
+              </a:solidFill>
+            </a:endParaRPr>
+          </a:p>
+        </p:txBody>
+      </p:sp>
+    </p:spTree>
+    <p:extLst>
+      <p:ext uri="{BB962C8B-B14F-4D97-AF65-F5344CB8AC3E}">
+        <p14:creationId xmlns:p14="http://schemas.microsoft.com/office/powerpoint/2010/main" val="2607341902"/>
+      </p:ext>
+    </p:extLst>
+  </p:cSld>
+  <p:clrMapOvr>
+    <a:masterClrMapping/>
+  </p:clrMapOvr>
+</p:sld>
+</file>
+
+<file path=ppt/slides/slide76.xml><?xml version="1.0" encoding="utf-8"?>
+<p:sld xmlns:a="http://schemas.openxmlformats.org/drawingml/2006/main" xmlns:r="http://schemas.openxmlformats.org/officeDocument/2006/relationships" xmlns:p="http://schemas.openxmlformats.org/presentationml/2006/main">
+  <p:cSld>
+    <p:spTree>
+      <p:nvGrpSpPr>
+        <p:cNvPr id="1" name=""/>
+        <p:cNvGrpSpPr/>
+        <p:nvPr/>
+      </p:nvGrpSpPr>
+      <p:grpSpPr>
+        <a:xfrm>
+          <a:off x="0" y="0"/>
+          <a:ext cx="0" cy="0"/>
+          <a:chOff x="0" y="0"/>
+          <a:chExt cx="0" cy="0"/>
+        </a:xfrm>
+      </p:grpSpPr>
+      <p:sp>
+        <p:nvSpPr>
+          <p:cNvPr id="2" name="Title 1">
+            <a:extLst>
+              <a:ext uri="{FF2B5EF4-FFF2-40B4-BE49-F238E27FC236}">
+                <a16:creationId xmlns:a16="http://schemas.microsoft.com/office/drawing/2014/main" id="{2BC52D38-330A-8A46-8ABB-8BCE1CC70D39}"/>
+              </a:ext>
+            </a:extLst>
+          </p:cNvPr>
+          <p:cNvSpPr>
+            <a:spLocks noGrp="1"/>
+          </p:cNvSpPr>
+          <p:nvPr>
+            <p:ph type="title"/>
+          </p:nvPr>
+        </p:nvSpPr>
+        <p:spPr/>
+        <p:txBody>
+          <a:bodyPr/>
+          <a:lstStyle/>
+          <a:p>
+            <a:r>
+              <a:rPr lang="en-GB" dirty="0"/>
+              <a:t>Implementing CP (almost like CSE)</a:t>
+            </a:r>
+            <a:endParaRPr lang="en-SG" dirty="0"/>
+          </a:p>
+        </p:txBody>
+      </p:sp>
+      <p:sp>
+        <p:nvSpPr>
+          <p:cNvPr id="3" name="Content Placeholder 2">
+            <a:extLst>
+              <a:ext uri="{FF2B5EF4-FFF2-40B4-BE49-F238E27FC236}">
+                <a16:creationId xmlns:a16="http://schemas.microsoft.com/office/drawing/2014/main" id="{93BC19C0-2BCB-0E50-9ACA-400F399B8A6C}"/>
+              </a:ext>
+            </a:extLst>
+          </p:cNvPr>
+          <p:cNvSpPr>
+            <a:spLocks noGrp="1"/>
+          </p:cNvSpPr>
+          <p:nvPr>
+            <p:ph idx="1"/>
+          </p:nvPr>
+        </p:nvSpPr>
+        <p:spPr>
+          <a:xfrm>
+            <a:off x="838200" y="1825624"/>
+            <a:ext cx="10515600" cy="5032375"/>
+          </a:xfrm>
+        </p:spPr>
+        <p:txBody>
+          <a:bodyPr>
+            <a:normAutofit/>
+          </a:bodyPr>
+          <a:lstStyle/>
+          <a:p>
+            <a:pPr marL="0" indent="0">
+              <a:buNone/>
+            </a:pPr>
+            <a:r>
+              <a:rPr lang="en-GB" b="1" dirty="0"/>
+              <a:t>Question (for now): </a:t>
+            </a:r>
+            <a:r>
+              <a:rPr lang="en-GB" dirty="0"/>
+              <a:t>Should it work for partial expressions also?</a:t>
+            </a:r>
+            <a:br>
+              <a:rPr lang="en-GB" dirty="0"/>
+            </a:br>
+            <a:r>
+              <a:rPr lang="en-GB" dirty="0"/>
+              <a:t>Should we replace the code as shown below?</a:t>
+            </a:r>
+            <a:br>
+              <a:rPr lang="en-GB" dirty="0"/>
+            </a:br>
+            <a:r>
+              <a:rPr lang="en-GB" dirty="0"/>
+              <a:t>What would change in the algorithm discussed in previous slide?</a:t>
+            </a:r>
+          </a:p>
+          <a:p>
+            <a:pPr marL="0" indent="0">
+              <a:buNone/>
+            </a:pPr>
+            <a:endParaRPr lang="en-GB" dirty="0"/>
+          </a:p>
+          <a:p>
+            <a:pPr marL="0" indent="0">
+              <a:buNone/>
+            </a:pPr>
+            <a:endParaRPr lang="en-GB" dirty="0"/>
+          </a:p>
+          <a:p>
+            <a:pPr marL="0" indent="0">
+              <a:buNone/>
+            </a:pPr>
+            <a:endParaRPr lang="en-GB" dirty="0"/>
+          </a:p>
+          <a:p>
+            <a:pPr marL="0" indent="0">
+              <a:buNone/>
+            </a:pPr>
+            <a:endParaRPr lang="en-GB" dirty="0"/>
+          </a:p>
+          <a:p>
+            <a:pPr marL="0" indent="0">
+              <a:buNone/>
+            </a:pPr>
+            <a:endParaRPr lang="en-GB" dirty="0"/>
+          </a:p>
+          <a:p>
+            <a:pPr marL="0" indent="0">
+              <a:buNone/>
+            </a:pPr>
+            <a:r>
+              <a:rPr lang="en-GB" b="1" dirty="0">
+                <a:solidFill>
+                  <a:schemeClr val="bg1">
+                    <a:lumMod val="50000"/>
+                  </a:schemeClr>
+                </a:solidFill>
+              </a:rPr>
+              <a:t>Practice (for later): </a:t>
+            </a:r>
+            <a:r>
+              <a:rPr lang="en-GB" dirty="0">
+                <a:solidFill>
+                  <a:schemeClr val="bg1">
+                    <a:lumMod val="50000"/>
+                  </a:schemeClr>
+                </a:solidFill>
+              </a:rPr>
+              <a:t>Following the idea of the implementation of the CSE optimization, could you figure out how to implement the full CP?</a:t>
+            </a:r>
+          </a:p>
+          <a:p>
+            <a:pPr marL="0" indent="0">
+              <a:buNone/>
+            </a:pPr>
+            <a:endParaRPr lang="en-SG" dirty="0"/>
+          </a:p>
+        </p:txBody>
+      </p:sp>
+      <p:sp>
+        <p:nvSpPr>
+          <p:cNvPr id="4" name="TextBox 3">
+            <a:extLst>
+              <a:ext uri="{FF2B5EF4-FFF2-40B4-BE49-F238E27FC236}">
+                <a16:creationId xmlns:a16="http://schemas.microsoft.com/office/drawing/2014/main" id="{5462A23C-7DB1-D084-2C28-550BCB99A7A9}"/>
+              </a:ext>
+            </a:extLst>
+          </p:cNvPr>
+          <p:cNvSpPr txBox="1"/>
+          <p:nvPr/>
+        </p:nvSpPr>
+        <p:spPr>
+          <a:xfrm>
+            <a:off x="1086338" y="3063631"/>
+            <a:ext cx="4353170" cy="2062103"/>
+          </a:xfrm>
+          <a:prstGeom prst="rect">
+            <a:avLst/>
+          </a:prstGeom>
+          <a:noFill/>
+        </p:spPr>
+        <p:txBody>
+          <a:bodyPr wrap="square" rtlCol="0">
+            <a:spAutoFit/>
+          </a:bodyPr>
+          <a:lstStyle/>
+          <a:p>
+            <a:pPr algn="ctr"/>
+            <a:r>
+              <a:rPr lang="en-GB" sz="3200" b="1" i="1" dirty="0">
+                <a:solidFill>
+                  <a:srgbClr val="00B050"/>
+                </a:solidFill>
+              </a:rPr>
+              <a:t>x = 4</a:t>
+            </a:r>
+          </a:p>
+          <a:p>
+            <a:pPr algn="ctr"/>
+            <a:r>
+              <a:rPr lang="en-GB" sz="3200" i="1" dirty="0"/>
+              <a:t>y = 2</a:t>
+            </a:r>
+          </a:p>
+          <a:p>
+            <a:pPr algn="ctr"/>
+            <a:r>
+              <a:rPr lang="en-GB" sz="3200" b="1" i="1" dirty="0">
+                <a:solidFill>
+                  <a:srgbClr val="00B050"/>
+                </a:solidFill>
+              </a:rPr>
+              <a:t>w = 4 </a:t>
+            </a:r>
+            <a:r>
+              <a:rPr lang="en-GB" sz="3200" i="1" dirty="0"/>
+              <a:t>+ y</a:t>
+            </a:r>
+          </a:p>
+          <a:p>
+            <a:pPr algn="ctr"/>
+            <a:r>
+              <a:rPr lang="en-GB" sz="3200" i="1" dirty="0"/>
+              <a:t>z = 2*w</a:t>
+            </a:r>
+            <a:endParaRPr lang="en-SG" sz="3200" i="1" dirty="0"/>
+          </a:p>
+        </p:txBody>
+      </p:sp>
+      <p:sp>
+        <p:nvSpPr>
+          <p:cNvPr id="5" name="TextBox 4">
+            <a:extLst>
+              <a:ext uri="{FF2B5EF4-FFF2-40B4-BE49-F238E27FC236}">
+                <a16:creationId xmlns:a16="http://schemas.microsoft.com/office/drawing/2014/main" id="{6486D35B-3C22-CCAB-9B50-37AE59CC76D9}"/>
+              </a:ext>
+            </a:extLst>
+          </p:cNvPr>
+          <p:cNvSpPr txBox="1"/>
+          <p:nvPr/>
+        </p:nvSpPr>
+        <p:spPr>
+          <a:xfrm>
+            <a:off x="6600094" y="3063631"/>
+            <a:ext cx="4353170" cy="2062103"/>
+          </a:xfrm>
+          <a:prstGeom prst="rect">
+            <a:avLst/>
+          </a:prstGeom>
+          <a:noFill/>
+        </p:spPr>
+        <p:txBody>
+          <a:bodyPr wrap="square" rtlCol="0">
+            <a:spAutoFit/>
+          </a:bodyPr>
+          <a:lstStyle/>
+          <a:p>
+            <a:pPr algn="ctr"/>
+            <a:r>
+              <a:rPr lang="en-GB" sz="3200" b="1" i="1" dirty="0">
+                <a:solidFill>
+                  <a:srgbClr val="00B050"/>
+                </a:solidFill>
+              </a:rPr>
+              <a:t>x = 4</a:t>
+            </a:r>
+          </a:p>
+          <a:p>
+            <a:pPr algn="ctr"/>
+            <a:r>
+              <a:rPr lang="en-GB" sz="3200" i="1" dirty="0"/>
+              <a:t>y = 2</a:t>
+            </a:r>
+          </a:p>
+          <a:p>
+            <a:pPr algn="ctr"/>
+            <a:r>
+              <a:rPr lang="en-GB" sz="3200" b="1" i="1" dirty="0">
+                <a:solidFill>
+                  <a:srgbClr val="00B050"/>
+                </a:solidFill>
+              </a:rPr>
+              <a:t>w = x </a:t>
+            </a:r>
+            <a:r>
+              <a:rPr lang="en-GB" sz="3200" i="1" dirty="0"/>
+              <a:t>+ y</a:t>
+            </a:r>
+          </a:p>
+          <a:p>
+            <a:pPr algn="ctr"/>
+            <a:r>
+              <a:rPr lang="en-GB" sz="3200" i="1" dirty="0"/>
+              <a:t>z = 2*w</a:t>
+            </a:r>
+            <a:endParaRPr lang="en-SG" sz="3200" i="1" dirty="0"/>
+          </a:p>
+        </p:txBody>
+      </p:sp>
+      <p:sp>
+        <p:nvSpPr>
+          <p:cNvPr id="6" name="Arrow: Right 5">
+            <a:extLst>
+              <a:ext uri="{FF2B5EF4-FFF2-40B4-BE49-F238E27FC236}">
+                <a16:creationId xmlns:a16="http://schemas.microsoft.com/office/drawing/2014/main" id="{78119F65-1FE5-6B28-B98A-977F63927BD6}"/>
+              </a:ext>
+            </a:extLst>
+          </p:cNvPr>
+          <p:cNvSpPr/>
+          <p:nvPr/>
+        </p:nvSpPr>
+        <p:spPr>
+          <a:xfrm>
+            <a:off x="4954954" y="3602893"/>
+            <a:ext cx="2532184" cy="1008184"/>
+          </a:xfrm>
+          <a:prstGeom prst="rightArrow">
+            <a:avLst/>
+          </a:prstGeom>
+        </p:spPr>
+        <p:style>
+          <a:lnRef idx="2">
+            <a:schemeClr val="dk1">
+              <a:shade val="50000"/>
+            </a:schemeClr>
+          </a:lnRef>
+          <a:fillRef idx="1">
+            <a:schemeClr val="dk1"/>
+          </a:fillRef>
+          <a:effectRef idx="0">
+            <a:schemeClr val="dk1"/>
+          </a:effectRef>
+          <a:fontRef idx="minor">
+            <a:schemeClr val="lt1"/>
+          </a:fontRef>
+        </p:style>
+        <p:txBody>
+          <a:bodyPr rtlCol="0" anchor="ctr"/>
+          <a:lstStyle/>
+          <a:p>
+            <a:pPr algn="ctr"/>
+            <a:endParaRPr lang="en-SG"/>
+          </a:p>
+        </p:txBody>
+      </p:sp>
+    </p:spTree>
+    <p:extLst>
+      <p:ext uri="{BB962C8B-B14F-4D97-AF65-F5344CB8AC3E}">
+        <p14:creationId xmlns:p14="http://schemas.microsoft.com/office/powerpoint/2010/main" val="1261878350"/>
+      </p:ext>
+    </p:extLst>
+  </p:cSld>
+  <p:clrMapOvr>
+    <a:masterClrMapping/>
+  </p:clrMapOvr>
+</p:sld>
+</file>
+
+<file path=ppt/slides/slide77.xml><?xml version="1.0" encoding="utf-8"?>
+<p:sld xmlns:a="http://schemas.openxmlformats.org/drawingml/2006/main" xmlns:r="http://schemas.openxmlformats.org/officeDocument/2006/relationships" xmlns:p="http://schemas.openxmlformats.org/presentationml/2006/main">
+  <p:cSld>
+    <p:spTree>
+      <p:nvGrpSpPr>
+        <p:cNvPr id="1" name=""/>
+        <p:cNvGrpSpPr/>
+        <p:nvPr/>
+      </p:nvGrpSpPr>
+      <p:grpSpPr>
+        <a:xfrm>
+          <a:off x="0" y="0"/>
+          <a:ext cx="0" cy="0"/>
+          <a:chOff x="0" y="0"/>
+          <a:chExt cx="0" cy="0"/>
+        </a:xfrm>
+      </p:grpSpPr>
+      <p:sp>
+        <p:nvSpPr>
+          <p:cNvPr id="2" name="Title 1">
+            <a:extLst>
+              <a:ext uri="{FF2B5EF4-FFF2-40B4-BE49-F238E27FC236}">
+                <a16:creationId xmlns:a16="http://schemas.microsoft.com/office/drawing/2014/main" id="{1E63C960-38EC-E288-8B7A-0EB14DA4408B}"/>
+              </a:ext>
+            </a:extLst>
+          </p:cNvPr>
+          <p:cNvSpPr>
+            <a:spLocks noGrp="1"/>
+          </p:cNvSpPr>
+          <p:nvPr>
+            <p:ph type="title"/>
+          </p:nvPr>
+        </p:nvSpPr>
+        <p:spPr/>
+        <p:txBody>
+          <a:bodyPr/>
+          <a:lstStyle/>
+          <a:p>
+            <a:r>
+              <a:rPr lang="en-GB" dirty="0"/>
+              <a:t>Live variables, in action</a:t>
+            </a:r>
+            <a:endParaRPr lang="en-SG" dirty="0"/>
+          </a:p>
+        </p:txBody>
+      </p:sp>
+      <p:sp>
+        <p:nvSpPr>
+          <p:cNvPr id="3" name="Content Placeholder 2">
+            <a:extLst>
+              <a:ext uri="{FF2B5EF4-FFF2-40B4-BE49-F238E27FC236}">
+                <a16:creationId xmlns:a16="http://schemas.microsoft.com/office/drawing/2014/main" id="{E21DF8F1-FD8C-18B1-2128-6679A4FD8A95}"/>
+              </a:ext>
+            </a:extLst>
+          </p:cNvPr>
+          <p:cNvSpPr>
+            <a:spLocks noGrp="1"/>
+          </p:cNvSpPr>
+          <p:nvPr>
+            <p:ph idx="1"/>
+          </p:nvPr>
+        </p:nvSpPr>
+        <p:spPr>
+          <a:xfrm>
+            <a:off x="838200" y="1508370"/>
+            <a:ext cx="10515600" cy="5220676"/>
+          </a:xfrm>
+        </p:spPr>
+        <p:txBody>
+          <a:bodyPr>
+            <a:normAutofit/>
+          </a:bodyPr>
+          <a:lstStyle/>
+          <a:p>
+            <a:pPr marL="0" indent="0" algn="ctr">
+              <a:buNone/>
+            </a:pPr>
+            <a:r>
+              <a:rPr lang="pt-BR" i="1" dirty="0"/>
+              <a:t>a = b;</a:t>
+            </a:r>
+          </a:p>
+          <a:p>
+            <a:pPr marL="0" indent="0" algn="ctr">
+              <a:buNone/>
+            </a:pPr>
+            <a:r>
+              <a:rPr lang="pt-BR" i="1" dirty="0"/>
+              <a:t>d = a + b;</a:t>
+            </a:r>
+          </a:p>
+          <a:p>
+            <a:pPr marL="0" indent="0" algn="ctr">
+              <a:buNone/>
+            </a:pPr>
+            <a:r>
+              <a:rPr lang="pt-BR" i="1" dirty="0"/>
+              <a:t>d = a;</a:t>
+            </a:r>
+            <a:endParaRPr lang="pt-BR" dirty="0"/>
+          </a:p>
+          <a:p>
+            <a:pPr marL="0" indent="0" algn="ctr">
+              <a:buNone/>
+            </a:pPr>
+            <a:r>
+              <a:rPr lang="pt-BR" i="1" dirty="0"/>
+              <a:t>printf(b, d)</a:t>
+            </a:r>
+          </a:p>
+          <a:p>
+            <a:pPr marL="0" indent="0" algn="ctr">
+              <a:buNone/>
+            </a:pPr>
+            <a:endParaRPr lang="pt-BR" i="1" dirty="0"/>
+          </a:p>
+          <a:p>
+            <a:pPr marL="0" indent="0">
+              <a:buNone/>
+            </a:pPr>
+            <a:endParaRPr lang="en-GB" dirty="0">
+              <a:solidFill>
+                <a:schemeClr val="bg1">
+                  <a:lumMod val="50000"/>
+                </a:schemeClr>
+              </a:solidFill>
+            </a:endParaRPr>
+          </a:p>
+          <a:p>
+            <a:pPr marL="0" indent="0">
+              <a:buNone/>
+            </a:pPr>
+            <a:r>
+              <a:rPr lang="en-GB" b="1" dirty="0">
+                <a:solidFill>
+                  <a:schemeClr val="bg1">
+                    <a:lumMod val="50000"/>
+                  </a:schemeClr>
+                </a:solidFill>
+              </a:rPr>
+              <a:t>Practice (for later): </a:t>
+            </a:r>
+            <a:r>
+              <a:rPr lang="en-GB" dirty="0">
+                <a:solidFill>
+                  <a:schemeClr val="bg1">
+                    <a:lumMod val="50000"/>
+                  </a:schemeClr>
+                </a:solidFill>
+              </a:rPr>
+              <a:t>How would you implement the DCE optimization?</a:t>
+            </a:r>
+          </a:p>
+          <a:p>
+            <a:pPr marL="0" indent="0">
+              <a:buNone/>
+            </a:pPr>
+            <a:r>
+              <a:rPr lang="en-GB" dirty="0">
+                <a:solidFill>
+                  <a:schemeClr val="bg1">
+                    <a:lumMod val="50000"/>
+                  </a:schemeClr>
+                </a:solidFill>
+              </a:rPr>
+              <a:t>Is it again similar to what the CSE and CP do?</a:t>
+            </a:r>
+          </a:p>
+        </p:txBody>
+      </p:sp>
+      <p:sp>
+        <p:nvSpPr>
+          <p:cNvPr id="4" name="TextBox 3">
+            <a:extLst>
+              <a:ext uri="{FF2B5EF4-FFF2-40B4-BE49-F238E27FC236}">
+                <a16:creationId xmlns:a16="http://schemas.microsoft.com/office/drawing/2014/main" id="{590711A0-8EBB-EB88-69FE-9C06DCB3245D}"/>
+              </a:ext>
+            </a:extLst>
+          </p:cNvPr>
+          <p:cNvSpPr txBox="1"/>
+          <p:nvPr/>
+        </p:nvSpPr>
+        <p:spPr>
+          <a:xfrm>
+            <a:off x="8682893" y="1424965"/>
+            <a:ext cx="2907323" cy="2308324"/>
+          </a:xfrm>
+          <a:prstGeom prst="rect">
+            <a:avLst/>
+          </a:prstGeom>
+          <a:noFill/>
+        </p:spPr>
+        <p:txBody>
+          <a:bodyPr wrap="square" rtlCol="0">
+            <a:spAutoFit/>
+          </a:bodyPr>
+          <a:lstStyle/>
+          <a:p>
+            <a:r>
+              <a:rPr lang="en-GB" sz="2400" dirty="0"/>
+              <a:t>Rinse and repeat the process once more!</a:t>
+            </a:r>
+          </a:p>
+          <a:p>
+            <a:pPr marL="342900" indent="-342900">
+              <a:buFont typeface="Arial" panose="020B0604020202020204" pitchFamily="34" charset="0"/>
+              <a:buChar char="•"/>
+            </a:pPr>
+            <a:r>
+              <a:rPr lang="en-GB" sz="2400" b="1" dirty="0"/>
+              <a:t>Step 1: </a:t>
+            </a:r>
+            <a:r>
+              <a:rPr lang="en-GB" sz="2400" dirty="0"/>
+              <a:t>Liveness analysis, first.</a:t>
+            </a:r>
+          </a:p>
+          <a:p>
+            <a:pPr marL="342900" indent="-342900">
+              <a:buFont typeface="Arial" panose="020B0604020202020204" pitchFamily="34" charset="0"/>
+              <a:buChar char="•"/>
+            </a:pPr>
+            <a:r>
+              <a:rPr lang="en-GB" sz="2400" b="1" dirty="0"/>
+              <a:t>Step 2: </a:t>
+            </a:r>
+            <a:r>
+              <a:rPr lang="en-GB" sz="2400" dirty="0"/>
+              <a:t>Dead code elimination, again.</a:t>
+            </a:r>
+            <a:endParaRPr lang="en-SG" sz="2400" dirty="0"/>
+          </a:p>
+        </p:txBody>
+      </p:sp>
+    </p:spTree>
+    <p:extLst>
+      <p:ext uri="{BB962C8B-B14F-4D97-AF65-F5344CB8AC3E}">
+        <p14:creationId xmlns:p14="http://schemas.microsoft.com/office/powerpoint/2010/main" val="1776332178"/>
+      </p:ext>
+    </p:extLst>
+  </p:cSld>
+  <p:clrMapOvr>
+    <a:masterClrMapping/>
+  </p:clrMapOvr>
+</p:sld>
+</file>
+
+<file path=ppt/slides/slide78.xml><?xml version="1.0" encoding="utf-8"?>
+<p:sld xmlns:a="http://schemas.openxmlformats.org/drawingml/2006/main" xmlns:r="http://schemas.openxmlformats.org/officeDocument/2006/relationships" xmlns:p="http://schemas.openxmlformats.org/presentationml/2006/main">
+  <p:cSld>
+    <p:spTree>
+      <p:nvGrpSpPr>
+        <p:cNvPr id="1" name=""/>
+        <p:cNvGrpSpPr/>
+        <p:nvPr/>
+      </p:nvGrpSpPr>
+      <p:grpSpPr>
+        <a:xfrm>
+          <a:off x="0" y="0"/>
+          <a:ext cx="0" cy="0"/>
+          <a:chOff x="0" y="0"/>
+          <a:chExt cx="0" cy="0"/>
+        </a:xfrm>
+      </p:grpSpPr>
+      <p:sp>
+        <p:nvSpPr>
+          <p:cNvPr id="2" name="Title 1">
+            <a:extLst>
+              <a:ext uri="{FF2B5EF4-FFF2-40B4-BE49-F238E27FC236}">
+                <a16:creationId xmlns:a16="http://schemas.microsoft.com/office/drawing/2014/main" id="{40145DDB-1807-1689-8A0E-90EACCDD539A}"/>
+              </a:ext>
+            </a:extLst>
+          </p:cNvPr>
+          <p:cNvSpPr>
+            <a:spLocks noGrp="1"/>
+          </p:cNvSpPr>
+          <p:nvPr>
+            <p:ph type="title"/>
+          </p:nvPr>
+        </p:nvSpPr>
+        <p:spPr/>
+        <p:txBody>
+          <a:bodyPr/>
+          <a:lstStyle/>
+          <a:p>
+            <a:r>
+              <a:rPr lang="en-GB" dirty="0"/>
+              <a:t>Combining the local optimization techniques</a:t>
+            </a:r>
+            <a:endParaRPr lang="en-SG" dirty="0"/>
+          </a:p>
+        </p:txBody>
+      </p:sp>
+      <p:sp>
+        <p:nvSpPr>
+          <p:cNvPr id="3" name="Content Placeholder 2">
+            <a:extLst>
+              <a:ext uri="{FF2B5EF4-FFF2-40B4-BE49-F238E27FC236}">
+                <a16:creationId xmlns:a16="http://schemas.microsoft.com/office/drawing/2014/main" id="{EDE17E52-4CE0-62A8-4183-47811CF62950}"/>
+              </a:ext>
+            </a:extLst>
+          </p:cNvPr>
+          <p:cNvSpPr>
+            <a:spLocks noGrp="1"/>
+          </p:cNvSpPr>
+          <p:nvPr>
+            <p:ph idx="1"/>
+          </p:nvPr>
+        </p:nvSpPr>
+        <p:spPr>
+          <a:xfrm>
+            <a:off x="838200" y="1825624"/>
+            <a:ext cx="10515600" cy="5032375"/>
+          </a:xfrm>
+        </p:spPr>
+        <p:txBody>
+          <a:bodyPr>
+            <a:normAutofit/>
+          </a:bodyPr>
+          <a:lstStyle/>
+          <a:p>
+            <a:pPr marL="0" indent="0">
+              <a:buNone/>
+            </a:pPr>
+            <a:r>
+              <a:rPr lang="en-GB" dirty="0"/>
+              <a:t>The different optimizations we have seen so far all take care of just a small piece of the optimization.</a:t>
+            </a:r>
+          </a:p>
+          <a:p>
+            <a:r>
+              <a:rPr lang="en-GB" b="1" dirty="0"/>
+              <a:t>Common subexpression elimination eliminates unnecessary statements.</a:t>
+            </a:r>
+          </a:p>
+          <a:p>
+            <a:r>
+              <a:rPr lang="en-GB" b="1" dirty="0"/>
+              <a:t>Copy propagation helps identify dead code.</a:t>
+            </a:r>
+          </a:p>
+          <a:p>
+            <a:r>
+              <a:rPr lang="en-GB" b="1" dirty="0"/>
+              <a:t>Dead code elimination removes statements that are no longer needed.</a:t>
+            </a:r>
+          </a:p>
+          <a:p>
+            <a:pPr marL="0" indent="0">
+              <a:buNone/>
+            </a:pPr>
+            <a:endParaRPr lang="en-GB" dirty="0"/>
+          </a:p>
+          <a:p>
+            <a:pPr marL="0" indent="0">
+              <a:buNone/>
+            </a:pPr>
+            <a:r>
+              <a:rPr lang="en-GB" b="1" dirty="0">
+                <a:solidFill>
+                  <a:schemeClr val="bg1">
+                    <a:lumMod val="50000"/>
+                  </a:schemeClr>
+                </a:solidFill>
+              </a:rPr>
+              <a:t>Practice: </a:t>
+            </a:r>
+            <a:r>
+              <a:rPr lang="en-GB" dirty="0">
+                <a:solidFill>
+                  <a:schemeClr val="bg1">
+                    <a:lumMod val="50000"/>
+                  </a:schemeClr>
+                </a:solidFill>
+              </a:rPr>
+              <a:t>how would you implement these operations to get maximum effect? We may have to apply these them several times in a row.</a:t>
+            </a:r>
+            <a:endParaRPr lang="en-SG" dirty="0">
+              <a:solidFill>
+                <a:schemeClr val="bg1">
+                  <a:lumMod val="50000"/>
+                </a:schemeClr>
+              </a:solidFill>
+            </a:endParaRPr>
+          </a:p>
+        </p:txBody>
+      </p:sp>
+    </p:spTree>
+    <p:extLst>
+      <p:ext uri="{BB962C8B-B14F-4D97-AF65-F5344CB8AC3E}">
+        <p14:creationId xmlns:p14="http://schemas.microsoft.com/office/powerpoint/2010/main" val="2313253270"/>
       </p:ext>
     </p:extLst>
   </p:cSld>
@@ -38925,1444 +37751,6 @@
     <p:extLst>
       <p:ext uri="{BB962C8B-B14F-4D97-AF65-F5344CB8AC3E}">
         <p14:creationId xmlns:p14="http://schemas.microsoft.com/office/powerpoint/2010/main" val="1061109222"/>
-      </p:ext>
-    </p:extLst>
-  </p:cSld>
-  <p:clrMapOvr>
-    <a:masterClrMapping/>
-  </p:clrMapOvr>
-</p:sld>
-</file>
-
-<file path=ppt/slides/slide80.xml><?xml version="1.0" encoding="utf-8"?>
-<p:sld xmlns:a="http://schemas.openxmlformats.org/drawingml/2006/main" xmlns:r="http://schemas.openxmlformats.org/officeDocument/2006/relationships" xmlns:p="http://schemas.openxmlformats.org/presentationml/2006/main">
-  <p:cSld>
-    <p:spTree>
-      <p:nvGrpSpPr>
-        <p:cNvPr id="1" name=""/>
-        <p:cNvGrpSpPr/>
-        <p:nvPr/>
-      </p:nvGrpSpPr>
-      <p:grpSpPr>
-        <a:xfrm>
-          <a:off x="0" y="0"/>
-          <a:ext cx="0" cy="0"/>
-          <a:chOff x="0" y="0"/>
-          <a:chExt cx="0" cy="0"/>
-        </a:xfrm>
-      </p:grpSpPr>
-      <p:sp>
-        <p:nvSpPr>
-          <p:cNvPr id="2" name="Title 1">
-            <a:extLst>
-              <a:ext uri="{FF2B5EF4-FFF2-40B4-BE49-F238E27FC236}">
-                <a16:creationId xmlns:a16="http://schemas.microsoft.com/office/drawing/2014/main" id="{5FA9EF4B-9CD1-8FE4-A1B4-F64172F28996}"/>
-              </a:ext>
-            </a:extLst>
-          </p:cNvPr>
-          <p:cNvSpPr>
-            <a:spLocks noGrp="1"/>
-          </p:cNvSpPr>
-          <p:nvPr>
-            <p:ph type="title"/>
-          </p:nvPr>
-        </p:nvSpPr>
-        <p:spPr/>
-        <p:txBody>
-          <a:bodyPr/>
-          <a:lstStyle/>
-          <a:p>
-            <a:r>
-              <a:rPr lang="en-GB" dirty="0"/>
-              <a:t>Quiz time!</a:t>
-            </a:r>
-            <a:endParaRPr lang="en-SG" dirty="0"/>
-          </a:p>
-        </p:txBody>
-      </p:sp>
-      <p:sp>
-        <p:nvSpPr>
-          <p:cNvPr id="3" name="Content Placeholder 2">
-            <a:extLst>
-              <a:ext uri="{FF2B5EF4-FFF2-40B4-BE49-F238E27FC236}">
-                <a16:creationId xmlns:a16="http://schemas.microsoft.com/office/drawing/2014/main" id="{BA4C42E6-ADE3-547A-078B-999311B4EAB3}"/>
-              </a:ext>
-            </a:extLst>
-          </p:cNvPr>
-          <p:cNvSpPr>
-            <a:spLocks noGrp="1"/>
-          </p:cNvSpPr>
-          <p:nvPr>
-            <p:ph idx="1"/>
-          </p:nvPr>
-        </p:nvSpPr>
-        <p:spPr/>
-        <p:txBody>
-          <a:bodyPr/>
-          <a:lstStyle/>
-          <a:p>
-            <a:pPr marL="0" indent="0">
-              <a:buNone/>
-            </a:pPr>
-            <a:r>
-              <a:rPr lang="en-GB" b="1" dirty="0"/>
-              <a:t>What is the main goal of dead code elimination in three-address code optimization?</a:t>
-            </a:r>
-          </a:p>
-          <a:p>
-            <a:pPr marL="514350" indent="-514350">
-              <a:buFont typeface="+mj-lt"/>
-              <a:buAutoNum type="alphaUcPeriod"/>
-            </a:pPr>
-            <a:r>
-              <a:rPr lang="en-GB" b="1" dirty="0">
-                <a:solidFill>
-                  <a:srgbClr val="00B050"/>
-                </a:solidFill>
-              </a:rPr>
-              <a:t>To remove statements that have no effect on the program's output</a:t>
-            </a:r>
-          </a:p>
-          <a:p>
-            <a:pPr marL="514350" indent="-514350">
-              <a:buFont typeface="+mj-lt"/>
-              <a:buAutoNum type="alphaUcPeriod"/>
-            </a:pPr>
-            <a:r>
-              <a:rPr lang="en-GB" dirty="0"/>
-              <a:t>To eliminate function calls with </a:t>
-            </a:r>
-            <a:r>
-              <a:rPr lang="en-GB" dirty="0" err="1"/>
-              <a:t>inlining</a:t>
-            </a:r>
-            <a:endParaRPr lang="en-GB" dirty="0"/>
-          </a:p>
-          <a:p>
-            <a:pPr marL="514350" indent="-514350">
-              <a:buFont typeface="+mj-lt"/>
-              <a:buAutoNum type="alphaUcPeriod"/>
-            </a:pPr>
-            <a:r>
-              <a:rPr lang="en-GB" dirty="0"/>
-              <a:t>To reduce the number of loop iterations</a:t>
-            </a:r>
-          </a:p>
-          <a:p>
-            <a:pPr marL="514350" indent="-514350">
-              <a:buFont typeface="+mj-lt"/>
-              <a:buAutoNum type="alphaUcPeriod"/>
-            </a:pPr>
-            <a:r>
-              <a:rPr lang="en-GB" dirty="0"/>
-              <a:t>To simplify arithmetic expressions</a:t>
-            </a:r>
-            <a:endParaRPr lang="en-SG" dirty="0"/>
-          </a:p>
-        </p:txBody>
-      </p:sp>
-    </p:spTree>
-    <p:extLst>
-      <p:ext uri="{BB962C8B-B14F-4D97-AF65-F5344CB8AC3E}">
-        <p14:creationId xmlns:p14="http://schemas.microsoft.com/office/powerpoint/2010/main" val="1199289294"/>
-      </p:ext>
-    </p:extLst>
-  </p:cSld>
-  <p:clrMapOvr>
-    <a:masterClrMapping/>
-  </p:clrMapOvr>
-</p:sld>
-</file>
-
-<file path=ppt/slides/slide81.xml><?xml version="1.0" encoding="utf-8"?>
-<p:sld xmlns:a="http://schemas.openxmlformats.org/drawingml/2006/main" xmlns:r="http://schemas.openxmlformats.org/officeDocument/2006/relationships" xmlns:p="http://schemas.openxmlformats.org/presentationml/2006/main">
-  <p:cSld>
-    <p:spTree>
-      <p:nvGrpSpPr>
-        <p:cNvPr id="1" name=""/>
-        <p:cNvGrpSpPr/>
-        <p:nvPr/>
-      </p:nvGrpSpPr>
-      <p:grpSpPr>
-        <a:xfrm>
-          <a:off x="0" y="0"/>
-          <a:ext cx="0" cy="0"/>
-          <a:chOff x="0" y="0"/>
-          <a:chExt cx="0" cy="0"/>
-        </a:xfrm>
-      </p:grpSpPr>
-      <p:sp>
-        <p:nvSpPr>
-          <p:cNvPr id="2" name="Title 1">
-            <a:extLst>
-              <a:ext uri="{FF2B5EF4-FFF2-40B4-BE49-F238E27FC236}">
-                <a16:creationId xmlns:a16="http://schemas.microsoft.com/office/drawing/2014/main" id="{E5F05DC3-6163-CE53-1100-F8F76ADF1403}"/>
-              </a:ext>
-            </a:extLst>
-          </p:cNvPr>
-          <p:cNvSpPr>
-            <a:spLocks noGrp="1"/>
-          </p:cNvSpPr>
-          <p:nvPr>
-            <p:ph type="title"/>
-          </p:nvPr>
-        </p:nvSpPr>
-        <p:spPr/>
-        <p:txBody>
-          <a:bodyPr/>
-          <a:lstStyle/>
-          <a:p>
-            <a:r>
-              <a:rPr lang="en-GB" dirty="0"/>
-              <a:t>Quiz time!</a:t>
-            </a:r>
-            <a:endParaRPr lang="en-SG" dirty="0"/>
-          </a:p>
-        </p:txBody>
-      </p:sp>
-      <p:sp>
-        <p:nvSpPr>
-          <p:cNvPr id="3" name="Content Placeholder 2">
-            <a:extLst>
-              <a:ext uri="{FF2B5EF4-FFF2-40B4-BE49-F238E27FC236}">
-                <a16:creationId xmlns:a16="http://schemas.microsoft.com/office/drawing/2014/main" id="{FAD8F649-C2B2-DCB7-642D-B15ACC446A44}"/>
-              </a:ext>
-            </a:extLst>
-          </p:cNvPr>
-          <p:cNvSpPr>
-            <a:spLocks noGrp="1"/>
-          </p:cNvSpPr>
-          <p:nvPr>
-            <p:ph idx="1"/>
-          </p:nvPr>
-        </p:nvSpPr>
-        <p:spPr/>
-        <p:txBody>
-          <a:bodyPr/>
-          <a:lstStyle/>
-          <a:p>
-            <a:pPr marL="0" indent="0">
-              <a:buNone/>
-            </a:pPr>
-            <a:r>
-              <a:rPr lang="en-GB" b="1" dirty="0"/>
-              <a:t>In three-address code optimization, which technique is used to replace occurrences of a variable with its assigned value if the value does not change in the meantime?</a:t>
-            </a:r>
-          </a:p>
-          <a:p>
-            <a:pPr marL="514350" indent="-514350">
-              <a:buFont typeface="+mj-lt"/>
-              <a:buAutoNum type="alphaUcPeriod"/>
-            </a:pPr>
-            <a:r>
-              <a:rPr lang="en-GB" dirty="0"/>
-              <a:t>Common subexpression elimination</a:t>
-            </a:r>
-          </a:p>
-          <a:p>
-            <a:pPr marL="514350" indent="-514350">
-              <a:buFont typeface="+mj-lt"/>
-              <a:buAutoNum type="alphaUcPeriod"/>
-            </a:pPr>
-            <a:r>
-              <a:rPr lang="en-GB" dirty="0"/>
-              <a:t>Dead code elimination </a:t>
-            </a:r>
-          </a:p>
-          <a:p>
-            <a:pPr marL="514350" indent="-514350">
-              <a:buFont typeface="+mj-lt"/>
-              <a:buAutoNum type="alphaUcPeriod"/>
-            </a:pPr>
-            <a:r>
-              <a:rPr lang="en-GB" dirty="0"/>
-              <a:t>Copy propagation</a:t>
-            </a:r>
-          </a:p>
-          <a:p>
-            <a:pPr marL="514350" indent="-514350">
-              <a:buFont typeface="+mj-lt"/>
-              <a:buAutoNum type="alphaUcPeriod"/>
-            </a:pPr>
-            <a:r>
-              <a:rPr lang="en-GB" dirty="0"/>
-              <a:t>Constant folding</a:t>
-            </a:r>
-            <a:endParaRPr lang="en-SG" dirty="0"/>
-          </a:p>
-        </p:txBody>
-      </p:sp>
-    </p:spTree>
-    <p:extLst>
-      <p:ext uri="{BB962C8B-B14F-4D97-AF65-F5344CB8AC3E}">
-        <p14:creationId xmlns:p14="http://schemas.microsoft.com/office/powerpoint/2010/main" val="3681165724"/>
-      </p:ext>
-    </p:extLst>
-  </p:cSld>
-  <p:clrMapOvr>
-    <a:masterClrMapping/>
-  </p:clrMapOvr>
-</p:sld>
-</file>
-
-<file path=ppt/slides/slide82.xml><?xml version="1.0" encoding="utf-8"?>
-<p:sld xmlns:a="http://schemas.openxmlformats.org/drawingml/2006/main" xmlns:r="http://schemas.openxmlformats.org/officeDocument/2006/relationships" xmlns:p="http://schemas.openxmlformats.org/presentationml/2006/main">
-  <p:cSld>
-    <p:spTree>
-      <p:nvGrpSpPr>
-        <p:cNvPr id="1" name=""/>
-        <p:cNvGrpSpPr/>
-        <p:nvPr/>
-      </p:nvGrpSpPr>
-      <p:grpSpPr>
-        <a:xfrm>
-          <a:off x="0" y="0"/>
-          <a:ext cx="0" cy="0"/>
-          <a:chOff x="0" y="0"/>
-          <a:chExt cx="0" cy="0"/>
-        </a:xfrm>
-      </p:grpSpPr>
-      <p:sp>
-        <p:nvSpPr>
-          <p:cNvPr id="2" name="Title 1">
-            <a:extLst>
-              <a:ext uri="{FF2B5EF4-FFF2-40B4-BE49-F238E27FC236}">
-                <a16:creationId xmlns:a16="http://schemas.microsoft.com/office/drawing/2014/main" id="{E5F05DC3-6163-CE53-1100-F8F76ADF1403}"/>
-              </a:ext>
-            </a:extLst>
-          </p:cNvPr>
-          <p:cNvSpPr>
-            <a:spLocks noGrp="1"/>
-          </p:cNvSpPr>
-          <p:nvPr>
-            <p:ph type="title"/>
-          </p:nvPr>
-        </p:nvSpPr>
-        <p:spPr/>
-        <p:txBody>
-          <a:bodyPr/>
-          <a:lstStyle/>
-          <a:p>
-            <a:r>
-              <a:rPr lang="en-GB" dirty="0"/>
-              <a:t>Quiz time!</a:t>
-            </a:r>
-            <a:endParaRPr lang="en-SG" dirty="0"/>
-          </a:p>
-        </p:txBody>
-      </p:sp>
-      <p:sp>
-        <p:nvSpPr>
-          <p:cNvPr id="3" name="Content Placeholder 2">
-            <a:extLst>
-              <a:ext uri="{FF2B5EF4-FFF2-40B4-BE49-F238E27FC236}">
-                <a16:creationId xmlns:a16="http://schemas.microsoft.com/office/drawing/2014/main" id="{FAD8F649-C2B2-DCB7-642D-B15ACC446A44}"/>
-              </a:ext>
-            </a:extLst>
-          </p:cNvPr>
-          <p:cNvSpPr>
-            <a:spLocks noGrp="1"/>
-          </p:cNvSpPr>
-          <p:nvPr>
-            <p:ph idx="1"/>
-          </p:nvPr>
-        </p:nvSpPr>
-        <p:spPr/>
-        <p:txBody>
-          <a:bodyPr/>
-          <a:lstStyle/>
-          <a:p>
-            <a:pPr marL="0" indent="0">
-              <a:buNone/>
-            </a:pPr>
-            <a:r>
-              <a:rPr lang="en-GB" b="1" dirty="0"/>
-              <a:t>In three-address code optimization, which technique is used to replace occurrences of a variable with its assigned value if the value does not change in the meantime?</a:t>
-            </a:r>
-          </a:p>
-          <a:p>
-            <a:pPr marL="514350" indent="-514350">
-              <a:buFont typeface="+mj-lt"/>
-              <a:buAutoNum type="alphaUcPeriod"/>
-            </a:pPr>
-            <a:r>
-              <a:rPr lang="en-GB" dirty="0"/>
-              <a:t>Common subexpression elimination</a:t>
-            </a:r>
-          </a:p>
-          <a:p>
-            <a:pPr marL="514350" indent="-514350">
-              <a:buFont typeface="+mj-lt"/>
-              <a:buAutoNum type="alphaUcPeriod"/>
-            </a:pPr>
-            <a:r>
-              <a:rPr lang="en-GB" dirty="0"/>
-              <a:t>Dead code elimination </a:t>
-            </a:r>
-          </a:p>
-          <a:p>
-            <a:pPr marL="514350" indent="-514350">
-              <a:buFont typeface="+mj-lt"/>
-              <a:buAutoNum type="alphaUcPeriod"/>
-            </a:pPr>
-            <a:r>
-              <a:rPr lang="en-GB" b="1" dirty="0">
-                <a:solidFill>
-                  <a:srgbClr val="00B050"/>
-                </a:solidFill>
-              </a:rPr>
-              <a:t>Copy propagation</a:t>
-            </a:r>
-          </a:p>
-          <a:p>
-            <a:pPr marL="514350" indent="-514350">
-              <a:buFont typeface="+mj-lt"/>
-              <a:buAutoNum type="alphaUcPeriod"/>
-            </a:pPr>
-            <a:r>
-              <a:rPr lang="en-GB" dirty="0"/>
-              <a:t>Constant folding</a:t>
-            </a:r>
-            <a:endParaRPr lang="en-SG" dirty="0"/>
-          </a:p>
-        </p:txBody>
-      </p:sp>
-    </p:spTree>
-    <p:extLst>
-      <p:ext uri="{BB962C8B-B14F-4D97-AF65-F5344CB8AC3E}">
-        <p14:creationId xmlns:p14="http://schemas.microsoft.com/office/powerpoint/2010/main" val="48325011"/>
-      </p:ext>
-    </p:extLst>
-  </p:cSld>
-  <p:clrMapOvr>
-    <a:masterClrMapping/>
-  </p:clrMapOvr>
-</p:sld>
-</file>
-
-<file path=ppt/slides/slide83.xml><?xml version="1.0" encoding="utf-8"?>
-<p:sld xmlns:a="http://schemas.openxmlformats.org/drawingml/2006/main" xmlns:r="http://schemas.openxmlformats.org/officeDocument/2006/relationships" xmlns:p="http://schemas.openxmlformats.org/presentationml/2006/main">
-  <p:cSld>
-    <p:spTree>
-      <p:nvGrpSpPr>
-        <p:cNvPr id="1" name=""/>
-        <p:cNvGrpSpPr/>
-        <p:nvPr/>
-      </p:nvGrpSpPr>
-      <p:grpSpPr>
-        <a:xfrm>
-          <a:off x="0" y="0"/>
-          <a:ext cx="0" cy="0"/>
-          <a:chOff x="0" y="0"/>
-          <a:chExt cx="0" cy="0"/>
-        </a:xfrm>
-      </p:grpSpPr>
-      <p:sp>
-        <p:nvSpPr>
-          <p:cNvPr id="2" name="Title 1">
-            <a:extLst>
-              <a:ext uri="{FF2B5EF4-FFF2-40B4-BE49-F238E27FC236}">
-                <a16:creationId xmlns:a16="http://schemas.microsoft.com/office/drawing/2014/main" id="{15A463E6-6AD4-6B21-C9FB-942C567487B9}"/>
-              </a:ext>
-            </a:extLst>
-          </p:cNvPr>
-          <p:cNvSpPr>
-            <a:spLocks noGrp="1"/>
-          </p:cNvSpPr>
-          <p:nvPr>
-            <p:ph type="title"/>
-          </p:nvPr>
-        </p:nvSpPr>
-        <p:spPr/>
-        <p:txBody>
-          <a:bodyPr/>
-          <a:lstStyle/>
-          <a:p>
-            <a:r>
-              <a:rPr lang="en-GB" dirty="0"/>
-              <a:t>Quiz time!</a:t>
-            </a:r>
-            <a:endParaRPr lang="en-SG" dirty="0"/>
-          </a:p>
-        </p:txBody>
-      </p:sp>
-      <p:sp>
-        <p:nvSpPr>
-          <p:cNvPr id="3" name="Content Placeholder 2">
-            <a:extLst>
-              <a:ext uri="{FF2B5EF4-FFF2-40B4-BE49-F238E27FC236}">
-                <a16:creationId xmlns:a16="http://schemas.microsoft.com/office/drawing/2014/main" id="{8E56053A-8A0B-8A8E-7BC4-699184E73B45}"/>
-              </a:ext>
-            </a:extLst>
-          </p:cNvPr>
-          <p:cNvSpPr>
-            <a:spLocks noGrp="1"/>
-          </p:cNvSpPr>
-          <p:nvPr>
-            <p:ph idx="1"/>
-          </p:nvPr>
-        </p:nvSpPr>
-        <p:spPr/>
-        <p:txBody>
-          <a:bodyPr/>
-          <a:lstStyle/>
-          <a:p>
-            <a:pPr marL="0" indent="0">
-              <a:buNone/>
-            </a:pPr>
-            <a:r>
-              <a:rPr lang="en-GB" b="1" dirty="0"/>
-              <a:t>Which of the following optimization techniques can be applied both locally and globally?</a:t>
-            </a:r>
-          </a:p>
-          <a:p>
-            <a:pPr marL="514350" indent="-514350">
-              <a:buFont typeface="+mj-lt"/>
-              <a:buAutoNum type="alphaUcPeriod"/>
-            </a:pPr>
-            <a:r>
-              <a:rPr lang="en-GB" dirty="0"/>
-              <a:t>Dead code elimination</a:t>
-            </a:r>
-          </a:p>
-          <a:p>
-            <a:pPr marL="514350" indent="-514350">
-              <a:buFont typeface="+mj-lt"/>
-              <a:buAutoNum type="alphaUcPeriod"/>
-            </a:pPr>
-            <a:r>
-              <a:rPr lang="en-GB" dirty="0"/>
-              <a:t>Constant folding</a:t>
-            </a:r>
-          </a:p>
-          <a:p>
-            <a:pPr marL="514350" indent="-514350">
-              <a:buFont typeface="+mj-lt"/>
-              <a:buAutoNum type="alphaUcPeriod"/>
-            </a:pPr>
-            <a:r>
-              <a:rPr lang="en-GB" dirty="0"/>
-              <a:t>Loop-invariant code motion</a:t>
-            </a:r>
-          </a:p>
-          <a:p>
-            <a:pPr marL="514350" indent="-514350">
-              <a:buFont typeface="+mj-lt"/>
-              <a:buAutoNum type="alphaUcPeriod"/>
-            </a:pPr>
-            <a:r>
-              <a:rPr lang="en-GB" dirty="0"/>
-              <a:t>Both A and B</a:t>
-            </a:r>
-            <a:endParaRPr lang="en-SG" dirty="0"/>
-          </a:p>
-        </p:txBody>
-      </p:sp>
-    </p:spTree>
-    <p:extLst>
-      <p:ext uri="{BB962C8B-B14F-4D97-AF65-F5344CB8AC3E}">
-        <p14:creationId xmlns:p14="http://schemas.microsoft.com/office/powerpoint/2010/main" val="2011251291"/>
-      </p:ext>
-    </p:extLst>
-  </p:cSld>
-  <p:clrMapOvr>
-    <a:masterClrMapping/>
-  </p:clrMapOvr>
-</p:sld>
-</file>
-
-<file path=ppt/slides/slide84.xml><?xml version="1.0" encoding="utf-8"?>
-<p:sld xmlns:a="http://schemas.openxmlformats.org/drawingml/2006/main" xmlns:r="http://schemas.openxmlformats.org/officeDocument/2006/relationships" xmlns:p="http://schemas.openxmlformats.org/presentationml/2006/main">
-  <p:cSld>
-    <p:spTree>
-      <p:nvGrpSpPr>
-        <p:cNvPr id="1" name=""/>
-        <p:cNvGrpSpPr/>
-        <p:nvPr/>
-      </p:nvGrpSpPr>
-      <p:grpSpPr>
-        <a:xfrm>
-          <a:off x="0" y="0"/>
-          <a:ext cx="0" cy="0"/>
-          <a:chOff x="0" y="0"/>
-          <a:chExt cx="0" cy="0"/>
-        </a:xfrm>
-      </p:grpSpPr>
-      <p:sp>
-        <p:nvSpPr>
-          <p:cNvPr id="2" name="Title 1">
-            <a:extLst>
-              <a:ext uri="{FF2B5EF4-FFF2-40B4-BE49-F238E27FC236}">
-                <a16:creationId xmlns:a16="http://schemas.microsoft.com/office/drawing/2014/main" id="{15A463E6-6AD4-6B21-C9FB-942C567487B9}"/>
-              </a:ext>
-            </a:extLst>
-          </p:cNvPr>
-          <p:cNvSpPr>
-            <a:spLocks noGrp="1"/>
-          </p:cNvSpPr>
-          <p:nvPr>
-            <p:ph type="title"/>
-          </p:nvPr>
-        </p:nvSpPr>
-        <p:spPr/>
-        <p:txBody>
-          <a:bodyPr/>
-          <a:lstStyle/>
-          <a:p>
-            <a:r>
-              <a:rPr lang="en-GB" dirty="0"/>
-              <a:t>Quiz time!</a:t>
-            </a:r>
-            <a:endParaRPr lang="en-SG" dirty="0"/>
-          </a:p>
-        </p:txBody>
-      </p:sp>
-      <p:sp>
-        <p:nvSpPr>
-          <p:cNvPr id="3" name="Content Placeholder 2">
-            <a:extLst>
-              <a:ext uri="{FF2B5EF4-FFF2-40B4-BE49-F238E27FC236}">
-                <a16:creationId xmlns:a16="http://schemas.microsoft.com/office/drawing/2014/main" id="{8E56053A-8A0B-8A8E-7BC4-699184E73B45}"/>
-              </a:ext>
-            </a:extLst>
-          </p:cNvPr>
-          <p:cNvSpPr>
-            <a:spLocks noGrp="1"/>
-          </p:cNvSpPr>
-          <p:nvPr>
-            <p:ph idx="1"/>
-          </p:nvPr>
-        </p:nvSpPr>
-        <p:spPr/>
-        <p:txBody>
-          <a:bodyPr/>
-          <a:lstStyle/>
-          <a:p>
-            <a:pPr marL="0" indent="0">
-              <a:buNone/>
-            </a:pPr>
-            <a:r>
-              <a:rPr lang="en-GB" b="1" dirty="0"/>
-              <a:t>Which of the following optimization techniques can be applied both locally and globally?</a:t>
-            </a:r>
-          </a:p>
-          <a:p>
-            <a:pPr marL="514350" indent="-514350">
-              <a:buFont typeface="+mj-lt"/>
-              <a:buAutoNum type="alphaUcPeriod"/>
-            </a:pPr>
-            <a:r>
-              <a:rPr lang="en-GB" dirty="0"/>
-              <a:t>Dead code elimination</a:t>
-            </a:r>
-          </a:p>
-          <a:p>
-            <a:pPr marL="514350" indent="-514350">
-              <a:buFont typeface="+mj-lt"/>
-              <a:buAutoNum type="alphaUcPeriod"/>
-            </a:pPr>
-            <a:r>
-              <a:rPr lang="en-GB" dirty="0"/>
-              <a:t>Constant folding</a:t>
-            </a:r>
-          </a:p>
-          <a:p>
-            <a:pPr marL="514350" indent="-514350">
-              <a:buFont typeface="+mj-lt"/>
-              <a:buAutoNum type="alphaUcPeriod"/>
-            </a:pPr>
-            <a:r>
-              <a:rPr lang="en-GB" dirty="0"/>
-              <a:t>Loop-invariant code motion</a:t>
-            </a:r>
-          </a:p>
-          <a:p>
-            <a:pPr marL="514350" indent="-514350">
-              <a:buFont typeface="+mj-lt"/>
-              <a:buAutoNum type="alphaUcPeriod"/>
-            </a:pPr>
-            <a:r>
-              <a:rPr lang="en-GB" b="1" dirty="0">
-                <a:solidFill>
-                  <a:srgbClr val="00B050"/>
-                </a:solidFill>
-              </a:rPr>
-              <a:t>Both A and B</a:t>
-            </a:r>
-            <a:endParaRPr lang="en-SG" b="1" dirty="0">
-              <a:solidFill>
-                <a:srgbClr val="00B050"/>
-              </a:solidFill>
-            </a:endParaRPr>
-          </a:p>
-        </p:txBody>
-      </p:sp>
-    </p:spTree>
-    <p:extLst>
-      <p:ext uri="{BB962C8B-B14F-4D97-AF65-F5344CB8AC3E}">
-        <p14:creationId xmlns:p14="http://schemas.microsoft.com/office/powerpoint/2010/main" val="2607341902"/>
-      </p:ext>
-    </p:extLst>
-  </p:cSld>
-  <p:clrMapOvr>
-    <a:masterClrMapping/>
-  </p:clrMapOvr>
-</p:sld>
-</file>
-
-<file path=ppt/slides/slide85.xml><?xml version="1.0" encoding="utf-8"?>
-<p:sld xmlns:a="http://schemas.openxmlformats.org/drawingml/2006/main" xmlns:r="http://schemas.openxmlformats.org/officeDocument/2006/relationships" xmlns:p="http://schemas.openxmlformats.org/presentationml/2006/main">
-  <p:cSld>
-    <p:spTree>
-      <p:nvGrpSpPr>
-        <p:cNvPr id="1" name=""/>
-        <p:cNvGrpSpPr/>
-        <p:nvPr/>
-      </p:nvGrpSpPr>
-      <p:grpSpPr>
-        <a:xfrm>
-          <a:off x="0" y="0"/>
-          <a:ext cx="0" cy="0"/>
-          <a:chOff x="0" y="0"/>
-          <a:chExt cx="0" cy="0"/>
-        </a:xfrm>
-      </p:grpSpPr>
-      <p:sp>
-        <p:nvSpPr>
-          <p:cNvPr id="2" name="Title 1">
-            <a:extLst>
-              <a:ext uri="{FF2B5EF4-FFF2-40B4-BE49-F238E27FC236}">
-                <a16:creationId xmlns:a16="http://schemas.microsoft.com/office/drawing/2014/main" id="{2BC52D38-330A-8A46-8ABB-8BCE1CC70D39}"/>
-              </a:ext>
-            </a:extLst>
-          </p:cNvPr>
-          <p:cNvSpPr>
-            <a:spLocks noGrp="1"/>
-          </p:cNvSpPr>
-          <p:nvPr>
-            <p:ph type="title"/>
-          </p:nvPr>
-        </p:nvSpPr>
-        <p:spPr/>
-        <p:txBody>
-          <a:bodyPr/>
-          <a:lstStyle/>
-          <a:p>
-            <a:r>
-              <a:rPr lang="en-GB" dirty="0"/>
-              <a:t>Implementing CP (almost like CSE)</a:t>
-            </a:r>
-            <a:endParaRPr lang="en-SG" dirty="0"/>
-          </a:p>
-        </p:txBody>
-      </p:sp>
-      <p:sp>
-        <p:nvSpPr>
-          <p:cNvPr id="3" name="Content Placeholder 2">
-            <a:extLst>
-              <a:ext uri="{FF2B5EF4-FFF2-40B4-BE49-F238E27FC236}">
-                <a16:creationId xmlns:a16="http://schemas.microsoft.com/office/drawing/2014/main" id="{93BC19C0-2BCB-0E50-9ACA-400F399B8A6C}"/>
-              </a:ext>
-            </a:extLst>
-          </p:cNvPr>
-          <p:cNvSpPr>
-            <a:spLocks noGrp="1"/>
-          </p:cNvSpPr>
-          <p:nvPr>
-            <p:ph idx="1"/>
-          </p:nvPr>
-        </p:nvSpPr>
-        <p:spPr>
-          <a:xfrm>
-            <a:off x="838200" y="1825624"/>
-            <a:ext cx="10515600" cy="5032375"/>
-          </a:xfrm>
-        </p:spPr>
-        <p:txBody>
-          <a:bodyPr>
-            <a:normAutofit/>
-          </a:bodyPr>
-          <a:lstStyle/>
-          <a:p>
-            <a:pPr marL="0" indent="0">
-              <a:buNone/>
-            </a:pPr>
-            <a:r>
-              <a:rPr lang="en-GB" b="1" dirty="0"/>
-              <a:t>Question (for now): </a:t>
-            </a:r>
-            <a:r>
-              <a:rPr lang="en-GB" dirty="0"/>
-              <a:t>Should it work for partial expressions also?</a:t>
-            </a:r>
-            <a:br>
-              <a:rPr lang="en-GB" dirty="0"/>
-            </a:br>
-            <a:r>
-              <a:rPr lang="en-GB" dirty="0"/>
-              <a:t>Should we replace the code as shown below?</a:t>
-            </a:r>
-            <a:br>
-              <a:rPr lang="en-GB" dirty="0"/>
-            </a:br>
-            <a:r>
-              <a:rPr lang="en-GB" dirty="0"/>
-              <a:t>What would change in the algorithm discussed in previous slide?</a:t>
-            </a:r>
-          </a:p>
-          <a:p>
-            <a:pPr marL="0" indent="0">
-              <a:buNone/>
-            </a:pPr>
-            <a:endParaRPr lang="en-GB" dirty="0"/>
-          </a:p>
-          <a:p>
-            <a:pPr marL="0" indent="0">
-              <a:buNone/>
-            </a:pPr>
-            <a:endParaRPr lang="en-GB" dirty="0"/>
-          </a:p>
-          <a:p>
-            <a:pPr marL="0" indent="0">
-              <a:buNone/>
-            </a:pPr>
-            <a:endParaRPr lang="en-GB" dirty="0"/>
-          </a:p>
-          <a:p>
-            <a:pPr marL="0" indent="0">
-              <a:buNone/>
-            </a:pPr>
-            <a:endParaRPr lang="en-GB" dirty="0"/>
-          </a:p>
-          <a:p>
-            <a:pPr marL="0" indent="0">
-              <a:buNone/>
-            </a:pPr>
-            <a:endParaRPr lang="en-GB" dirty="0"/>
-          </a:p>
-          <a:p>
-            <a:pPr marL="0" indent="0">
-              <a:buNone/>
-            </a:pPr>
-            <a:r>
-              <a:rPr lang="en-GB" b="1" dirty="0">
-                <a:solidFill>
-                  <a:schemeClr val="bg1">
-                    <a:lumMod val="50000"/>
-                  </a:schemeClr>
-                </a:solidFill>
-              </a:rPr>
-              <a:t>Practice (for later): </a:t>
-            </a:r>
-            <a:r>
-              <a:rPr lang="en-GB" dirty="0">
-                <a:solidFill>
-                  <a:schemeClr val="bg1">
-                    <a:lumMod val="50000"/>
-                  </a:schemeClr>
-                </a:solidFill>
-              </a:rPr>
-              <a:t>Following the idea of the implementation of the CSE optimization, could you figure out how to implement the full CP?</a:t>
-            </a:r>
-          </a:p>
-          <a:p>
-            <a:pPr marL="0" indent="0">
-              <a:buNone/>
-            </a:pPr>
-            <a:endParaRPr lang="en-SG" dirty="0"/>
-          </a:p>
-        </p:txBody>
-      </p:sp>
-      <p:sp>
-        <p:nvSpPr>
-          <p:cNvPr id="4" name="TextBox 3">
-            <a:extLst>
-              <a:ext uri="{FF2B5EF4-FFF2-40B4-BE49-F238E27FC236}">
-                <a16:creationId xmlns:a16="http://schemas.microsoft.com/office/drawing/2014/main" id="{5462A23C-7DB1-D084-2C28-550BCB99A7A9}"/>
-              </a:ext>
-            </a:extLst>
-          </p:cNvPr>
-          <p:cNvSpPr txBox="1"/>
-          <p:nvPr/>
-        </p:nvSpPr>
-        <p:spPr>
-          <a:xfrm>
-            <a:off x="1086338" y="3063631"/>
-            <a:ext cx="4353170" cy="2062103"/>
-          </a:xfrm>
-          <a:prstGeom prst="rect">
-            <a:avLst/>
-          </a:prstGeom>
-          <a:noFill/>
-        </p:spPr>
-        <p:txBody>
-          <a:bodyPr wrap="square" rtlCol="0">
-            <a:spAutoFit/>
-          </a:bodyPr>
-          <a:lstStyle/>
-          <a:p>
-            <a:pPr algn="ctr"/>
-            <a:r>
-              <a:rPr lang="en-GB" sz="3200" b="1" i="1" dirty="0">
-                <a:solidFill>
-                  <a:srgbClr val="00B050"/>
-                </a:solidFill>
-              </a:rPr>
-              <a:t>x = 4</a:t>
-            </a:r>
-          </a:p>
-          <a:p>
-            <a:pPr algn="ctr"/>
-            <a:r>
-              <a:rPr lang="en-GB" sz="3200" i="1" dirty="0"/>
-              <a:t>y = 2</a:t>
-            </a:r>
-          </a:p>
-          <a:p>
-            <a:pPr algn="ctr"/>
-            <a:r>
-              <a:rPr lang="en-GB" sz="3200" b="1" i="1" dirty="0">
-                <a:solidFill>
-                  <a:srgbClr val="00B050"/>
-                </a:solidFill>
-              </a:rPr>
-              <a:t>w = 4 </a:t>
-            </a:r>
-            <a:r>
-              <a:rPr lang="en-GB" sz="3200" i="1" dirty="0"/>
-              <a:t>+ y</a:t>
-            </a:r>
-          </a:p>
-          <a:p>
-            <a:pPr algn="ctr"/>
-            <a:r>
-              <a:rPr lang="en-GB" sz="3200" i="1" dirty="0"/>
-              <a:t>z = 2*w</a:t>
-            </a:r>
-            <a:endParaRPr lang="en-SG" sz="3200" i="1" dirty="0"/>
-          </a:p>
-        </p:txBody>
-      </p:sp>
-      <p:sp>
-        <p:nvSpPr>
-          <p:cNvPr id="5" name="TextBox 4">
-            <a:extLst>
-              <a:ext uri="{FF2B5EF4-FFF2-40B4-BE49-F238E27FC236}">
-                <a16:creationId xmlns:a16="http://schemas.microsoft.com/office/drawing/2014/main" id="{6486D35B-3C22-CCAB-9B50-37AE59CC76D9}"/>
-              </a:ext>
-            </a:extLst>
-          </p:cNvPr>
-          <p:cNvSpPr txBox="1"/>
-          <p:nvPr/>
-        </p:nvSpPr>
-        <p:spPr>
-          <a:xfrm>
-            <a:off x="6600094" y="3063631"/>
-            <a:ext cx="4353170" cy="2062103"/>
-          </a:xfrm>
-          <a:prstGeom prst="rect">
-            <a:avLst/>
-          </a:prstGeom>
-          <a:noFill/>
-        </p:spPr>
-        <p:txBody>
-          <a:bodyPr wrap="square" rtlCol="0">
-            <a:spAutoFit/>
-          </a:bodyPr>
-          <a:lstStyle/>
-          <a:p>
-            <a:pPr algn="ctr"/>
-            <a:r>
-              <a:rPr lang="en-GB" sz="3200" b="1" i="1" dirty="0">
-                <a:solidFill>
-                  <a:srgbClr val="00B050"/>
-                </a:solidFill>
-              </a:rPr>
-              <a:t>x = 4</a:t>
-            </a:r>
-          </a:p>
-          <a:p>
-            <a:pPr algn="ctr"/>
-            <a:r>
-              <a:rPr lang="en-GB" sz="3200" i="1" dirty="0"/>
-              <a:t>y = 2</a:t>
-            </a:r>
-          </a:p>
-          <a:p>
-            <a:pPr algn="ctr"/>
-            <a:r>
-              <a:rPr lang="en-GB" sz="3200" b="1" i="1" dirty="0">
-                <a:solidFill>
-                  <a:srgbClr val="00B050"/>
-                </a:solidFill>
-              </a:rPr>
-              <a:t>w = x </a:t>
-            </a:r>
-            <a:r>
-              <a:rPr lang="en-GB" sz="3200" i="1" dirty="0"/>
-              <a:t>+ y</a:t>
-            </a:r>
-          </a:p>
-          <a:p>
-            <a:pPr algn="ctr"/>
-            <a:r>
-              <a:rPr lang="en-GB" sz="3200" i="1" dirty="0"/>
-              <a:t>z = 2*w</a:t>
-            </a:r>
-            <a:endParaRPr lang="en-SG" sz="3200" i="1" dirty="0"/>
-          </a:p>
-        </p:txBody>
-      </p:sp>
-      <p:sp>
-        <p:nvSpPr>
-          <p:cNvPr id="6" name="Arrow: Right 5">
-            <a:extLst>
-              <a:ext uri="{FF2B5EF4-FFF2-40B4-BE49-F238E27FC236}">
-                <a16:creationId xmlns:a16="http://schemas.microsoft.com/office/drawing/2014/main" id="{78119F65-1FE5-6B28-B98A-977F63927BD6}"/>
-              </a:ext>
-            </a:extLst>
-          </p:cNvPr>
-          <p:cNvSpPr/>
-          <p:nvPr/>
-        </p:nvSpPr>
-        <p:spPr>
-          <a:xfrm>
-            <a:off x="4954954" y="3602893"/>
-            <a:ext cx="2532184" cy="1008184"/>
-          </a:xfrm>
-          <a:prstGeom prst="rightArrow">
-            <a:avLst/>
-          </a:prstGeom>
-        </p:spPr>
-        <p:style>
-          <a:lnRef idx="2">
-            <a:schemeClr val="dk1">
-              <a:shade val="50000"/>
-            </a:schemeClr>
-          </a:lnRef>
-          <a:fillRef idx="1">
-            <a:schemeClr val="dk1"/>
-          </a:fillRef>
-          <a:effectRef idx="0">
-            <a:schemeClr val="dk1"/>
-          </a:effectRef>
-          <a:fontRef idx="minor">
-            <a:schemeClr val="lt1"/>
-          </a:fontRef>
-        </p:style>
-        <p:txBody>
-          <a:bodyPr rtlCol="0" anchor="ctr"/>
-          <a:lstStyle/>
-          <a:p>
-            <a:pPr algn="ctr"/>
-            <a:endParaRPr lang="en-SG"/>
-          </a:p>
-        </p:txBody>
-      </p:sp>
-    </p:spTree>
-    <p:extLst>
-      <p:ext uri="{BB962C8B-B14F-4D97-AF65-F5344CB8AC3E}">
-        <p14:creationId xmlns:p14="http://schemas.microsoft.com/office/powerpoint/2010/main" val="1261878350"/>
-      </p:ext>
-    </p:extLst>
-  </p:cSld>
-  <p:clrMapOvr>
-    <a:masterClrMapping/>
-  </p:clrMapOvr>
-</p:sld>
-</file>
-
-<file path=ppt/slides/slide86.xml><?xml version="1.0" encoding="utf-8"?>
-<p:sld xmlns:a="http://schemas.openxmlformats.org/drawingml/2006/main" xmlns:r="http://schemas.openxmlformats.org/officeDocument/2006/relationships" xmlns:p="http://schemas.openxmlformats.org/presentationml/2006/main">
-  <p:cSld>
-    <p:spTree>
-      <p:nvGrpSpPr>
-        <p:cNvPr id="1" name=""/>
-        <p:cNvGrpSpPr/>
-        <p:nvPr/>
-      </p:nvGrpSpPr>
-      <p:grpSpPr>
-        <a:xfrm>
-          <a:off x="0" y="0"/>
-          <a:ext cx="0" cy="0"/>
-          <a:chOff x="0" y="0"/>
-          <a:chExt cx="0" cy="0"/>
-        </a:xfrm>
-      </p:grpSpPr>
-      <p:sp>
-        <p:nvSpPr>
-          <p:cNvPr id="2" name="Title 1">
-            <a:extLst>
-              <a:ext uri="{FF2B5EF4-FFF2-40B4-BE49-F238E27FC236}">
-                <a16:creationId xmlns:a16="http://schemas.microsoft.com/office/drawing/2014/main" id="{1E63C960-38EC-E288-8B7A-0EB14DA4408B}"/>
-              </a:ext>
-            </a:extLst>
-          </p:cNvPr>
-          <p:cNvSpPr>
-            <a:spLocks noGrp="1"/>
-          </p:cNvSpPr>
-          <p:nvPr>
-            <p:ph type="title"/>
-          </p:nvPr>
-        </p:nvSpPr>
-        <p:spPr/>
-        <p:txBody>
-          <a:bodyPr/>
-          <a:lstStyle/>
-          <a:p>
-            <a:r>
-              <a:rPr lang="en-GB" dirty="0"/>
-              <a:t>Live variables, in action</a:t>
-            </a:r>
-            <a:endParaRPr lang="en-SG" dirty="0"/>
-          </a:p>
-        </p:txBody>
-      </p:sp>
-      <p:sp>
-        <p:nvSpPr>
-          <p:cNvPr id="3" name="Content Placeholder 2">
-            <a:extLst>
-              <a:ext uri="{FF2B5EF4-FFF2-40B4-BE49-F238E27FC236}">
-                <a16:creationId xmlns:a16="http://schemas.microsoft.com/office/drawing/2014/main" id="{E21DF8F1-FD8C-18B1-2128-6679A4FD8A95}"/>
-              </a:ext>
-            </a:extLst>
-          </p:cNvPr>
-          <p:cNvSpPr>
-            <a:spLocks noGrp="1"/>
-          </p:cNvSpPr>
-          <p:nvPr>
-            <p:ph idx="1"/>
-          </p:nvPr>
-        </p:nvSpPr>
-        <p:spPr>
-          <a:xfrm>
-            <a:off x="838200" y="1508370"/>
-            <a:ext cx="10515600" cy="5220676"/>
-          </a:xfrm>
-        </p:spPr>
-        <p:txBody>
-          <a:bodyPr>
-            <a:normAutofit/>
-          </a:bodyPr>
-          <a:lstStyle/>
-          <a:p>
-            <a:pPr marL="0" indent="0" algn="ctr">
-              <a:buNone/>
-            </a:pPr>
-            <a:r>
-              <a:rPr lang="pt-BR" i="1" dirty="0"/>
-              <a:t>a = b;</a:t>
-            </a:r>
-          </a:p>
-          <a:p>
-            <a:pPr marL="0" indent="0" algn="ctr">
-              <a:buNone/>
-            </a:pPr>
-            <a:r>
-              <a:rPr lang="pt-BR" i="1" dirty="0"/>
-              <a:t>d = a + b;</a:t>
-            </a:r>
-          </a:p>
-          <a:p>
-            <a:pPr marL="0" indent="0" algn="ctr">
-              <a:buNone/>
-            </a:pPr>
-            <a:r>
-              <a:rPr lang="pt-BR" i="1" dirty="0"/>
-              <a:t>d = a;</a:t>
-            </a:r>
-            <a:endParaRPr lang="pt-BR" dirty="0"/>
-          </a:p>
-          <a:p>
-            <a:pPr marL="0" indent="0" algn="ctr">
-              <a:buNone/>
-            </a:pPr>
-            <a:r>
-              <a:rPr lang="pt-BR" i="1" dirty="0"/>
-              <a:t>printf(b, d)</a:t>
-            </a:r>
-          </a:p>
-          <a:p>
-            <a:pPr marL="0" indent="0" algn="ctr">
-              <a:buNone/>
-            </a:pPr>
-            <a:endParaRPr lang="pt-BR" i="1" dirty="0"/>
-          </a:p>
-          <a:p>
-            <a:pPr marL="0" indent="0">
-              <a:buNone/>
-            </a:pPr>
-            <a:endParaRPr lang="en-GB" dirty="0">
-              <a:solidFill>
-                <a:schemeClr val="bg1">
-                  <a:lumMod val="50000"/>
-                </a:schemeClr>
-              </a:solidFill>
-            </a:endParaRPr>
-          </a:p>
-          <a:p>
-            <a:pPr marL="0" indent="0">
-              <a:buNone/>
-            </a:pPr>
-            <a:r>
-              <a:rPr lang="en-GB" b="1" dirty="0">
-                <a:solidFill>
-                  <a:schemeClr val="bg1">
-                    <a:lumMod val="50000"/>
-                  </a:schemeClr>
-                </a:solidFill>
-              </a:rPr>
-              <a:t>Practice (for later): </a:t>
-            </a:r>
-            <a:r>
-              <a:rPr lang="en-GB" dirty="0">
-                <a:solidFill>
-                  <a:schemeClr val="bg1">
-                    <a:lumMod val="50000"/>
-                  </a:schemeClr>
-                </a:solidFill>
-              </a:rPr>
-              <a:t>How would you implement the DCE optimization?</a:t>
-            </a:r>
-          </a:p>
-          <a:p>
-            <a:pPr marL="0" indent="0">
-              <a:buNone/>
-            </a:pPr>
-            <a:r>
-              <a:rPr lang="en-GB" dirty="0">
-                <a:solidFill>
-                  <a:schemeClr val="bg1">
-                    <a:lumMod val="50000"/>
-                  </a:schemeClr>
-                </a:solidFill>
-              </a:rPr>
-              <a:t>Is it again similar to what the CSE and CP do?</a:t>
-            </a:r>
-          </a:p>
-        </p:txBody>
-      </p:sp>
-      <p:sp>
-        <p:nvSpPr>
-          <p:cNvPr id="4" name="TextBox 3">
-            <a:extLst>
-              <a:ext uri="{FF2B5EF4-FFF2-40B4-BE49-F238E27FC236}">
-                <a16:creationId xmlns:a16="http://schemas.microsoft.com/office/drawing/2014/main" id="{590711A0-8EBB-EB88-69FE-9C06DCB3245D}"/>
-              </a:ext>
-            </a:extLst>
-          </p:cNvPr>
-          <p:cNvSpPr txBox="1"/>
-          <p:nvPr/>
-        </p:nvSpPr>
-        <p:spPr>
-          <a:xfrm>
-            <a:off x="8682893" y="1424965"/>
-            <a:ext cx="2907323" cy="2308324"/>
-          </a:xfrm>
-          <a:prstGeom prst="rect">
-            <a:avLst/>
-          </a:prstGeom>
-          <a:noFill/>
-        </p:spPr>
-        <p:txBody>
-          <a:bodyPr wrap="square" rtlCol="0">
-            <a:spAutoFit/>
-          </a:bodyPr>
-          <a:lstStyle/>
-          <a:p>
-            <a:r>
-              <a:rPr lang="en-GB" sz="2400" dirty="0"/>
-              <a:t>Rinse and repeat the process once more!</a:t>
-            </a:r>
-          </a:p>
-          <a:p>
-            <a:pPr marL="342900" indent="-342900">
-              <a:buFont typeface="Arial" panose="020B0604020202020204" pitchFamily="34" charset="0"/>
-              <a:buChar char="•"/>
-            </a:pPr>
-            <a:r>
-              <a:rPr lang="en-GB" sz="2400" b="1" dirty="0"/>
-              <a:t>Step 1: </a:t>
-            </a:r>
-            <a:r>
-              <a:rPr lang="en-GB" sz="2400" dirty="0"/>
-              <a:t>Liveness analysis, first.</a:t>
-            </a:r>
-          </a:p>
-          <a:p>
-            <a:pPr marL="342900" indent="-342900">
-              <a:buFont typeface="Arial" panose="020B0604020202020204" pitchFamily="34" charset="0"/>
-              <a:buChar char="•"/>
-            </a:pPr>
-            <a:r>
-              <a:rPr lang="en-GB" sz="2400" b="1" dirty="0"/>
-              <a:t>Step 2: </a:t>
-            </a:r>
-            <a:r>
-              <a:rPr lang="en-GB" sz="2400" dirty="0"/>
-              <a:t>Dead code elimination, again.</a:t>
-            </a:r>
-            <a:endParaRPr lang="en-SG" sz="2400" dirty="0"/>
-          </a:p>
-        </p:txBody>
-      </p:sp>
-    </p:spTree>
-    <p:extLst>
-      <p:ext uri="{BB962C8B-B14F-4D97-AF65-F5344CB8AC3E}">
-        <p14:creationId xmlns:p14="http://schemas.microsoft.com/office/powerpoint/2010/main" val="1776332178"/>
-      </p:ext>
-    </p:extLst>
-  </p:cSld>
-  <p:clrMapOvr>
-    <a:masterClrMapping/>
-  </p:clrMapOvr>
-</p:sld>
-</file>
-
-<file path=ppt/slides/slide87.xml><?xml version="1.0" encoding="utf-8"?>
-<p:sld xmlns:a="http://schemas.openxmlformats.org/drawingml/2006/main" xmlns:r="http://schemas.openxmlformats.org/officeDocument/2006/relationships" xmlns:p="http://schemas.openxmlformats.org/presentationml/2006/main">
-  <p:cSld>
-    <p:spTree>
-      <p:nvGrpSpPr>
-        <p:cNvPr id="1" name=""/>
-        <p:cNvGrpSpPr/>
-        <p:nvPr/>
-      </p:nvGrpSpPr>
-      <p:grpSpPr>
-        <a:xfrm>
-          <a:off x="0" y="0"/>
-          <a:ext cx="0" cy="0"/>
-          <a:chOff x="0" y="0"/>
-          <a:chExt cx="0" cy="0"/>
-        </a:xfrm>
-      </p:grpSpPr>
-      <p:sp>
-        <p:nvSpPr>
-          <p:cNvPr id="2" name="Title 1">
-            <a:extLst>
-              <a:ext uri="{FF2B5EF4-FFF2-40B4-BE49-F238E27FC236}">
-                <a16:creationId xmlns:a16="http://schemas.microsoft.com/office/drawing/2014/main" id="{40145DDB-1807-1689-8A0E-90EACCDD539A}"/>
-              </a:ext>
-            </a:extLst>
-          </p:cNvPr>
-          <p:cNvSpPr>
-            <a:spLocks noGrp="1"/>
-          </p:cNvSpPr>
-          <p:nvPr>
-            <p:ph type="title"/>
-          </p:nvPr>
-        </p:nvSpPr>
-        <p:spPr/>
-        <p:txBody>
-          <a:bodyPr/>
-          <a:lstStyle/>
-          <a:p>
-            <a:r>
-              <a:rPr lang="en-GB" dirty="0"/>
-              <a:t>Combining the local optimization techniques</a:t>
-            </a:r>
-            <a:endParaRPr lang="en-SG" dirty="0"/>
-          </a:p>
-        </p:txBody>
-      </p:sp>
-      <p:sp>
-        <p:nvSpPr>
-          <p:cNvPr id="3" name="Content Placeholder 2">
-            <a:extLst>
-              <a:ext uri="{FF2B5EF4-FFF2-40B4-BE49-F238E27FC236}">
-                <a16:creationId xmlns:a16="http://schemas.microsoft.com/office/drawing/2014/main" id="{EDE17E52-4CE0-62A8-4183-47811CF62950}"/>
-              </a:ext>
-            </a:extLst>
-          </p:cNvPr>
-          <p:cNvSpPr>
-            <a:spLocks noGrp="1"/>
-          </p:cNvSpPr>
-          <p:nvPr>
-            <p:ph idx="1"/>
-          </p:nvPr>
-        </p:nvSpPr>
-        <p:spPr>
-          <a:xfrm>
-            <a:off x="838200" y="1825624"/>
-            <a:ext cx="10515600" cy="5032375"/>
-          </a:xfrm>
-        </p:spPr>
-        <p:txBody>
-          <a:bodyPr>
-            <a:normAutofit/>
-          </a:bodyPr>
-          <a:lstStyle/>
-          <a:p>
-            <a:pPr marL="0" indent="0">
-              <a:buNone/>
-            </a:pPr>
-            <a:r>
-              <a:rPr lang="en-GB" dirty="0"/>
-              <a:t>The different optimizations we have seen so far all take care of just a small piece of the optimization.</a:t>
-            </a:r>
-          </a:p>
-          <a:p>
-            <a:r>
-              <a:rPr lang="en-GB" b="1" dirty="0"/>
-              <a:t>Common subexpression elimination eliminates unnecessary statements.</a:t>
-            </a:r>
-          </a:p>
-          <a:p>
-            <a:r>
-              <a:rPr lang="en-GB" b="1" dirty="0"/>
-              <a:t>Copy propagation helps identify dead code.</a:t>
-            </a:r>
-          </a:p>
-          <a:p>
-            <a:r>
-              <a:rPr lang="en-GB" b="1" dirty="0"/>
-              <a:t>Dead code elimination removes statements that are no longer needed.</a:t>
-            </a:r>
-          </a:p>
-          <a:p>
-            <a:pPr marL="0" indent="0">
-              <a:buNone/>
-            </a:pPr>
-            <a:endParaRPr lang="en-GB" dirty="0"/>
-          </a:p>
-          <a:p>
-            <a:pPr marL="0" indent="0">
-              <a:buNone/>
-            </a:pPr>
-            <a:r>
-              <a:rPr lang="en-GB" b="1" dirty="0">
-                <a:solidFill>
-                  <a:schemeClr val="bg1">
-                    <a:lumMod val="50000"/>
-                  </a:schemeClr>
-                </a:solidFill>
-              </a:rPr>
-              <a:t>Practice: </a:t>
-            </a:r>
-            <a:r>
-              <a:rPr lang="en-GB" dirty="0">
-                <a:solidFill>
-                  <a:schemeClr val="bg1">
-                    <a:lumMod val="50000"/>
-                  </a:schemeClr>
-                </a:solidFill>
-              </a:rPr>
-              <a:t>how would you implement these operations to get maximum effect? We may have to apply these them several times in a row.</a:t>
-            </a:r>
-            <a:endParaRPr lang="en-SG" dirty="0">
-              <a:solidFill>
-                <a:schemeClr val="bg1">
-                  <a:lumMod val="50000"/>
-                </a:schemeClr>
-              </a:solidFill>
-            </a:endParaRPr>
-          </a:p>
-        </p:txBody>
-      </p:sp>
-    </p:spTree>
-    <p:extLst>
-      <p:ext uri="{BB962C8B-B14F-4D97-AF65-F5344CB8AC3E}">
-        <p14:creationId xmlns:p14="http://schemas.microsoft.com/office/powerpoint/2010/main" val="2313253270"/>
       </p:ext>
     </p:extLst>
   </p:cSld>
